--- a/mkokko_slides.pptx
+++ b/mkokko_slides.pptx
@@ -5,15 +5,18 @@
     <p:sldMasterId id="2147483688" r:id="rId1"/>
   </p:sldMasterIdLst>
   <p:notesMasterIdLst>
-    <p:notesMasterId r:id="rId5"/>
+    <p:notesMasterId r:id="rId8"/>
   </p:notesMasterIdLst>
   <p:handoutMasterIdLst>
-    <p:handoutMasterId r:id="rId6"/>
+    <p:handoutMasterId r:id="rId9"/>
   </p:handoutMasterIdLst>
   <p:sldIdLst>
-    <p:sldId id="306" r:id="rId2"/>
-    <p:sldId id="305" r:id="rId3"/>
-    <p:sldId id="307" r:id="rId4"/>
+    <p:sldId id="309" r:id="rId2"/>
+    <p:sldId id="310" r:id="rId3"/>
+    <p:sldId id="311" r:id="rId4"/>
+    <p:sldId id="312" r:id="rId5"/>
+    <p:sldId id="313" r:id="rId6"/>
+    <p:sldId id="314" r:id="rId7"/>
   </p:sldIdLst>
   <p:sldSz cx="9144000" cy="5143500" type="screen16x9"/>
   <p:notesSz cx="6858000" cy="9144000"/>
@@ -667,6 +670,654 @@
     </a:lvl9pPr>
   </p:notesStyle>
 </p:notesMaster>
+</file>
+
+<file path=ppt/notesSlides/notesSlide1.xml><?xml version="1.0" encoding="utf-8"?>
+<p:notes xmlns:a="http://schemas.openxmlformats.org/drawingml/2006/main" xmlns:r="http://schemas.openxmlformats.org/officeDocument/2006/relationships" xmlns:p="http://schemas.openxmlformats.org/presentationml/2006/main">
+  <p:cSld>
+    <p:spTree>
+      <p:nvGrpSpPr>
+        <p:cNvPr id="1" name=""/>
+        <p:cNvGrpSpPr/>
+        <p:nvPr/>
+      </p:nvGrpSpPr>
+      <p:grpSpPr>
+        <a:xfrm>
+          <a:off x="0" y="0"/>
+          <a:ext cx="0" cy="0"/>
+          <a:chOff x="0" y="0"/>
+          <a:chExt cx="0" cy="0"/>
+        </a:xfrm>
+      </p:grpSpPr>
+      <p:sp>
+        <p:nvSpPr>
+          <p:cNvPr id="2" name="Slide Image Placeholder 1"/>
+          <p:cNvSpPr>
+            <a:spLocks noGrp="1" noRot="1" noChangeAspect="1"/>
+          </p:cNvSpPr>
+          <p:nvPr>
+            <p:ph type="sldImg"/>
+          </p:nvPr>
+        </p:nvSpPr>
+        <p:spPr/>
+      </p:sp>
+      <p:sp>
+        <p:nvSpPr>
+          <p:cNvPr id="3" name="Notes Placeholder 2"/>
+          <p:cNvSpPr>
+            <a:spLocks noGrp="1"/>
+          </p:cNvSpPr>
+          <p:nvPr>
+            <p:ph type="body" idx="1"/>
+          </p:nvPr>
+        </p:nvSpPr>
+        <p:spPr/>
+        <p:txBody>
+          <a:bodyPr/>
+          <a:lstStyle/>
+          <a:p>
+            <a:endParaRPr lang="en-US" dirty="0"/>
+          </a:p>
+        </p:txBody>
+      </p:sp>
+      <p:sp>
+        <p:nvSpPr>
+          <p:cNvPr id="4" name="Slide Number Placeholder 3"/>
+          <p:cNvSpPr>
+            <a:spLocks noGrp="1"/>
+          </p:cNvSpPr>
+          <p:nvPr>
+            <p:ph type="sldNum" sz="quarter" idx="10"/>
+          </p:nvPr>
+        </p:nvSpPr>
+        <p:spPr/>
+        <p:txBody>
+          <a:bodyPr/>
+          <a:lstStyle/>
+          <a:p>
+            <a:fld id="{F55B09CE-7A7B-471C-A3CD-41847BF81532}" type="slidenum">
+              <a:rPr lang="en-GB" smtClean="0"/>
+              <a:t>1</a:t>
+            </a:fld>
+            <a:endParaRPr lang="en-GB"/>
+          </a:p>
+        </p:txBody>
+      </p:sp>
+    </p:spTree>
+    <p:extLst>
+      <p:ext uri="{BB962C8B-B14F-4D97-AF65-F5344CB8AC3E}">
+        <p14:creationId xmlns:p14="http://schemas.microsoft.com/office/powerpoint/2010/main" val="842530822"/>
+      </p:ext>
+    </p:extLst>
+  </p:cSld>
+  <p:clrMapOvr>
+    <a:masterClrMapping/>
+  </p:clrMapOvr>
+</p:notes>
+</file>
+
+<file path=ppt/notesSlides/notesSlide2.xml><?xml version="1.0" encoding="utf-8"?>
+<p:notes xmlns:a="http://schemas.openxmlformats.org/drawingml/2006/main" xmlns:r="http://schemas.openxmlformats.org/officeDocument/2006/relationships" xmlns:p="http://schemas.openxmlformats.org/presentationml/2006/main">
+  <p:cSld>
+    <p:spTree>
+      <p:nvGrpSpPr>
+        <p:cNvPr id="1" name=""/>
+        <p:cNvGrpSpPr/>
+        <p:nvPr/>
+      </p:nvGrpSpPr>
+      <p:grpSpPr>
+        <a:xfrm>
+          <a:off x="0" y="0"/>
+          <a:ext cx="0" cy="0"/>
+          <a:chOff x="0" y="0"/>
+          <a:chExt cx="0" cy="0"/>
+        </a:xfrm>
+      </p:grpSpPr>
+      <p:sp>
+        <p:nvSpPr>
+          <p:cNvPr id="2" name="Slide Image Placeholder 1"/>
+          <p:cNvSpPr>
+            <a:spLocks noGrp="1" noRot="1" noChangeAspect="1"/>
+          </p:cNvSpPr>
+          <p:nvPr>
+            <p:ph type="sldImg"/>
+          </p:nvPr>
+        </p:nvSpPr>
+        <p:spPr/>
+      </p:sp>
+      <p:sp>
+        <p:nvSpPr>
+          <p:cNvPr id="3" name="Notes Placeholder 2"/>
+          <p:cNvSpPr>
+            <a:spLocks noGrp="1"/>
+          </p:cNvSpPr>
+          <p:nvPr>
+            <p:ph type="body" idx="1"/>
+          </p:nvPr>
+        </p:nvSpPr>
+        <p:spPr/>
+        <p:txBody>
+          <a:bodyPr/>
+          <a:lstStyle/>
+          <a:p>
+            <a:r>
+              <a:rPr lang="en-US" b="1" dirty="0" smtClean="0"/>
+              <a:t>On previous slide:</a:t>
+            </a:r>
+            <a:r>
+              <a:rPr lang="en-US" dirty="0" smtClean="0"/>
+              <a:t> In words</a:t>
+            </a:r>
+            <a:r>
+              <a:rPr lang="en-US" baseline="0" dirty="0" smtClean="0"/>
+              <a:t> of the clinician we want to identify when a needle is present in the subcutaneous environment.</a:t>
+            </a:r>
+          </a:p>
+          <a:p>
+            <a:endParaRPr lang="en-US" baseline="0" dirty="0" smtClean="0"/>
+          </a:p>
+          <a:p>
+            <a:r>
+              <a:rPr lang="en-US" b="1" baseline="0" dirty="0" smtClean="0"/>
+              <a:t>This slide:</a:t>
+            </a:r>
+            <a:r>
+              <a:rPr lang="en-US" baseline="0" dirty="0" smtClean="0"/>
+              <a:t> In the words of the engineer, we want to find a FUNCTION that is a surjection from the hypothetical domain of all possible ultrasound images to the set {0,1}, where zero indicates the ABSENCE of a needle, and one indicates the PRESENCE of a needle. </a:t>
+            </a:r>
+            <a:r>
+              <a:rPr lang="en-ZA" sz="900" dirty="0" smtClean="0"/>
+              <a:t>Many ways</a:t>
+            </a:r>
+            <a:r>
+              <a:rPr lang="en-ZA" sz="900" baseline="0" dirty="0" smtClean="0"/>
+              <a:t> to define this function. Recalling that neural networks are just FUNCTION APPROXIMATORS, we chose a CNN. This </a:t>
+            </a:r>
+            <a:r>
+              <a:rPr lang="en-ZA" sz="900" dirty="0" smtClean="0"/>
+              <a:t>solution is practical</a:t>
+            </a:r>
+            <a:r>
+              <a:rPr lang="en-ZA" sz="900" baseline="0" dirty="0" smtClean="0"/>
+              <a:t> &amp;</a:t>
+            </a:r>
+            <a:r>
+              <a:rPr lang="en-ZA" sz="900" dirty="0" smtClean="0"/>
+              <a:t> valuable. CNN can be trained, and can identify new test data cases.</a:t>
+            </a:r>
+          </a:p>
+        </p:txBody>
+      </p:sp>
+      <p:sp>
+        <p:nvSpPr>
+          <p:cNvPr id="4" name="Slide Number Placeholder 3"/>
+          <p:cNvSpPr>
+            <a:spLocks noGrp="1"/>
+          </p:cNvSpPr>
+          <p:nvPr>
+            <p:ph type="sldNum" sz="quarter" idx="10"/>
+          </p:nvPr>
+        </p:nvSpPr>
+        <p:spPr/>
+        <p:txBody>
+          <a:bodyPr/>
+          <a:lstStyle/>
+          <a:p>
+            <a:fld id="{F55B09CE-7A7B-471C-A3CD-41847BF81532}" type="slidenum">
+              <a:rPr lang="en-GB" smtClean="0"/>
+              <a:t>2</a:t>
+            </a:fld>
+            <a:endParaRPr lang="en-GB"/>
+          </a:p>
+        </p:txBody>
+      </p:sp>
+    </p:spTree>
+    <p:extLst>
+      <p:ext uri="{BB962C8B-B14F-4D97-AF65-F5344CB8AC3E}">
+        <p14:creationId xmlns:p14="http://schemas.microsoft.com/office/powerpoint/2010/main" val="1635422371"/>
+      </p:ext>
+    </p:extLst>
+  </p:cSld>
+  <p:clrMapOvr>
+    <a:masterClrMapping/>
+  </p:clrMapOvr>
+</p:notes>
+</file>
+
+<file path=ppt/notesSlides/notesSlide3.xml><?xml version="1.0" encoding="utf-8"?>
+<p:notes xmlns:a="http://schemas.openxmlformats.org/drawingml/2006/main" xmlns:r="http://schemas.openxmlformats.org/officeDocument/2006/relationships" xmlns:p="http://schemas.openxmlformats.org/presentationml/2006/main">
+  <p:cSld>
+    <p:spTree>
+      <p:nvGrpSpPr>
+        <p:cNvPr id="1" name=""/>
+        <p:cNvGrpSpPr/>
+        <p:nvPr/>
+      </p:nvGrpSpPr>
+      <p:grpSpPr>
+        <a:xfrm>
+          <a:off x="0" y="0"/>
+          <a:ext cx="0" cy="0"/>
+          <a:chOff x="0" y="0"/>
+          <a:chExt cx="0" cy="0"/>
+        </a:xfrm>
+      </p:grpSpPr>
+      <p:sp>
+        <p:nvSpPr>
+          <p:cNvPr id="2" name="Slide Image Placeholder 1"/>
+          <p:cNvSpPr>
+            <a:spLocks noGrp="1" noRot="1" noChangeAspect="1"/>
+          </p:cNvSpPr>
+          <p:nvPr>
+            <p:ph type="sldImg"/>
+          </p:nvPr>
+        </p:nvSpPr>
+        <p:spPr/>
+      </p:sp>
+      <p:sp>
+        <p:nvSpPr>
+          <p:cNvPr id="3" name="Notes Placeholder 2"/>
+          <p:cNvSpPr>
+            <a:spLocks noGrp="1"/>
+          </p:cNvSpPr>
+          <p:nvPr>
+            <p:ph type="body" idx="1"/>
+          </p:nvPr>
+        </p:nvSpPr>
+        <p:spPr/>
+        <p:txBody>
+          <a:bodyPr/>
+          <a:lstStyle/>
+          <a:p>
+            <a:pPr algn="ctr"/>
+            <a:r>
+              <a:rPr lang="en-ZA" sz="900" dirty="0" smtClean="0"/>
+              <a:t>How did we partition the data? Nice diagram here.</a:t>
+            </a:r>
+          </a:p>
+          <a:p>
+            <a:pPr algn="ctr"/>
+            <a:r>
+              <a:rPr lang="en-ZA" sz="900" dirty="0" smtClean="0"/>
+              <a:t>Need training and testing data 70/30</a:t>
+            </a:r>
+          </a:p>
+          <a:p>
+            <a:pPr algn="ctr"/>
+            <a:endParaRPr lang="en-ZA" sz="1000" dirty="0" smtClean="0"/>
+          </a:p>
+          <a:p>
+            <a:endParaRPr lang="en-US" dirty="0"/>
+          </a:p>
+        </p:txBody>
+      </p:sp>
+      <p:sp>
+        <p:nvSpPr>
+          <p:cNvPr id="4" name="Slide Number Placeholder 3"/>
+          <p:cNvSpPr>
+            <a:spLocks noGrp="1"/>
+          </p:cNvSpPr>
+          <p:nvPr>
+            <p:ph type="sldNum" sz="quarter" idx="10"/>
+          </p:nvPr>
+        </p:nvSpPr>
+        <p:spPr/>
+        <p:txBody>
+          <a:bodyPr/>
+          <a:lstStyle/>
+          <a:p>
+            <a:fld id="{F55B09CE-7A7B-471C-A3CD-41847BF81532}" type="slidenum">
+              <a:rPr lang="en-GB" smtClean="0"/>
+              <a:t>3</a:t>
+            </a:fld>
+            <a:endParaRPr lang="en-GB"/>
+          </a:p>
+        </p:txBody>
+      </p:sp>
+    </p:spTree>
+    <p:extLst>
+      <p:ext uri="{BB962C8B-B14F-4D97-AF65-F5344CB8AC3E}">
+        <p14:creationId xmlns:p14="http://schemas.microsoft.com/office/powerpoint/2010/main" val="3345612584"/>
+      </p:ext>
+    </p:extLst>
+  </p:cSld>
+  <p:clrMapOvr>
+    <a:masterClrMapping/>
+  </p:clrMapOvr>
+</p:notes>
+</file>
+
+<file path=ppt/notesSlides/notesSlide4.xml><?xml version="1.0" encoding="utf-8"?>
+<p:notes xmlns:a="http://schemas.openxmlformats.org/drawingml/2006/main" xmlns:r="http://schemas.openxmlformats.org/officeDocument/2006/relationships" xmlns:p="http://schemas.openxmlformats.org/presentationml/2006/main">
+  <p:cSld>
+    <p:spTree>
+      <p:nvGrpSpPr>
+        <p:cNvPr id="1" name=""/>
+        <p:cNvGrpSpPr/>
+        <p:nvPr/>
+      </p:nvGrpSpPr>
+      <p:grpSpPr>
+        <a:xfrm>
+          <a:off x="0" y="0"/>
+          <a:ext cx="0" cy="0"/>
+          <a:chOff x="0" y="0"/>
+          <a:chExt cx="0" cy="0"/>
+        </a:xfrm>
+      </p:grpSpPr>
+      <p:sp>
+        <p:nvSpPr>
+          <p:cNvPr id="2" name="Slide Image Placeholder 1"/>
+          <p:cNvSpPr>
+            <a:spLocks noGrp="1" noRot="1" noChangeAspect="1"/>
+          </p:cNvSpPr>
+          <p:nvPr>
+            <p:ph type="sldImg"/>
+          </p:nvPr>
+        </p:nvSpPr>
+        <p:spPr/>
+      </p:sp>
+      <p:sp>
+        <p:nvSpPr>
+          <p:cNvPr id="3" name="Notes Placeholder 2"/>
+          <p:cNvSpPr>
+            <a:spLocks noGrp="1"/>
+          </p:cNvSpPr>
+          <p:nvPr>
+            <p:ph type="body" idx="1"/>
+          </p:nvPr>
+        </p:nvSpPr>
+        <p:spPr/>
+        <p:txBody>
+          <a:bodyPr/>
+          <a:lstStyle/>
+          <a:p>
+            <a:pPr algn="ctr"/>
+            <a:endParaRPr lang="en-ZA" sz="900" dirty="0" smtClean="0"/>
+          </a:p>
+          <a:p>
+            <a:pPr algn="ctr"/>
+            <a:endParaRPr lang="en-ZA" sz="900" dirty="0" smtClean="0"/>
+          </a:p>
+          <a:p>
+            <a:pPr algn="ctr"/>
+            <a:r>
+              <a:rPr lang="en-ZA" sz="900" dirty="0" smtClean="0"/>
+              <a:t>What does our CNN look like?</a:t>
+            </a:r>
+          </a:p>
+          <a:p>
+            <a:pPr marL="685800" indent="-685800" algn="ctr">
+              <a:buFontTx/>
+              <a:buChar char="-"/>
+            </a:pPr>
+            <a:r>
+              <a:rPr lang="en-ZA" sz="900" dirty="0" smtClean="0"/>
+              <a:t>Flow diagram of the CNN. Explain what is it in greater detail and reiterate importance</a:t>
+            </a:r>
+          </a:p>
+          <a:p>
+            <a:endParaRPr lang="en-ZA" dirty="0"/>
+          </a:p>
+        </p:txBody>
+      </p:sp>
+      <p:sp>
+        <p:nvSpPr>
+          <p:cNvPr id="4" name="Slide Number Placeholder 3"/>
+          <p:cNvSpPr>
+            <a:spLocks noGrp="1"/>
+          </p:cNvSpPr>
+          <p:nvPr>
+            <p:ph type="sldNum" sz="quarter" idx="10"/>
+          </p:nvPr>
+        </p:nvSpPr>
+        <p:spPr/>
+        <p:txBody>
+          <a:bodyPr/>
+          <a:lstStyle/>
+          <a:p>
+            <a:fld id="{F55B09CE-7A7B-471C-A3CD-41847BF81532}" type="slidenum">
+              <a:rPr lang="en-GB" smtClean="0"/>
+              <a:t>4</a:t>
+            </a:fld>
+            <a:endParaRPr lang="en-GB"/>
+          </a:p>
+        </p:txBody>
+      </p:sp>
+    </p:spTree>
+    <p:extLst>
+      <p:ext uri="{BB962C8B-B14F-4D97-AF65-F5344CB8AC3E}">
+        <p14:creationId xmlns:p14="http://schemas.microsoft.com/office/powerpoint/2010/main" val="281734728"/>
+      </p:ext>
+    </p:extLst>
+  </p:cSld>
+  <p:clrMapOvr>
+    <a:masterClrMapping/>
+  </p:clrMapOvr>
+</p:notes>
+</file>
+
+<file path=ppt/notesSlides/notesSlide5.xml><?xml version="1.0" encoding="utf-8"?>
+<p:notes xmlns:a="http://schemas.openxmlformats.org/drawingml/2006/main" xmlns:r="http://schemas.openxmlformats.org/officeDocument/2006/relationships" xmlns:p="http://schemas.openxmlformats.org/presentationml/2006/main">
+  <p:cSld>
+    <p:spTree>
+      <p:nvGrpSpPr>
+        <p:cNvPr id="1" name=""/>
+        <p:cNvGrpSpPr/>
+        <p:nvPr/>
+      </p:nvGrpSpPr>
+      <p:grpSpPr>
+        <a:xfrm>
+          <a:off x="0" y="0"/>
+          <a:ext cx="0" cy="0"/>
+          <a:chOff x="0" y="0"/>
+          <a:chExt cx="0" cy="0"/>
+        </a:xfrm>
+      </p:grpSpPr>
+      <p:sp>
+        <p:nvSpPr>
+          <p:cNvPr id="2" name="Slide Image Placeholder 1"/>
+          <p:cNvSpPr>
+            <a:spLocks noGrp="1" noRot="1" noChangeAspect="1"/>
+          </p:cNvSpPr>
+          <p:nvPr>
+            <p:ph type="sldImg"/>
+          </p:nvPr>
+        </p:nvSpPr>
+        <p:spPr/>
+      </p:sp>
+      <p:sp>
+        <p:nvSpPr>
+          <p:cNvPr id="3" name="Notes Placeholder 2"/>
+          <p:cNvSpPr>
+            <a:spLocks noGrp="1"/>
+          </p:cNvSpPr>
+          <p:nvPr>
+            <p:ph type="body" idx="1"/>
+          </p:nvPr>
+        </p:nvSpPr>
+        <p:spPr/>
+        <p:txBody>
+          <a:bodyPr/>
+          <a:lstStyle/>
+          <a:p>
+            <a:pPr algn="ctr"/>
+            <a:r>
+              <a:rPr lang="en-ZA" sz="900" dirty="0" smtClean="0"/>
+              <a:t>These are the results. </a:t>
+            </a:r>
+          </a:p>
+          <a:p>
+            <a:pPr marL="571500" indent="-571500" algn="ctr">
+              <a:buFontTx/>
+              <a:buChar char="-"/>
+            </a:pPr>
+            <a:r>
+              <a:rPr lang="en-ZA" sz="900" dirty="0" smtClean="0"/>
+              <a:t>94% accuracy with the annotated testing data in water.</a:t>
+            </a:r>
+          </a:p>
+          <a:p>
+            <a:pPr marL="571500" indent="-571500" algn="ctr">
+              <a:buFontTx/>
+              <a:buChar char="-"/>
+            </a:pPr>
+            <a:r>
+              <a:rPr lang="en-ZA" sz="900" dirty="0" smtClean="0"/>
+              <a:t>Really clean image, so not practical. How about a phantom? </a:t>
+            </a:r>
+          </a:p>
+          <a:p>
+            <a:endParaRPr lang="en-ZA" dirty="0"/>
+          </a:p>
+        </p:txBody>
+      </p:sp>
+      <p:sp>
+        <p:nvSpPr>
+          <p:cNvPr id="4" name="Slide Number Placeholder 3"/>
+          <p:cNvSpPr>
+            <a:spLocks noGrp="1"/>
+          </p:cNvSpPr>
+          <p:nvPr>
+            <p:ph type="sldNum" sz="quarter" idx="10"/>
+          </p:nvPr>
+        </p:nvSpPr>
+        <p:spPr/>
+        <p:txBody>
+          <a:bodyPr/>
+          <a:lstStyle/>
+          <a:p>
+            <a:fld id="{F55B09CE-7A7B-471C-A3CD-41847BF81532}" type="slidenum">
+              <a:rPr lang="en-GB" smtClean="0"/>
+              <a:t>5</a:t>
+            </a:fld>
+            <a:endParaRPr lang="en-GB"/>
+          </a:p>
+        </p:txBody>
+      </p:sp>
+    </p:spTree>
+    <p:extLst>
+      <p:ext uri="{BB962C8B-B14F-4D97-AF65-F5344CB8AC3E}">
+        <p14:creationId xmlns:p14="http://schemas.microsoft.com/office/powerpoint/2010/main" val="363720887"/>
+      </p:ext>
+    </p:extLst>
+  </p:cSld>
+  <p:clrMapOvr>
+    <a:masterClrMapping/>
+  </p:clrMapOvr>
+</p:notes>
+</file>
+
+<file path=ppt/notesSlides/notesSlide6.xml><?xml version="1.0" encoding="utf-8"?>
+<p:notes xmlns:a="http://schemas.openxmlformats.org/drawingml/2006/main" xmlns:r="http://schemas.openxmlformats.org/officeDocument/2006/relationships" xmlns:p="http://schemas.openxmlformats.org/presentationml/2006/main">
+  <p:cSld>
+    <p:spTree>
+      <p:nvGrpSpPr>
+        <p:cNvPr id="1" name=""/>
+        <p:cNvGrpSpPr/>
+        <p:nvPr/>
+      </p:nvGrpSpPr>
+      <p:grpSpPr>
+        <a:xfrm>
+          <a:off x="0" y="0"/>
+          <a:ext cx="0" cy="0"/>
+          <a:chOff x="0" y="0"/>
+          <a:chExt cx="0" cy="0"/>
+        </a:xfrm>
+      </p:grpSpPr>
+      <p:sp>
+        <p:nvSpPr>
+          <p:cNvPr id="2" name="Slide Image Placeholder 1"/>
+          <p:cNvSpPr>
+            <a:spLocks noGrp="1" noRot="1" noChangeAspect="1"/>
+          </p:cNvSpPr>
+          <p:nvPr>
+            <p:ph type="sldImg"/>
+          </p:nvPr>
+        </p:nvSpPr>
+        <p:spPr/>
+      </p:sp>
+      <p:sp>
+        <p:nvSpPr>
+          <p:cNvPr id="3" name="Notes Placeholder 2"/>
+          <p:cNvSpPr>
+            <a:spLocks noGrp="1"/>
+          </p:cNvSpPr>
+          <p:nvPr>
+            <p:ph type="body" idx="1"/>
+          </p:nvPr>
+        </p:nvSpPr>
+        <p:spPr/>
+        <p:txBody>
+          <a:bodyPr/>
+          <a:lstStyle/>
+          <a:p>
+            <a:pPr marL="571500" indent="-571500" algn="l">
+              <a:buFontTx/>
+              <a:buChar char="-"/>
+            </a:pPr>
+            <a:r>
+              <a:rPr lang="en-ZA" sz="900" dirty="0" smtClean="0"/>
+              <a:t>Created a new data set with speckling and noise.</a:t>
+            </a:r>
+          </a:p>
+          <a:p>
+            <a:pPr marL="571500" indent="-571500" algn="l">
+              <a:buFontTx/>
+              <a:buChar char="-"/>
+            </a:pPr>
+            <a:r>
+              <a:rPr lang="en-ZA" sz="900" dirty="0" smtClean="0"/>
+              <a:t>How did it perform?</a:t>
+            </a:r>
+          </a:p>
+          <a:p>
+            <a:pPr marL="571500" indent="-571500" algn="l">
+              <a:buFontTx/>
+              <a:buChar char="-"/>
+            </a:pPr>
+            <a:r>
+              <a:rPr lang="en-ZA" sz="900" dirty="0" smtClean="0"/>
+              <a:t>One step further, let’s use a real phantom? </a:t>
+            </a:r>
+          </a:p>
+          <a:p>
+            <a:endParaRPr lang="en-ZA" dirty="0"/>
+          </a:p>
+        </p:txBody>
+      </p:sp>
+      <p:sp>
+        <p:nvSpPr>
+          <p:cNvPr id="4" name="Slide Number Placeholder 3"/>
+          <p:cNvSpPr>
+            <a:spLocks noGrp="1"/>
+          </p:cNvSpPr>
+          <p:nvPr>
+            <p:ph type="sldNum" sz="quarter" idx="10"/>
+          </p:nvPr>
+        </p:nvSpPr>
+        <p:spPr/>
+        <p:txBody>
+          <a:bodyPr/>
+          <a:lstStyle/>
+          <a:p>
+            <a:fld id="{F55B09CE-7A7B-471C-A3CD-41847BF81532}" type="slidenum">
+              <a:rPr lang="en-GB" smtClean="0"/>
+              <a:t>6</a:t>
+            </a:fld>
+            <a:endParaRPr lang="en-GB"/>
+          </a:p>
+        </p:txBody>
+      </p:sp>
+    </p:spTree>
+    <p:extLst>
+      <p:ext uri="{BB962C8B-B14F-4D97-AF65-F5344CB8AC3E}">
+        <p14:creationId xmlns:p14="http://schemas.microsoft.com/office/powerpoint/2010/main" val="1998840231"/>
+      </p:ext>
+    </p:extLst>
+  </p:cSld>
+  <p:clrMapOvr>
+    <a:masterClrMapping/>
+  </p:clrMapOvr>
+</p:notes>
 </file>
 
 <file path=ppt/slideLayouts/slideLayout1.xml><?xml version="1.0" encoding="utf-8"?>
@@ -5673,29 +6324,57 @@
       </p:grpSpPr>
       <p:pic>
         <p:nvPicPr>
-          <p:cNvPr id="1026" name="Picture 2" descr="needle in haystack"/>
+          <p:cNvPr id="2" name="Picture 1"/>
           <p:cNvPicPr>
-            <a:picLocks noChangeAspect="1" noChangeArrowheads="1"/>
+            <a:picLocks noChangeAspect="1"/>
           </p:cNvPicPr>
           <p:nvPr/>
         </p:nvPicPr>
         <p:blipFill>
-          <a:blip r:embed="rId2">
+          <a:blip r:embed="rId3">
             <a:extLst>
               <a:ext uri="{28A0092B-C50C-407E-A947-70E740481C1C}">
                 <a14:useLocalDpi xmlns:a14="http://schemas.microsoft.com/office/drawing/2010/main" val="0"/>
               </a:ext>
             </a:extLst>
           </a:blip>
-          <a:srcRect/>
           <a:stretch>
             <a:fillRect/>
           </a:stretch>
         </p:blipFill>
+        <p:spPr>
+          <a:xfrm>
+            <a:off x="1684020" y="269549"/>
+            <a:ext cx="1256103" cy="1254452"/>
+          </a:xfrm>
+          <a:prstGeom prst="rect">
+            <a:avLst/>
+          </a:prstGeom>
+        </p:spPr>
+      </p:pic>
+      <p:pic>
+        <p:nvPicPr>
+          <p:cNvPr id="1028" name="Picture 4" descr="1"/>
+          <p:cNvPicPr>
+            <a:picLocks noChangeAspect="1" noChangeArrowheads="1"/>
+          </p:cNvPicPr>
+          <p:nvPr/>
+        </p:nvPicPr>
+        <p:blipFill rotWithShape="1">
+          <a:blip r:embed="rId4">
+            <a:extLst>
+              <a:ext uri="{28A0092B-C50C-407E-A947-70E740481C1C}">
+                <a14:useLocalDpi xmlns:a14="http://schemas.microsoft.com/office/drawing/2010/main" val="0"/>
+              </a:ext>
+            </a:extLst>
+          </a:blip>
+          <a:srcRect t="28696" b="27536"/>
+          <a:stretch/>
+        </p:blipFill>
         <p:spPr bwMode="auto">
           <a:xfrm>
-            <a:off x="2506980" y="184529"/>
-            <a:ext cx="4430394" cy="4565102"/>
+            <a:off x="2940123" y="321465"/>
+            <a:ext cx="5048250" cy="1150620"/>
           </a:xfrm>
           <a:prstGeom prst="rect">
             <a:avLst/>
@@ -5712,45 +6391,10 @@
           </a:extLst>
         </p:spPr>
       </p:pic>
-      <p:sp>
-        <p:nvSpPr>
-          <p:cNvPr id="4" name="Rectangle 3"/>
-          <p:cNvSpPr/>
-          <p:nvPr/>
-        </p:nvSpPr>
-        <p:spPr>
-          <a:xfrm>
-            <a:off x="0" y="4881890"/>
-            <a:ext cx="6858000" cy="261610"/>
-          </a:xfrm>
-          <a:prstGeom prst="rect">
-            <a:avLst/>
-          </a:prstGeom>
-          <a:ln>
-            <a:noFill/>
-          </a:ln>
-        </p:spPr>
-        <p:txBody>
-          <a:bodyPr wrap="square">
-            <a:spAutoFit/>
-          </a:bodyPr>
-          <a:lstStyle/>
-          <a:p>
-            <a:r>
-              <a:rPr lang="en-US" sz="1050">
-                <a:solidFill>
-                  <a:schemeClr val="bg1"/>
-                </a:solidFill>
-              </a:rPr>
-              <a:t>http://www.automatedbuildings.com/news/mar16/reviews/1602180356haystack.html</a:t>
-            </a:r>
-          </a:p>
-        </p:txBody>
-      </p:sp>
     </p:spTree>
     <p:extLst>
       <p:ext uri="{BB962C8B-B14F-4D97-AF65-F5344CB8AC3E}">
-        <p14:creationId xmlns:p14="http://schemas.microsoft.com/office/powerpoint/2010/main" val="2586055205"/>
+        <p14:creationId xmlns:p14="http://schemas.microsoft.com/office/powerpoint/2010/main" val="3006144263"/>
       </p:ext>
     </p:extLst>
   </p:cSld>
@@ -5796,121 +6440,1162 @@
           <a:chExt cx="0" cy="0"/>
         </a:xfrm>
       </p:grpSpPr>
-      <p:cxnSp>
-        <p:nvCxnSpPr>
-          <p:cNvPr id="77" name="Straight Connector 76"/>
-          <p:cNvCxnSpPr/>
+      <p:sp>
+        <p:nvSpPr>
+          <p:cNvPr id="5" name="Freeform 4"/>
+          <p:cNvSpPr/>
           <p:nvPr/>
-        </p:nvCxnSpPr>
-        <p:spPr>
-          <a:xfrm flipV="1">
-            <a:off x="4610147" y="2942844"/>
-            <a:ext cx="514003" cy="131299"/>
-          </a:xfrm>
-          <a:prstGeom prst="line">
+        </p:nvSpPr>
+        <p:spPr>
+          <a:xfrm>
+            <a:off x="1606040" y="176485"/>
+            <a:ext cx="5963563" cy="2526853"/>
+          </a:xfrm>
+          <a:custGeom>
             <a:avLst/>
-          </a:prstGeom>
-          <a:ln w="19050">
-            <a:solidFill>
-              <a:schemeClr val="tx1"/>
-            </a:solidFill>
+            <a:gdLst>
+              <a:gd name="connsiteX0" fmla="*/ 803986 w 4890661"/>
+              <a:gd name="connsiteY0" fmla="*/ 227439 h 2994835"/>
+              <a:gd name="connsiteX1" fmla="*/ 2020842 w 4890661"/>
+              <a:gd name="connsiteY1" fmla="*/ 2356 h 2994835"/>
+              <a:gd name="connsiteX2" fmla="*/ 3195494 w 4890661"/>
+              <a:gd name="connsiteY2" fmla="*/ 375150 h 2994835"/>
+              <a:gd name="connsiteX3" fmla="*/ 4074725 w 4890661"/>
+              <a:gd name="connsiteY3" fmla="*/ 417353 h 2994835"/>
+              <a:gd name="connsiteX4" fmla="*/ 4890651 w 4890661"/>
+              <a:gd name="connsiteY4" fmla="*/ 1373956 h 2994835"/>
+              <a:gd name="connsiteX5" fmla="*/ 4088792 w 4890661"/>
+              <a:gd name="connsiteY5" fmla="*/ 2738522 h 2994835"/>
+              <a:gd name="connsiteX6" fmla="*/ 2323297 w 4890661"/>
+              <a:gd name="connsiteY6" fmla="*/ 2450135 h 2994835"/>
+              <a:gd name="connsiteX7" fmla="*/ 480429 w 4890661"/>
+              <a:gd name="connsiteY7" fmla="*/ 2984707 h 2994835"/>
+              <a:gd name="connsiteX8" fmla="*/ 2128 w 4890661"/>
+              <a:gd name="connsiteY8" fmla="*/ 1887427 h 2994835"/>
+              <a:gd name="connsiteX9" fmla="*/ 325685 w 4890661"/>
+              <a:gd name="connsiteY9" fmla="*/ 452522 h 2994835"/>
+              <a:gd name="connsiteX10" fmla="*/ 803986 w 4890661"/>
+              <a:gd name="connsiteY10" fmla="*/ 227439 h 2994835"/>
+              <a:gd name="connsiteX0" fmla="*/ 332119 w 4897095"/>
+              <a:gd name="connsiteY0" fmla="*/ 450550 h 2992863"/>
+              <a:gd name="connsiteX1" fmla="*/ 2027276 w 4897095"/>
+              <a:gd name="connsiteY1" fmla="*/ 384 h 2992863"/>
+              <a:gd name="connsiteX2" fmla="*/ 3201928 w 4897095"/>
+              <a:gd name="connsiteY2" fmla="*/ 373178 h 2992863"/>
+              <a:gd name="connsiteX3" fmla="*/ 4081159 w 4897095"/>
+              <a:gd name="connsiteY3" fmla="*/ 415381 h 2992863"/>
+              <a:gd name="connsiteX4" fmla="*/ 4897085 w 4897095"/>
+              <a:gd name="connsiteY4" fmla="*/ 1371984 h 2992863"/>
+              <a:gd name="connsiteX5" fmla="*/ 4095226 w 4897095"/>
+              <a:gd name="connsiteY5" fmla="*/ 2736550 h 2992863"/>
+              <a:gd name="connsiteX6" fmla="*/ 2329731 w 4897095"/>
+              <a:gd name="connsiteY6" fmla="*/ 2448163 h 2992863"/>
+              <a:gd name="connsiteX7" fmla="*/ 486863 w 4897095"/>
+              <a:gd name="connsiteY7" fmla="*/ 2982735 h 2992863"/>
+              <a:gd name="connsiteX8" fmla="*/ 8562 w 4897095"/>
+              <a:gd name="connsiteY8" fmla="*/ 1885455 h 2992863"/>
+              <a:gd name="connsiteX9" fmla="*/ 332119 w 4897095"/>
+              <a:gd name="connsiteY9" fmla="*/ 450550 h 2992863"/>
+              <a:gd name="connsiteX0" fmla="*/ 332119 w 4897606"/>
+              <a:gd name="connsiteY0" fmla="*/ 450538 h 2992851"/>
+              <a:gd name="connsiteX1" fmla="*/ 2027276 w 4897606"/>
+              <a:gd name="connsiteY1" fmla="*/ 372 h 2992851"/>
+              <a:gd name="connsiteX2" fmla="*/ 3201928 w 4897606"/>
+              <a:gd name="connsiteY2" fmla="*/ 373166 h 2992851"/>
+              <a:gd name="connsiteX3" fmla="*/ 4200735 w 4897606"/>
+              <a:gd name="connsiteY3" fmla="*/ 352065 h 2992851"/>
+              <a:gd name="connsiteX4" fmla="*/ 4897085 w 4897606"/>
+              <a:gd name="connsiteY4" fmla="*/ 1371972 h 2992851"/>
+              <a:gd name="connsiteX5" fmla="*/ 4095226 w 4897606"/>
+              <a:gd name="connsiteY5" fmla="*/ 2736538 h 2992851"/>
+              <a:gd name="connsiteX6" fmla="*/ 2329731 w 4897606"/>
+              <a:gd name="connsiteY6" fmla="*/ 2448151 h 2992851"/>
+              <a:gd name="connsiteX7" fmla="*/ 486863 w 4897606"/>
+              <a:gd name="connsiteY7" fmla="*/ 2982723 h 2992851"/>
+              <a:gd name="connsiteX8" fmla="*/ 8562 w 4897606"/>
+              <a:gd name="connsiteY8" fmla="*/ 1885443 h 2992851"/>
+              <a:gd name="connsiteX9" fmla="*/ 332119 w 4897606"/>
+              <a:gd name="connsiteY9" fmla="*/ 450538 h 2992851"/>
+              <a:gd name="connsiteX0" fmla="*/ 332119 w 4897599"/>
+              <a:gd name="connsiteY0" fmla="*/ 464620 h 3006933"/>
+              <a:gd name="connsiteX1" fmla="*/ 2027276 w 4897599"/>
+              <a:gd name="connsiteY1" fmla="*/ 14454 h 3006933"/>
+              <a:gd name="connsiteX2" fmla="*/ 3237098 w 4897599"/>
+              <a:gd name="connsiteY2" fmla="*/ 134030 h 3006933"/>
+              <a:gd name="connsiteX3" fmla="*/ 4200735 w 4897599"/>
+              <a:gd name="connsiteY3" fmla="*/ 366147 h 3006933"/>
+              <a:gd name="connsiteX4" fmla="*/ 4897085 w 4897599"/>
+              <a:gd name="connsiteY4" fmla="*/ 1386054 h 3006933"/>
+              <a:gd name="connsiteX5" fmla="*/ 4095226 w 4897599"/>
+              <a:gd name="connsiteY5" fmla="*/ 2750620 h 3006933"/>
+              <a:gd name="connsiteX6" fmla="*/ 2329731 w 4897599"/>
+              <a:gd name="connsiteY6" fmla="*/ 2462233 h 3006933"/>
+              <a:gd name="connsiteX7" fmla="*/ 486863 w 4897599"/>
+              <a:gd name="connsiteY7" fmla="*/ 2996805 h 3006933"/>
+              <a:gd name="connsiteX8" fmla="*/ 8562 w 4897599"/>
+              <a:gd name="connsiteY8" fmla="*/ 1899525 h 3006933"/>
+              <a:gd name="connsiteX9" fmla="*/ 332119 w 4897599"/>
+              <a:gd name="connsiteY9" fmla="*/ 464620 h 3006933"/>
+              <a:gd name="connsiteX0" fmla="*/ 332119 w 4898001"/>
+              <a:gd name="connsiteY0" fmla="*/ 451472 h 2993785"/>
+              <a:gd name="connsiteX1" fmla="*/ 2027276 w 4898001"/>
+              <a:gd name="connsiteY1" fmla="*/ 1306 h 2993785"/>
+              <a:gd name="connsiteX2" fmla="*/ 4200735 w 4898001"/>
+              <a:gd name="connsiteY2" fmla="*/ 352999 h 2993785"/>
+              <a:gd name="connsiteX3" fmla="*/ 4897085 w 4898001"/>
+              <a:gd name="connsiteY3" fmla="*/ 1372906 h 2993785"/>
+              <a:gd name="connsiteX4" fmla="*/ 4095226 w 4898001"/>
+              <a:gd name="connsiteY4" fmla="*/ 2737472 h 2993785"/>
+              <a:gd name="connsiteX5" fmla="*/ 2329731 w 4898001"/>
+              <a:gd name="connsiteY5" fmla="*/ 2449085 h 2993785"/>
+              <a:gd name="connsiteX6" fmla="*/ 486863 w 4898001"/>
+              <a:gd name="connsiteY6" fmla="*/ 2983657 h 2993785"/>
+              <a:gd name="connsiteX7" fmla="*/ 8562 w 4898001"/>
+              <a:gd name="connsiteY7" fmla="*/ 1886377 h 2993785"/>
+              <a:gd name="connsiteX8" fmla="*/ 332119 w 4898001"/>
+              <a:gd name="connsiteY8" fmla="*/ 451472 h 2993785"/>
+              <a:gd name="connsiteX0" fmla="*/ 332119 w 4898001"/>
+              <a:gd name="connsiteY0" fmla="*/ 451472 h 3128049"/>
+              <a:gd name="connsiteX1" fmla="*/ 2027276 w 4898001"/>
+              <a:gd name="connsiteY1" fmla="*/ 1306 h 3128049"/>
+              <a:gd name="connsiteX2" fmla="*/ 4200735 w 4898001"/>
+              <a:gd name="connsiteY2" fmla="*/ 352999 h 3128049"/>
+              <a:gd name="connsiteX3" fmla="*/ 4897085 w 4898001"/>
+              <a:gd name="connsiteY3" fmla="*/ 1372906 h 3128049"/>
+              <a:gd name="connsiteX4" fmla="*/ 4095226 w 4898001"/>
+              <a:gd name="connsiteY4" fmla="*/ 2737472 h 3128049"/>
+              <a:gd name="connsiteX5" fmla="*/ 2336765 w 4898001"/>
+              <a:gd name="connsiteY5" fmla="*/ 3089165 h 3128049"/>
+              <a:gd name="connsiteX6" fmla="*/ 486863 w 4898001"/>
+              <a:gd name="connsiteY6" fmla="*/ 2983657 h 3128049"/>
+              <a:gd name="connsiteX7" fmla="*/ 8562 w 4898001"/>
+              <a:gd name="connsiteY7" fmla="*/ 1886377 h 3128049"/>
+              <a:gd name="connsiteX8" fmla="*/ 332119 w 4898001"/>
+              <a:gd name="connsiteY8" fmla="*/ 451472 h 3128049"/>
+              <a:gd name="connsiteX0" fmla="*/ 332119 w 4987679"/>
+              <a:gd name="connsiteY0" fmla="*/ 492581 h 3169158"/>
+              <a:gd name="connsiteX1" fmla="*/ 2027276 w 4987679"/>
+              <a:gd name="connsiteY1" fmla="*/ 42415 h 3169158"/>
+              <a:gd name="connsiteX2" fmla="*/ 4897085 w 4987679"/>
+              <a:gd name="connsiteY2" fmla="*/ 1414015 h 3169158"/>
+              <a:gd name="connsiteX3" fmla="*/ 4095226 w 4987679"/>
+              <a:gd name="connsiteY3" fmla="*/ 2778581 h 3169158"/>
+              <a:gd name="connsiteX4" fmla="*/ 2336765 w 4987679"/>
+              <a:gd name="connsiteY4" fmla="*/ 3130274 h 3169158"/>
+              <a:gd name="connsiteX5" fmla="*/ 486863 w 4987679"/>
+              <a:gd name="connsiteY5" fmla="*/ 3024766 h 3169158"/>
+              <a:gd name="connsiteX6" fmla="*/ 8562 w 4987679"/>
+              <a:gd name="connsiteY6" fmla="*/ 1927486 h 3169158"/>
+              <a:gd name="connsiteX7" fmla="*/ 332119 w 4987679"/>
+              <a:gd name="connsiteY7" fmla="*/ 492581 h 3169158"/>
+              <a:gd name="connsiteX0" fmla="*/ 332119 w 5008680"/>
+              <a:gd name="connsiteY0" fmla="*/ 492581 h 3169158"/>
+              <a:gd name="connsiteX1" fmla="*/ 2027276 w 5008680"/>
+              <a:gd name="connsiteY1" fmla="*/ 42415 h 3169158"/>
+              <a:gd name="connsiteX2" fmla="*/ 4897085 w 5008680"/>
+              <a:gd name="connsiteY2" fmla="*/ 1414015 h 3169158"/>
+              <a:gd name="connsiteX3" fmla="*/ 4095226 w 5008680"/>
+              <a:gd name="connsiteY3" fmla="*/ 2778581 h 3169158"/>
+              <a:gd name="connsiteX4" fmla="*/ 2336765 w 5008680"/>
+              <a:gd name="connsiteY4" fmla="*/ 3130274 h 3169158"/>
+              <a:gd name="connsiteX5" fmla="*/ 486863 w 5008680"/>
+              <a:gd name="connsiteY5" fmla="*/ 3024766 h 3169158"/>
+              <a:gd name="connsiteX6" fmla="*/ 8562 w 5008680"/>
+              <a:gd name="connsiteY6" fmla="*/ 1927486 h 3169158"/>
+              <a:gd name="connsiteX7" fmla="*/ 332119 w 5008680"/>
+              <a:gd name="connsiteY7" fmla="*/ 492581 h 3169158"/>
+              <a:gd name="connsiteX0" fmla="*/ 389250 w 4968691"/>
+              <a:gd name="connsiteY0" fmla="*/ 403658 h 3080235"/>
+              <a:gd name="connsiteX1" fmla="*/ 3526346 w 4968691"/>
+              <a:gd name="connsiteY1" fmla="*/ 51966 h 3080235"/>
+              <a:gd name="connsiteX2" fmla="*/ 4954216 w 4968691"/>
+              <a:gd name="connsiteY2" fmla="*/ 1325092 h 3080235"/>
+              <a:gd name="connsiteX3" fmla="*/ 4152357 w 4968691"/>
+              <a:gd name="connsiteY3" fmla="*/ 2689658 h 3080235"/>
+              <a:gd name="connsiteX4" fmla="*/ 2393896 w 4968691"/>
+              <a:gd name="connsiteY4" fmla="*/ 3041351 h 3080235"/>
+              <a:gd name="connsiteX5" fmla="*/ 543994 w 4968691"/>
+              <a:gd name="connsiteY5" fmla="*/ 2935843 h 3080235"/>
+              <a:gd name="connsiteX6" fmla="*/ 65693 w 4968691"/>
+              <a:gd name="connsiteY6" fmla="*/ 1838563 h 3080235"/>
+              <a:gd name="connsiteX7" fmla="*/ 389250 w 4968691"/>
+              <a:gd name="connsiteY7" fmla="*/ 403658 h 3080235"/>
+              <a:gd name="connsiteX0" fmla="*/ 713038 w 4905618"/>
+              <a:gd name="connsiteY0" fmla="*/ 360328 h 3093175"/>
+              <a:gd name="connsiteX1" fmla="*/ 3463273 w 4905618"/>
+              <a:gd name="connsiteY1" fmla="*/ 64906 h 3093175"/>
+              <a:gd name="connsiteX2" fmla="*/ 4891143 w 4905618"/>
+              <a:gd name="connsiteY2" fmla="*/ 1338032 h 3093175"/>
+              <a:gd name="connsiteX3" fmla="*/ 4089284 w 4905618"/>
+              <a:gd name="connsiteY3" fmla="*/ 2702598 h 3093175"/>
+              <a:gd name="connsiteX4" fmla="*/ 2330823 w 4905618"/>
+              <a:gd name="connsiteY4" fmla="*/ 3054291 h 3093175"/>
+              <a:gd name="connsiteX5" fmla="*/ 480921 w 4905618"/>
+              <a:gd name="connsiteY5" fmla="*/ 2948783 h 3093175"/>
+              <a:gd name="connsiteX6" fmla="*/ 2620 w 4905618"/>
+              <a:gd name="connsiteY6" fmla="*/ 1851503 h 3093175"/>
+              <a:gd name="connsiteX7" fmla="*/ 713038 w 4905618"/>
+              <a:gd name="connsiteY7" fmla="*/ 360328 h 3093175"/>
+              <a:gd name="connsiteX0" fmla="*/ 713038 w 4535973"/>
+              <a:gd name="connsiteY0" fmla="*/ 364901 h 3097748"/>
+              <a:gd name="connsiteX1" fmla="*/ 3463273 w 4535973"/>
+              <a:gd name="connsiteY1" fmla="*/ 69479 h 3097748"/>
+              <a:gd name="connsiteX2" fmla="*/ 4504281 w 4535973"/>
+              <a:gd name="connsiteY2" fmla="*/ 1405909 h 3097748"/>
+              <a:gd name="connsiteX3" fmla="*/ 4089284 w 4535973"/>
+              <a:gd name="connsiteY3" fmla="*/ 2707171 h 3097748"/>
+              <a:gd name="connsiteX4" fmla="*/ 2330823 w 4535973"/>
+              <a:gd name="connsiteY4" fmla="*/ 3058864 h 3097748"/>
+              <a:gd name="connsiteX5" fmla="*/ 480921 w 4535973"/>
+              <a:gd name="connsiteY5" fmla="*/ 2953356 h 3097748"/>
+              <a:gd name="connsiteX6" fmla="*/ 2620 w 4535973"/>
+              <a:gd name="connsiteY6" fmla="*/ 1856076 h 3097748"/>
+              <a:gd name="connsiteX7" fmla="*/ 713038 w 4535973"/>
+              <a:gd name="connsiteY7" fmla="*/ 364901 h 3097748"/>
+              <a:gd name="connsiteX0" fmla="*/ 713038 w 4535973"/>
+              <a:gd name="connsiteY0" fmla="*/ 364901 h 3065311"/>
+              <a:gd name="connsiteX1" fmla="*/ 3463273 w 4535973"/>
+              <a:gd name="connsiteY1" fmla="*/ 69479 h 3065311"/>
+              <a:gd name="connsiteX2" fmla="*/ 4504281 w 4535973"/>
+              <a:gd name="connsiteY2" fmla="*/ 1405909 h 3065311"/>
+              <a:gd name="connsiteX3" fmla="*/ 4089284 w 4535973"/>
+              <a:gd name="connsiteY3" fmla="*/ 2707171 h 3065311"/>
+              <a:gd name="connsiteX4" fmla="*/ 2330823 w 4535973"/>
+              <a:gd name="connsiteY4" fmla="*/ 3058864 h 3065311"/>
+              <a:gd name="connsiteX5" fmla="*/ 424650 w 4535973"/>
+              <a:gd name="connsiteY5" fmla="*/ 2847848 h 3065311"/>
+              <a:gd name="connsiteX6" fmla="*/ 2620 w 4535973"/>
+              <a:gd name="connsiteY6" fmla="*/ 1856076 h 3065311"/>
+              <a:gd name="connsiteX7" fmla="*/ 713038 w 4535973"/>
+              <a:gd name="connsiteY7" fmla="*/ 364901 h 3065311"/>
+              <a:gd name="connsiteX0" fmla="*/ 699130 w 4522065"/>
+              <a:gd name="connsiteY0" fmla="*/ 358404 h 3063424"/>
+              <a:gd name="connsiteX1" fmla="*/ 3449365 w 4522065"/>
+              <a:gd name="connsiteY1" fmla="*/ 62982 h 3063424"/>
+              <a:gd name="connsiteX2" fmla="*/ 4490373 w 4522065"/>
+              <a:gd name="connsiteY2" fmla="*/ 1399412 h 3063424"/>
+              <a:gd name="connsiteX3" fmla="*/ 4075376 w 4522065"/>
+              <a:gd name="connsiteY3" fmla="*/ 2700674 h 3063424"/>
+              <a:gd name="connsiteX4" fmla="*/ 2316915 w 4522065"/>
+              <a:gd name="connsiteY4" fmla="*/ 3052367 h 3063424"/>
+              <a:gd name="connsiteX5" fmla="*/ 410742 w 4522065"/>
+              <a:gd name="connsiteY5" fmla="*/ 2841351 h 3063424"/>
+              <a:gd name="connsiteX6" fmla="*/ 2780 w 4522065"/>
+              <a:gd name="connsiteY6" fmla="*/ 1596361 h 3063424"/>
+              <a:gd name="connsiteX7" fmla="*/ 699130 w 4522065"/>
+              <a:gd name="connsiteY7" fmla="*/ 358404 h 3063424"/>
+              <a:gd name="connsiteX0" fmla="*/ 699004 w 4525600"/>
+              <a:gd name="connsiteY0" fmla="*/ 212733 h 2917753"/>
+              <a:gd name="connsiteX1" fmla="*/ 3392968 w 4525600"/>
+              <a:gd name="connsiteY1" fmla="*/ 100191 h 2917753"/>
+              <a:gd name="connsiteX2" fmla="*/ 4490247 w 4525600"/>
+              <a:gd name="connsiteY2" fmla="*/ 1253741 h 2917753"/>
+              <a:gd name="connsiteX3" fmla="*/ 4075250 w 4525600"/>
+              <a:gd name="connsiteY3" fmla="*/ 2555003 h 2917753"/>
+              <a:gd name="connsiteX4" fmla="*/ 2316789 w 4525600"/>
+              <a:gd name="connsiteY4" fmla="*/ 2906696 h 2917753"/>
+              <a:gd name="connsiteX5" fmla="*/ 410616 w 4525600"/>
+              <a:gd name="connsiteY5" fmla="*/ 2695680 h 2917753"/>
+              <a:gd name="connsiteX6" fmla="*/ 2654 w 4525600"/>
+              <a:gd name="connsiteY6" fmla="*/ 1450690 h 2917753"/>
+              <a:gd name="connsiteX7" fmla="*/ 699004 w 4525600"/>
+              <a:gd name="connsiteY7" fmla="*/ 212733 h 2917753"/>
+              <a:gd name="connsiteX0" fmla="*/ 699004 w 4497355"/>
+              <a:gd name="connsiteY0" fmla="*/ 212733 h 2909919"/>
+              <a:gd name="connsiteX1" fmla="*/ 3392968 w 4497355"/>
+              <a:gd name="connsiteY1" fmla="*/ 100191 h 2909919"/>
+              <a:gd name="connsiteX2" fmla="*/ 4490247 w 4497355"/>
+              <a:gd name="connsiteY2" fmla="*/ 1253741 h 2909919"/>
+              <a:gd name="connsiteX3" fmla="*/ 3788644 w 4497355"/>
+              <a:gd name="connsiteY3" fmla="*/ 2667544 h 2909919"/>
+              <a:gd name="connsiteX4" fmla="*/ 2316789 w 4497355"/>
+              <a:gd name="connsiteY4" fmla="*/ 2906696 h 2909919"/>
+              <a:gd name="connsiteX5" fmla="*/ 410616 w 4497355"/>
+              <a:gd name="connsiteY5" fmla="*/ 2695680 h 2909919"/>
+              <a:gd name="connsiteX6" fmla="*/ 2654 w 4497355"/>
+              <a:gd name="connsiteY6" fmla="*/ 1450690 h 2909919"/>
+              <a:gd name="connsiteX7" fmla="*/ 699004 w 4497355"/>
+              <a:gd name="connsiteY7" fmla="*/ 212733 h 2909919"/>
+              <a:gd name="connsiteX0" fmla="*/ 699004 w 4082603"/>
+              <a:gd name="connsiteY0" fmla="*/ 184967 h 2890841"/>
+              <a:gd name="connsiteX1" fmla="*/ 3392968 w 4082603"/>
+              <a:gd name="connsiteY1" fmla="*/ 72425 h 2890841"/>
+              <a:gd name="connsiteX2" fmla="*/ 4055716 w 4082603"/>
+              <a:gd name="connsiteY2" fmla="*/ 839113 h 2890841"/>
+              <a:gd name="connsiteX3" fmla="*/ 3788644 w 4082603"/>
+              <a:gd name="connsiteY3" fmla="*/ 2639778 h 2890841"/>
+              <a:gd name="connsiteX4" fmla="*/ 2316789 w 4082603"/>
+              <a:gd name="connsiteY4" fmla="*/ 2878930 h 2890841"/>
+              <a:gd name="connsiteX5" fmla="*/ 410616 w 4082603"/>
+              <a:gd name="connsiteY5" fmla="*/ 2667914 h 2890841"/>
+              <a:gd name="connsiteX6" fmla="*/ 2654 w 4082603"/>
+              <a:gd name="connsiteY6" fmla="*/ 1422924 h 2890841"/>
+              <a:gd name="connsiteX7" fmla="*/ 699004 w 4082603"/>
+              <a:gd name="connsiteY7" fmla="*/ 184967 h 2890841"/>
+              <a:gd name="connsiteX0" fmla="*/ 699004 w 4082603"/>
+              <a:gd name="connsiteY0" fmla="*/ 253429 h 2959303"/>
+              <a:gd name="connsiteX1" fmla="*/ 3392968 w 4082603"/>
+              <a:gd name="connsiteY1" fmla="*/ 49447 h 2959303"/>
+              <a:gd name="connsiteX2" fmla="*/ 4055716 w 4082603"/>
+              <a:gd name="connsiteY2" fmla="*/ 907575 h 2959303"/>
+              <a:gd name="connsiteX3" fmla="*/ 3788644 w 4082603"/>
+              <a:gd name="connsiteY3" fmla="*/ 2708240 h 2959303"/>
+              <a:gd name="connsiteX4" fmla="*/ 2316789 w 4082603"/>
+              <a:gd name="connsiteY4" fmla="*/ 2947392 h 2959303"/>
+              <a:gd name="connsiteX5" fmla="*/ 410616 w 4082603"/>
+              <a:gd name="connsiteY5" fmla="*/ 2736376 h 2959303"/>
+              <a:gd name="connsiteX6" fmla="*/ 2654 w 4082603"/>
+              <a:gd name="connsiteY6" fmla="*/ 1491386 h 2959303"/>
+              <a:gd name="connsiteX7" fmla="*/ 699004 w 4082603"/>
+              <a:gd name="connsiteY7" fmla="*/ 253429 h 2959303"/>
+              <a:gd name="connsiteX0" fmla="*/ 564606 w 4086885"/>
+              <a:gd name="connsiteY0" fmla="*/ 258434 h 2957274"/>
+              <a:gd name="connsiteX1" fmla="*/ 3397250 w 4086885"/>
+              <a:gd name="connsiteY1" fmla="*/ 47418 h 2957274"/>
+              <a:gd name="connsiteX2" fmla="*/ 4059998 w 4086885"/>
+              <a:gd name="connsiteY2" fmla="*/ 905546 h 2957274"/>
+              <a:gd name="connsiteX3" fmla="*/ 3792926 w 4086885"/>
+              <a:gd name="connsiteY3" fmla="*/ 2706211 h 2957274"/>
+              <a:gd name="connsiteX4" fmla="*/ 2321071 w 4086885"/>
+              <a:gd name="connsiteY4" fmla="*/ 2945363 h 2957274"/>
+              <a:gd name="connsiteX5" fmla="*/ 414898 w 4086885"/>
+              <a:gd name="connsiteY5" fmla="*/ 2734347 h 2957274"/>
+              <a:gd name="connsiteX6" fmla="*/ 6936 w 4086885"/>
+              <a:gd name="connsiteY6" fmla="*/ 1489357 h 2957274"/>
+              <a:gd name="connsiteX7" fmla="*/ 564606 w 4086885"/>
+              <a:gd name="connsiteY7" fmla="*/ 258434 h 2957274"/>
+              <a:gd name="connsiteX0" fmla="*/ 397002 w 3919281"/>
+              <a:gd name="connsiteY0" fmla="*/ 257581 h 2956421"/>
+              <a:gd name="connsiteX1" fmla="*/ 3229646 w 3919281"/>
+              <a:gd name="connsiteY1" fmla="*/ 46565 h 2956421"/>
+              <a:gd name="connsiteX2" fmla="*/ 3892394 w 3919281"/>
+              <a:gd name="connsiteY2" fmla="*/ 904693 h 2956421"/>
+              <a:gd name="connsiteX3" fmla="*/ 3625322 w 3919281"/>
+              <a:gd name="connsiteY3" fmla="*/ 2705358 h 2956421"/>
+              <a:gd name="connsiteX4" fmla="*/ 2153467 w 3919281"/>
+              <a:gd name="connsiteY4" fmla="*/ 2944510 h 2956421"/>
+              <a:gd name="connsiteX5" fmla="*/ 247294 w 3919281"/>
+              <a:gd name="connsiteY5" fmla="*/ 2733494 h 2956421"/>
+              <a:gd name="connsiteX6" fmla="*/ 38107 w 3919281"/>
+              <a:gd name="connsiteY6" fmla="*/ 1460368 h 2956421"/>
+              <a:gd name="connsiteX7" fmla="*/ 397002 w 3919281"/>
+              <a:gd name="connsiteY7" fmla="*/ 257581 h 2956421"/>
+              <a:gd name="connsiteX0" fmla="*/ 397002 w 3919281"/>
+              <a:gd name="connsiteY0" fmla="*/ 257581 h 2997068"/>
+              <a:gd name="connsiteX1" fmla="*/ 3229646 w 3919281"/>
+              <a:gd name="connsiteY1" fmla="*/ 46565 h 2997068"/>
+              <a:gd name="connsiteX2" fmla="*/ 3892394 w 3919281"/>
+              <a:gd name="connsiteY2" fmla="*/ 904693 h 2997068"/>
+              <a:gd name="connsiteX3" fmla="*/ 3625322 w 3919281"/>
+              <a:gd name="connsiteY3" fmla="*/ 2705358 h 2997068"/>
+              <a:gd name="connsiteX4" fmla="*/ 2153467 w 3919281"/>
+              <a:gd name="connsiteY4" fmla="*/ 2944510 h 2997068"/>
+              <a:gd name="connsiteX5" fmla="*/ 473806 w 3919281"/>
+              <a:gd name="connsiteY5" fmla="*/ 2846035 h 2997068"/>
+              <a:gd name="connsiteX6" fmla="*/ 38107 w 3919281"/>
+              <a:gd name="connsiteY6" fmla="*/ 1460368 h 2997068"/>
+              <a:gd name="connsiteX7" fmla="*/ 397002 w 3919281"/>
+              <a:gd name="connsiteY7" fmla="*/ 257581 h 2997068"/>
+            </a:gdLst>
+            <a:ahLst/>
+            <a:cxnLst>
+              <a:cxn ang="0">
+                <a:pos x="connsiteX0" y="connsiteY0"/>
+              </a:cxn>
+              <a:cxn ang="0">
+                <a:pos x="connsiteX1" y="connsiteY1"/>
+              </a:cxn>
+              <a:cxn ang="0">
+                <a:pos x="connsiteX2" y="connsiteY2"/>
+              </a:cxn>
+              <a:cxn ang="0">
+                <a:pos x="connsiteX3" y="connsiteY3"/>
+              </a:cxn>
+              <a:cxn ang="0">
+                <a:pos x="connsiteX4" y="connsiteY4"/>
+              </a:cxn>
+              <a:cxn ang="0">
+                <a:pos x="connsiteX5" y="connsiteY5"/>
+              </a:cxn>
+              <a:cxn ang="0">
+                <a:pos x="connsiteX6" y="connsiteY6"/>
+              </a:cxn>
+              <a:cxn ang="0">
+                <a:pos x="connsiteX7" y="connsiteY7"/>
+              </a:cxn>
+            </a:cxnLst>
+            <a:rect l="l" t="t" r="r" b="b"/>
+            <a:pathLst>
+              <a:path w="3919281" h="2997068">
+                <a:moveTo>
+                  <a:pt x="397002" y="257581"/>
+                </a:moveTo>
+                <a:cubicBezTo>
+                  <a:pt x="928925" y="21947"/>
+                  <a:pt x="2647081" y="-61287"/>
+                  <a:pt x="3229646" y="46565"/>
+                </a:cubicBezTo>
+                <a:cubicBezTo>
+                  <a:pt x="3812211" y="154417"/>
+                  <a:pt x="3826448" y="461561"/>
+                  <a:pt x="3892394" y="904693"/>
+                </a:cubicBezTo>
+                <a:cubicBezTo>
+                  <a:pt x="3958340" y="1347825"/>
+                  <a:pt x="3915143" y="2365389"/>
+                  <a:pt x="3625322" y="2705358"/>
+                </a:cubicBezTo>
+                <a:cubicBezTo>
+                  <a:pt x="3335501" y="3045328"/>
+                  <a:pt x="2678720" y="2921064"/>
+                  <a:pt x="2153467" y="2944510"/>
+                </a:cubicBezTo>
+                <a:cubicBezTo>
+                  <a:pt x="1628214" y="2967956"/>
+                  <a:pt x="826366" y="3093392"/>
+                  <a:pt x="473806" y="2846035"/>
+                </a:cubicBezTo>
+                <a:cubicBezTo>
+                  <a:pt x="121246" y="2598678"/>
+                  <a:pt x="63898" y="1882399"/>
+                  <a:pt x="38107" y="1460368"/>
+                </a:cubicBezTo>
+                <a:cubicBezTo>
+                  <a:pt x="12316" y="1038337"/>
+                  <a:pt x="-134921" y="493215"/>
+                  <a:pt x="397002" y="257581"/>
+                </a:cubicBezTo>
+                <a:close/>
+              </a:path>
+            </a:pathLst>
+          </a:custGeom>
+          <a:solidFill>
+            <a:srgbClr val="ABD7FF"/>
+          </a:solidFill>
+          <a:ln>
+            <a:noFill/>
           </a:ln>
         </p:spPr>
         <p:style>
-          <a:lnRef idx="1">
-            <a:schemeClr val="accent1"/>
+          <a:lnRef idx="2">
+            <a:schemeClr val="accent1">
+              <a:shade val="50000"/>
+            </a:schemeClr>
           </a:lnRef>
-          <a:fillRef idx="0">
+          <a:fillRef idx="1">
             <a:schemeClr val="accent1"/>
           </a:fillRef>
           <a:effectRef idx="0">
             <a:schemeClr val="accent1"/>
           </a:effectRef>
           <a:fontRef idx="minor">
-            <a:schemeClr val="tx1"/>
+            <a:schemeClr val="lt1"/>
           </a:fontRef>
         </p:style>
-      </p:cxnSp>
-      <p:cxnSp>
-        <p:nvCxnSpPr>
-          <p:cNvPr id="64" name="Straight Connector 63"/>
-          <p:cNvCxnSpPr/>
+        <p:txBody>
+          <a:bodyPr rtlCol="0" anchor="ctr"/>
+          <a:lstStyle/>
+          <a:p>
+            <a:pPr algn="ctr"/>
+            <a:endParaRPr lang="en-US"/>
+          </a:p>
+        </p:txBody>
+      </p:sp>
+      <p:grpSp>
+        <p:nvGrpSpPr>
+          <p:cNvPr id="53" name="Group 52"/>
+          <p:cNvGrpSpPr/>
           <p:nvPr/>
-        </p:nvCxnSpPr>
-        <p:spPr>
-          <a:xfrm flipV="1">
-            <a:off x="3661061" y="3110484"/>
-            <a:ext cx="464869" cy="156014"/>
-          </a:xfrm>
-          <a:prstGeom prst="line">
-            <a:avLst/>
-          </a:prstGeom>
-          <a:ln w="19050">
+        </p:nvGrpSpPr>
+        <p:grpSpPr>
+          <a:xfrm>
+            <a:off x="3123028" y="3453552"/>
+            <a:ext cx="3151163" cy="1297328"/>
+            <a:chOff x="3123028" y="3453552"/>
+            <a:chExt cx="3151163" cy="1297328"/>
+          </a:xfrm>
+        </p:grpSpPr>
+        <p:sp>
+          <p:nvSpPr>
+            <p:cNvPr id="14" name="Freeform 13"/>
+            <p:cNvSpPr/>
+            <p:nvPr/>
+          </p:nvSpPr>
+          <p:spPr>
+            <a:xfrm>
+              <a:off x="3123028" y="3453552"/>
+              <a:ext cx="3151163" cy="1297328"/>
+            </a:xfrm>
+            <a:custGeom>
+              <a:avLst/>
+              <a:gdLst>
+                <a:gd name="connsiteX0" fmla="*/ 183427 w 2553867"/>
+                <a:gd name="connsiteY0" fmla="*/ 230427 h 1613578"/>
+                <a:gd name="connsiteX1" fmla="*/ 2124768 w 2553867"/>
+                <a:gd name="connsiteY1" fmla="*/ 110851 h 1613578"/>
+                <a:gd name="connsiteX2" fmla="*/ 2413156 w 2553867"/>
+                <a:gd name="connsiteY2" fmla="*/ 1454316 h 1613578"/>
+                <a:gd name="connsiteX3" fmla="*/ 331137 w 2553867"/>
+                <a:gd name="connsiteY3" fmla="*/ 1454316 h 1613578"/>
+                <a:gd name="connsiteX4" fmla="*/ 183427 w 2553867"/>
+                <a:gd name="connsiteY4" fmla="*/ 230427 h 1613578"/>
+                <a:gd name="connsiteX0" fmla="*/ 186818 w 2549970"/>
+                <a:gd name="connsiteY0" fmla="*/ 252541 h 1599670"/>
+                <a:gd name="connsiteX1" fmla="*/ 2121125 w 2549970"/>
+                <a:gd name="connsiteY1" fmla="*/ 97796 h 1599670"/>
+                <a:gd name="connsiteX2" fmla="*/ 2409513 w 2549970"/>
+                <a:gd name="connsiteY2" fmla="*/ 1441261 h 1599670"/>
+                <a:gd name="connsiteX3" fmla="*/ 327494 w 2549970"/>
+                <a:gd name="connsiteY3" fmla="*/ 1441261 h 1599670"/>
+                <a:gd name="connsiteX4" fmla="*/ 186818 w 2549970"/>
+                <a:gd name="connsiteY4" fmla="*/ 252541 h 1599670"/>
+                <a:gd name="connsiteX0" fmla="*/ 270169 w 2429499"/>
+                <a:gd name="connsiteY0" fmla="*/ 360165 h 1550798"/>
+                <a:gd name="connsiteX1" fmla="*/ 2007529 w 2429499"/>
+                <a:gd name="connsiteY1" fmla="*/ 57709 h 1550798"/>
+                <a:gd name="connsiteX2" fmla="*/ 2295917 w 2429499"/>
+                <a:gd name="connsiteY2" fmla="*/ 1401174 h 1550798"/>
+                <a:gd name="connsiteX3" fmla="*/ 213898 w 2429499"/>
+                <a:gd name="connsiteY3" fmla="*/ 1401174 h 1550798"/>
+                <a:gd name="connsiteX4" fmla="*/ 270169 w 2429499"/>
+                <a:gd name="connsiteY4" fmla="*/ 360165 h 1550798"/>
+                <a:gd name="connsiteX0" fmla="*/ 265820 w 2375615"/>
+                <a:gd name="connsiteY0" fmla="*/ 354409 h 1499639"/>
+                <a:gd name="connsiteX1" fmla="*/ 2003180 w 2375615"/>
+                <a:gd name="connsiteY1" fmla="*/ 51953 h 1499639"/>
+                <a:gd name="connsiteX2" fmla="*/ 2228263 w 2375615"/>
+                <a:gd name="connsiteY2" fmla="*/ 1311012 h 1499639"/>
+                <a:gd name="connsiteX3" fmla="*/ 209549 w 2375615"/>
+                <a:gd name="connsiteY3" fmla="*/ 1395418 h 1499639"/>
+                <a:gd name="connsiteX4" fmla="*/ 265820 w 2375615"/>
+                <a:gd name="connsiteY4" fmla="*/ 354409 h 1499639"/>
+                <a:gd name="connsiteX0" fmla="*/ 265434 w 2373311"/>
+                <a:gd name="connsiteY0" fmla="*/ 192575 h 1337805"/>
+                <a:gd name="connsiteX1" fmla="*/ 1995760 w 2373311"/>
+                <a:gd name="connsiteY1" fmla="*/ 87067 h 1337805"/>
+                <a:gd name="connsiteX2" fmla="*/ 2227877 w 2373311"/>
+                <a:gd name="connsiteY2" fmla="*/ 1149178 h 1337805"/>
+                <a:gd name="connsiteX3" fmla="*/ 209163 w 2373311"/>
+                <a:gd name="connsiteY3" fmla="*/ 1233584 h 1337805"/>
+                <a:gd name="connsiteX4" fmla="*/ 265434 w 2373311"/>
+                <a:gd name="connsiteY4" fmla="*/ 192575 h 1337805"/>
+                <a:gd name="connsiteX0" fmla="*/ 265434 w 2373311"/>
+                <a:gd name="connsiteY0" fmla="*/ 264925 h 1297328"/>
+                <a:gd name="connsiteX1" fmla="*/ 1995760 w 2373311"/>
+                <a:gd name="connsiteY1" fmla="*/ 53909 h 1297328"/>
+                <a:gd name="connsiteX2" fmla="*/ 2227877 w 2373311"/>
+                <a:gd name="connsiteY2" fmla="*/ 1116020 h 1297328"/>
+                <a:gd name="connsiteX3" fmla="*/ 209163 w 2373311"/>
+                <a:gd name="connsiteY3" fmla="*/ 1200426 h 1297328"/>
+                <a:gd name="connsiteX4" fmla="*/ 265434 w 2373311"/>
+                <a:gd name="connsiteY4" fmla="*/ 264925 h 1297328"/>
+                <a:gd name="connsiteX0" fmla="*/ 203514 w 2311391"/>
+                <a:gd name="connsiteY0" fmla="*/ 264925 h 1297328"/>
+                <a:gd name="connsiteX1" fmla="*/ 1933840 w 2311391"/>
+                <a:gd name="connsiteY1" fmla="*/ 53909 h 1297328"/>
+                <a:gd name="connsiteX2" fmla="*/ 2165957 w 2311391"/>
+                <a:gd name="connsiteY2" fmla="*/ 1116020 h 1297328"/>
+                <a:gd name="connsiteX3" fmla="*/ 252751 w 2311391"/>
+                <a:gd name="connsiteY3" fmla="*/ 1200426 h 1297328"/>
+                <a:gd name="connsiteX4" fmla="*/ 203514 w 2311391"/>
+                <a:gd name="connsiteY4" fmla="*/ 264925 h 1297328"/>
+              </a:gdLst>
+              <a:ahLst/>
+              <a:cxnLst>
+                <a:cxn ang="0">
+                  <a:pos x="connsiteX0" y="connsiteY0"/>
+                </a:cxn>
+                <a:cxn ang="0">
+                  <a:pos x="connsiteX1" y="connsiteY1"/>
+                </a:cxn>
+                <a:cxn ang="0">
+                  <a:pos x="connsiteX2" y="connsiteY2"/>
+                </a:cxn>
+                <a:cxn ang="0">
+                  <a:pos x="connsiteX3" y="connsiteY3"/>
+                </a:cxn>
+                <a:cxn ang="0">
+                  <a:pos x="connsiteX4" y="connsiteY4"/>
+                </a:cxn>
+              </a:cxnLst>
+              <a:rect l="l" t="t" r="r" b="b"/>
+              <a:pathLst>
+                <a:path w="2311391" h="1297328">
+                  <a:moveTo>
+                    <a:pt x="203514" y="264925"/>
+                  </a:moveTo>
+                  <a:cubicBezTo>
+                    <a:pt x="483695" y="73839"/>
+                    <a:pt x="1606766" y="-87940"/>
+                    <a:pt x="1933840" y="53909"/>
+                  </a:cubicBezTo>
+                  <a:cubicBezTo>
+                    <a:pt x="2260914" y="195758"/>
+                    <a:pt x="2464895" y="892109"/>
+                    <a:pt x="2165957" y="1116020"/>
+                  </a:cubicBezTo>
+                  <a:cubicBezTo>
+                    <a:pt x="1867019" y="1339931"/>
+                    <a:pt x="579825" y="1342275"/>
+                    <a:pt x="252751" y="1200426"/>
+                  </a:cubicBezTo>
+                  <a:cubicBezTo>
+                    <a:pt x="-74323" y="1058577"/>
+                    <a:pt x="-76667" y="456011"/>
+                    <a:pt x="203514" y="264925"/>
+                  </a:cubicBezTo>
+                  <a:close/>
+                </a:path>
+              </a:pathLst>
+            </a:custGeom>
             <a:solidFill>
+              <a:srgbClr val="FFFF99"/>
+            </a:solidFill>
+            <a:ln>
+              <a:noFill/>
+            </a:ln>
+          </p:spPr>
+          <p:style>
+            <a:lnRef idx="2">
+              <a:schemeClr val="accent1">
+                <a:shade val="50000"/>
+              </a:schemeClr>
+            </a:lnRef>
+            <a:fillRef idx="1">
+              <a:schemeClr val="accent1"/>
+            </a:fillRef>
+            <a:effectRef idx="0">
+              <a:schemeClr val="accent1"/>
+            </a:effectRef>
+            <a:fontRef idx="minor">
+              <a:schemeClr val="lt1"/>
+            </a:fontRef>
+          </p:style>
+          <p:txBody>
+            <a:bodyPr rtlCol="0" anchor="ctr"/>
+            <a:lstStyle/>
+            <a:p>
+              <a:pPr algn="ctr"/>
+              <a:endParaRPr lang="en-US"/>
+            </a:p>
+          </p:txBody>
+        </p:sp>
+        <p:sp>
+          <p:nvSpPr>
+            <p:cNvPr id="13" name="TextBox 12"/>
+            <p:cNvSpPr txBox="1"/>
+            <p:nvPr/>
+          </p:nvSpPr>
+          <p:spPr>
+            <a:xfrm>
+              <a:off x="3321581" y="3579821"/>
+              <a:ext cx="2930518" cy="1015663"/>
+            </a:xfrm>
+            <a:prstGeom prst="rect">
+              <a:avLst/>
+            </a:prstGeom>
+            <a:noFill/>
+          </p:spPr>
+          <p:txBody>
+            <a:bodyPr wrap="square" rtlCol="0">
+              <a:spAutoFit/>
+            </a:bodyPr>
+            <a:lstStyle/>
+            <a:p>
+              <a:pPr algn="ctr"/>
+              <a:r>
+                <a:rPr lang="en-US" sz="6000" b="1" dirty="0" smtClean="0"/>
+                <a:t>{ </a:t>
+              </a:r>
+              <a:r>
+                <a:rPr lang="en-US" sz="6000" b="1" dirty="0" smtClean="0">
+                  <a:solidFill>
+                    <a:srgbClr val="FF0000"/>
+                  </a:solidFill>
+                </a:rPr>
+                <a:t>0</a:t>
+              </a:r>
+              <a:r>
+                <a:rPr lang="en-US" sz="6000" b="1" dirty="0" smtClean="0"/>
+                <a:t> , </a:t>
+              </a:r>
+              <a:r>
+                <a:rPr lang="en-US" sz="6000" b="1" dirty="0" smtClean="0">
+                  <a:solidFill>
+                    <a:srgbClr val="00B050"/>
+                  </a:solidFill>
+                </a:rPr>
+                <a:t>1</a:t>
+              </a:r>
+              <a:r>
+                <a:rPr lang="en-US" sz="6000" b="1" dirty="0" smtClean="0"/>
+                <a:t> }</a:t>
+              </a:r>
+              <a:endParaRPr lang="en-US" sz="1600" b="1" dirty="0"/>
+            </a:p>
+          </p:txBody>
+        </p:sp>
+      </p:grpSp>
+      <p:grpSp>
+        <p:nvGrpSpPr>
+          <p:cNvPr id="51" name="Group 50"/>
+          <p:cNvGrpSpPr/>
+          <p:nvPr/>
+        </p:nvGrpSpPr>
+        <p:grpSpPr>
+          <a:xfrm>
+            <a:off x="2450652" y="1902357"/>
+            <a:ext cx="4122736" cy="1952188"/>
+            <a:chOff x="2450652" y="2039517"/>
+            <a:chExt cx="4122736" cy="1952188"/>
+          </a:xfrm>
+        </p:grpSpPr>
+        <p:cxnSp>
+          <p:nvCxnSpPr>
+            <p:cNvPr id="16" name="Straight Arrow Connector 15"/>
+            <p:cNvCxnSpPr>
+              <a:stCxn id="4" idx="2"/>
+            </p:cNvCxnSpPr>
+            <p:nvPr/>
+          </p:nvCxnSpPr>
+          <p:spPr>
+            <a:xfrm>
+              <a:off x="2450652" y="2196898"/>
+              <a:ext cx="2680039" cy="1794807"/>
+            </a:xfrm>
+            <a:prstGeom prst="straightConnector1">
+              <a:avLst/>
+            </a:prstGeom>
+            <a:ln w="38100">
+              <a:solidFill>
+                <a:srgbClr val="CC6600"/>
+              </a:solidFill>
+              <a:headEnd type="none"/>
+              <a:tailEnd type="triangle"/>
+            </a:ln>
+          </p:spPr>
+          <p:style>
+            <a:lnRef idx="1">
+              <a:schemeClr val="accent1"/>
+            </a:lnRef>
+            <a:fillRef idx="0">
+              <a:schemeClr val="accent1"/>
+            </a:fillRef>
+            <a:effectRef idx="0">
+              <a:schemeClr val="accent1"/>
+            </a:effectRef>
+            <a:fontRef idx="minor">
               <a:schemeClr val="tx1"/>
+            </a:fontRef>
+          </p:style>
+        </p:cxnSp>
+        <p:cxnSp>
+          <p:nvCxnSpPr>
+            <p:cNvPr id="17" name="Straight Arrow Connector 16"/>
+            <p:cNvCxnSpPr>
+              <a:stCxn id="12" idx="2"/>
+            </p:cNvCxnSpPr>
+            <p:nvPr/>
+          </p:nvCxnSpPr>
+          <p:spPr>
+            <a:xfrm>
+              <a:off x="3273354" y="2039517"/>
+              <a:ext cx="912307" cy="1846204"/>
+            </a:xfrm>
+            <a:prstGeom prst="straightConnector1">
+              <a:avLst/>
+            </a:prstGeom>
+            <a:ln w="38100">
+              <a:solidFill>
+                <a:srgbClr val="CC6600"/>
+              </a:solidFill>
+              <a:headEnd type="none"/>
+              <a:tailEnd type="triangle"/>
+            </a:ln>
+          </p:spPr>
+          <p:style>
+            <a:lnRef idx="1">
+              <a:schemeClr val="accent1"/>
+            </a:lnRef>
+            <a:fillRef idx="0">
+              <a:schemeClr val="accent1"/>
+            </a:fillRef>
+            <a:effectRef idx="0">
+              <a:schemeClr val="accent1"/>
+            </a:effectRef>
+            <a:fontRef idx="minor">
+              <a:schemeClr val="tx1"/>
+            </a:fontRef>
+          </p:style>
+        </p:cxnSp>
+        <p:cxnSp>
+          <p:nvCxnSpPr>
+            <p:cNvPr id="20" name="Straight Arrow Connector 19"/>
+            <p:cNvCxnSpPr>
+              <a:stCxn id="7" idx="2"/>
+            </p:cNvCxnSpPr>
+            <p:nvPr/>
+          </p:nvCxnSpPr>
+          <p:spPr>
+            <a:xfrm>
+              <a:off x="4096056" y="2482945"/>
+              <a:ext cx="1108404" cy="1415810"/>
+            </a:xfrm>
+            <a:prstGeom prst="straightConnector1">
+              <a:avLst/>
+            </a:prstGeom>
+            <a:ln w="38100">
+              <a:solidFill>
+                <a:srgbClr val="CC6600"/>
+              </a:solidFill>
+              <a:headEnd type="none"/>
+              <a:tailEnd type="triangle"/>
+            </a:ln>
+          </p:spPr>
+          <p:style>
+            <a:lnRef idx="1">
+              <a:schemeClr val="accent1"/>
+            </a:lnRef>
+            <a:fillRef idx="0">
+              <a:schemeClr val="accent1"/>
+            </a:fillRef>
+            <a:effectRef idx="0">
+              <a:schemeClr val="accent1"/>
+            </a:effectRef>
+            <a:fontRef idx="minor">
+              <a:schemeClr val="tx1"/>
+            </a:fontRef>
+          </p:style>
+        </p:cxnSp>
+        <p:cxnSp>
+          <p:nvCxnSpPr>
+            <p:cNvPr id="22" name="Straight Arrow Connector 21"/>
+            <p:cNvCxnSpPr>
+              <a:stCxn id="9" idx="2"/>
+            </p:cNvCxnSpPr>
+            <p:nvPr/>
+          </p:nvCxnSpPr>
+          <p:spPr>
+            <a:xfrm>
+              <a:off x="4918758" y="2320285"/>
+              <a:ext cx="377142" cy="1535435"/>
+            </a:xfrm>
+            <a:prstGeom prst="straightConnector1">
+              <a:avLst/>
+            </a:prstGeom>
+            <a:ln w="38100">
+              <a:solidFill>
+                <a:srgbClr val="CC6600"/>
+              </a:solidFill>
+              <a:headEnd type="none"/>
+              <a:tailEnd type="triangle"/>
+            </a:ln>
+          </p:spPr>
+          <p:style>
+            <a:lnRef idx="1">
+              <a:schemeClr val="accent1"/>
+            </a:lnRef>
+            <a:fillRef idx="0">
+              <a:schemeClr val="accent1"/>
+            </a:fillRef>
+            <a:effectRef idx="0">
+              <a:schemeClr val="accent1"/>
+            </a:effectRef>
+            <a:fontRef idx="minor">
+              <a:schemeClr val="tx1"/>
+            </a:fontRef>
+          </p:style>
+        </p:cxnSp>
+        <p:cxnSp>
+          <p:nvCxnSpPr>
+            <p:cNvPr id="24" name="Straight Arrow Connector 23"/>
+            <p:cNvCxnSpPr>
+              <a:stCxn id="10" idx="2"/>
+            </p:cNvCxnSpPr>
+            <p:nvPr/>
+          </p:nvCxnSpPr>
+          <p:spPr>
+            <a:xfrm flipH="1">
+              <a:off x="4261228" y="2345785"/>
+              <a:ext cx="1484845" cy="1552970"/>
+            </a:xfrm>
+            <a:prstGeom prst="straightConnector1">
+              <a:avLst/>
+            </a:prstGeom>
+            <a:ln w="38100">
+              <a:solidFill>
+                <a:srgbClr val="CC6600"/>
+              </a:solidFill>
+              <a:headEnd type="none"/>
+              <a:tailEnd type="triangle"/>
+            </a:ln>
+          </p:spPr>
+          <p:style>
+            <a:lnRef idx="1">
+              <a:schemeClr val="accent1"/>
+            </a:lnRef>
+            <a:fillRef idx="0">
+              <a:schemeClr val="accent1"/>
+            </a:fillRef>
+            <a:effectRef idx="0">
+              <a:schemeClr val="accent1"/>
+            </a:effectRef>
+            <a:fontRef idx="minor">
+              <a:schemeClr val="tx1"/>
+            </a:fontRef>
+          </p:style>
+        </p:cxnSp>
+        <p:cxnSp>
+          <p:nvCxnSpPr>
+            <p:cNvPr id="31" name="Straight Arrow Connector 30"/>
+            <p:cNvCxnSpPr>
+              <a:stCxn id="11" idx="2"/>
+            </p:cNvCxnSpPr>
+            <p:nvPr/>
+          </p:nvCxnSpPr>
+          <p:spPr>
+            <a:xfrm flipH="1">
+              <a:off x="4404360" y="2176677"/>
+              <a:ext cx="2169028" cy="1770483"/>
+            </a:xfrm>
+            <a:prstGeom prst="straightConnector1">
+              <a:avLst/>
+            </a:prstGeom>
+            <a:ln w="38100">
+              <a:solidFill>
+                <a:srgbClr val="CC6600"/>
+              </a:solidFill>
+              <a:headEnd type="none"/>
+              <a:tailEnd type="triangle"/>
+            </a:ln>
+          </p:spPr>
+          <p:style>
+            <a:lnRef idx="1">
+              <a:schemeClr val="accent1"/>
+            </a:lnRef>
+            <a:fillRef idx="0">
+              <a:schemeClr val="accent1"/>
+            </a:fillRef>
+            <a:effectRef idx="0">
+              <a:schemeClr val="accent1"/>
+            </a:effectRef>
+            <a:fontRef idx="minor">
+              <a:schemeClr val="tx1"/>
+            </a:fontRef>
+          </p:style>
+        </p:cxnSp>
+      </p:grpSp>
+      <p:grpSp>
+        <p:nvGrpSpPr>
+          <p:cNvPr id="42" name="Group 41"/>
+          <p:cNvGrpSpPr/>
+          <p:nvPr/>
+        </p:nvGrpSpPr>
+        <p:grpSpPr>
+          <a:xfrm>
+            <a:off x="1468595" y="3335940"/>
+            <a:ext cx="1535336" cy="1244277"/>
+            <a:chOff x="7610223" y="2862131"/>
+            <a:chExt cx="1535336" cy="1244277"/>
+          </a:xfrm>
+        </p:grpSpPr>
+        <p:pic>
+          <p:nvPicPr>
+            <p:cNvPr id="43" name="Picture 42"/>
+            <p:cNvPicPr>
+              <a:picLocks noChangeAspect="1"/>
+            </p:cNvPicPr>
+            <p:nvPr/>
+          </p:nvPicPr>
+          <p:blipFill>
+            <a:blip r:embed="rId3">
+              <a:extLst>
+                <a:ext uri="{BEBA8EAE-BF5A-486C-A8C5-ECC9F3942E4B}">
+                  <a14:imgProps xmlns:a14="http://schemas.microsoft.com/office/drawing/2010/main">
+                    <a14:imgLayer r:embed="rId4">
+                      <a14:imgEffect>
+                        <a14:brightnessContrast bright="40000" contrast="-40000"/>
+                      </a14:imgEffect>
+                    </a14:imgLayer>
+                  </a14:imgProps>
+                </a:ext>
+                <a:ext uri="{28A0092B-C50C-407E-A947-70E740481C1C}">
+                  <a14:useLocalDpi xmlns:a14="http://schemas.microsoft.com/office/drawing/2010/main" val="0"/>
+                </a:ext>
+              </a:extLst>
+            </a:blip>
+            <a:stretch>
+              <a:fillRect/>
+            </a:stretch>
+          </p:blipFill>
+          <p:spPr>
+            <a:xfrm>
+              <a:off x="7610223" y="2862131"/>
+              <a:ext cx="1535336" cy="1244277"/>
+            </a:xfrm>
+            <a:prstGeom prst="rect">
+              <a:avLst/>
+            </a:prstGeom>
+          </p:spPr>
+        </p:pic>
+        <p:sp>
+          <p:nvSpPr>
+            <p:cNvPr id="44" name="&quot;No&quot; Symbol 43"/>
+            <p:cNvSpPr/>
+            <p:nvPr/>
+          </p:nvSpPr>
+          <p:spPr>
+            <a:xfrm>
+              <a:off x="8093492" y="3211952"/>
+              <a:ext cx="684041" cy="684041"/>
+            </a:xfrm>
+            <a:prstGeom prst="noSmoking">
+              <a:avLst>
+                <a:gd name="adj" fmla="val 8376"/>
+              </a:avLst>
+            </a:prstGeom>
+            <a:solidFill>
+              <a:srgbClr val="FF0000"/>
             </a:solidFill>
-          </a:ln>
-        </p:spPr>
-        <p:style>
-          <a:lnRef idx="1">
-            <a:schemeClr val="accent1"/>
-          </a:lnRef>
-          <a:fillRef idx="0">
-            <a:schemeClr val="accent1"/>
-          </a:fillRef>
-          <a:effectRef idx="0">
-            <a:schemeClr val="accent1"/>
-          </a:effectRef>
-          <a:fontRef idx="minor">
-            <a:schemeClr val="tx1"/>
-          </a:fontRef>
-        </p:style>
-      </p:cxnSp>
-      <p:cxnSp>
-        <p:nvCxnSpPr>
-          <p:cNvPr id="27" name="Straight Connector 26"/>
-          <p:cNvCxnSpPr/>
+            <a:ln>
+              <a:solidFill>
+                <a:srgbClr val="FF0000"/>
+              </a:solidFill>
+            </a:ln>
+          </p:spPr>
+          <p:style>
+            <a:lnRef idx="2">
+              <a:schemeClr val="accent1">
+                <a:shade val="50000"/>
+              </a:schemeClr>
+            </a:lnRef>
+            <a:fillRef idx="1">
+              <a:schemeClr val="accent1"/>
+            </a:fillRef>
+            <a:effectRef idx="0">
+              <a:schemeClr val="accent1"/>
+            </a:effectRef>
+            <a:fontRef idx="minor">
+              <a:schemeClr val="lt1"/>
+            </a:fontRef>
+          </p:style>
+          <p:txBody>
+            <a:bodyPr rtlCol="0" anchor="ctr"/>
+            <a:lstStyle/>
+            <a:p>
+              <a:pPr algn="ctr"/>
+              <a:endParaRPr lang="en-US">
+                <a:solidFill>
+                  <a:schemeClr val="tx1"/>
+                </a:solidFill>
+              </a:endParaRPr>
+            </a:p>
+          </p:txBody>
+        </p:sp>
+      </p:grpSp>
+      <p:grpSp>
+        <p:nvGrpSpPr>
+          <p:cNvPr id="55" name="Group 54"/>
+          <p:cNvGrpSpPr/>
           <p:nvPr/>
-        </p:nvCxnSpPr>
-        <p:spPr>
-          <a:xfrm flipV="1">
-            <a:off x="2411430" y="3266498"/>
-            <a:ext cx="612945" cy="445966"/>
-          </a:xfrm>
-          <a:prstGeom prst="line">
-            <a:avLst/>
-          </a:prstGeom>
-          <a:ln w="19050">
-            <a:solidFill>
-              <a:schemeClr val="tx1"/>
-            </a:solidFill>
-          </a:ln>
-        </p:spPr>
-        <p:style>
-          <a:lnRef idx="1">
-            <a:schemeClr val="accent1"/>
-          </a:lnRef>
-          <a:fillRef idx="0">
-            <a:schemeClr val="accent1"/>
-          </a:fillRef>
-          <a:effectRef idx="0">
-            <a:schemeClr val="accent1"/>
-          </a:effectRef>
-          <a:fontRef idx="minor">
-            <a:schemeClr val="tx1"/>
-          </a:fontRef>
-        </p:style>
-      </p:cxnSp>
+        </p:nvGrpSpPr>
+        <p:grpSpPr>
+          <a:xfrm>
+            <a:off x="6282900" y="3335940"/>
+            <a:ext cx="1535336" cy="1301788"/>
+            <a:chOff x="6153360" y="3335940"/>
+            <a:chExt cx="1535336" cy="1301788"/>
+          </a:xfrm>
+        </p:grpSpPr>
+        <p:pic>
+          <p:nvPicPr>
+            <p:cNvPr id="46" name="Picture 45"/>
+            <p:cNvPicPr>
+              <a:picLocks noChangeAspect="1"/>
+            </p:cNvPicPr>
+            <p:nvPr/>
+          </p:nvPicPr>
+          <p:blipFill>
+            <a:blip r:embed="rId3">
+              <a:extLst>
+                <a:ext uri="{BEBA8EAE-BF5A-486C-A8C5-ECC9F3942E4B}">
+                  <a14:imgProps xmlns:a14="http://schemas.microsoft.com/office/drawing/2010/main">
+                    <a14:imgLayer r:embed="rId4">
+                      <a14:imgEffect>
+                        <a14:brightnessContrast bright="40000" contrast="-40000"/>
+                      </a14:imgEffect>
+                    </a14:imgLayer>
+                  </a14:imgProps>
+                </a:ext>
+                <a:ext uri="{28A0092B-C50C-407E-A947-70E740481C1C}">
+                  <a14:useLocalDpi xmlns:a14="http://schemas.microsoft.com/office/drawing/2010/main" val="0"/>
+                </a:ext>
+              </a:extLst>
+            </a:blip>
+            <a:stretch>
+              <a:fillRect/>
+            </a:stretch>
+          </p:blipFill>
+          <p:spPr>
+            <a:xfrm>
+              <a:off x="6153360" y="3335940"/>
+              <a:ext cx="1535336" cy="1244277"/>
+            </a:xfrm>
+            <a:prstGeom prst="rect">
+              <a:avLst/>
+            </a:prstGeom>
+          </p:spPr>
+        </p:pic>
+        <p:sp>
+          <p:nvSpPr>
+            <p:cNvPr id="54" name="TextBox 53"/>
+            <p:cNvSpPr txBox="1"/>
+            <p:nvPr/>
+          </p:nvSpPr>
+          <p:spPr>
+            <a:xfrm>
+              <a:off x="6570799" y="3529732"/>
+              <a:ext cx="672163" cy="1107996"/>
+            </a:xfrm>
+            <a:prstGeom prst="rect">
+              <a:avLst/>
+            </a:prstGeom>
+            <a:noFill/>
+          </p:spPr>
+          <p:txBody>
+            <a:bodyPr wrap="square" rtlCol="0">
+              <a:spAutoFit/>
+            </a:bodyPr>
+            <a:lstStyle/>
+            <a:p>
+              <a:r>
+                <a:rPr lang="en-US" sz="6600" b="1" dirty="0" smtClean="0">
+                  <a:solidFill>
+                    <a:srgbClr val="00B050"/>
+                  </a:solidFill>
+                  <a:sym typeface="Wingdings" panose="05000000000000000000" pitchFamily="2" charset="2"/>
+                </a:rPr>
+                <a:t></a:t>
+              </a:r>
+              <a:endParaRPr lang="en-US" sz="6600" b="1" dirty="0">
+                <a:solidFill>
+                  <a:srgbClr val="00B050"/>
+                </a:solidFill>
+              </a:endParaRPr>
+            </a:p>
+          </p:txBody>
+        </p:sp>
+      </p:grpSp>
       <p:pic>
         <p:nvPicPr>
-          <p:cNvPr id="2" name="Picture 1"/>
+          <p:cNvPr id="4" name="Picture 3"/>
           <p:cNvPicPr>
             <a:picLocks noChangeAspect="1"/>
           </p:cNvPicPr>
           <p:nvPr/>
         </p:nvPicPr>
         <p:blipFill>
-          <a:blip r:embed="rId2">
+          <a:blip r:embed="rId5">
             <a:extLst>
               <a:ext uri="{28A0092B-C50C-407E-A947-70E740481C1C}">
                 <a14:useLocalDpi xmlns:a14="http://schemas.microsoft.com/office/drawing/2010/main" val="0"/>
@@ -5923,1621 +7608,25 @@
         </p:blipFill>
         <p:spPr>
           <a:xfrm>
-            <a:off x="193598" y="1665908"/>
-            <a:ext cx="572064" cy="2124808"/>
+            <a:off x="2229085" y="550978"/>
+            <a:ext cx="443133" cy="1645920"/>
           </a:xfrm>
           <a:prstGeom prst="rect">
             <a:avLst/>
           </a:prstGeom>
         </p:spPr>
       </p:pic>
-      <p:sp>
-        <p:nvSpPr>
-          <p:cNvPr id="5" name="Cube 4"/>
-          <p:cNvSpPr/>
-          <p:nvPr/>
-        </p:nvSpPr>
-        <p:spPr>
-          <a:xfrm>
-            <a:off x="1385661" y="1668546"/>
-            <a:ext cx="422032" cy="2363372"/>
-          </a:xfrm>
-          <a:prstGeom prst="cube">
-            <a:avLst>
-              <a:gd name="adj" fmla="val 76059"/>
-            </a:avLst>
-          </a:prstGeom>
-          <a:ln w="9525" cap="flat" cmpd="sng" algn="ctr">
-            <a:solidFill>
-              <a:schemeClr val="dk1"/>
-            </a:solidFill>
-            <a:prstDash val="solid"/>
-            <a:round/>
-            <a:headEnd type="none" w="med" len="med"/>
-            <a:tailEnd type="none" w="med" len="med"/>
-          </a:ln>
-        </p:spPr>
-        <p:style>
-          <a:lnRef idx="0">
-            <a:scrgbClr r="0" g="0" b="0"/>
-          </a:lnRef>
-          <a:fillRef idx="1001">
-            <a:schemeClr val="lt1"/>
-          </a:fillRef>
-          <a:effectRef idx="0">
-            <a:scrgbClr r="0" g="0" b="0"/>
-          </a:effectRef>
-          <a:fontRef idx="minor">
-            <a:schemeClr val="dk1"/>
-          </a:fontRef>
-        </p:style>
-        <p:txBody>
-          <a:bodyPr rtlCol="0" anchor="ctr"/>
-          <a:lstStyle/>
-          <a:p>
-            <a:pPr algn="ctr"/>
-            <a:endParaRPr lang="en-US"/>
-          </a:p>
-        </p:txBody>
-      </p:sp>
-      <p:sp>
-        <p:nvSpPr>
-          <p:cNvPr id="7" name="Cube 6"/>
-          <p:cNvSpPr/>
-          <p:nvPr/>
-        </p:nvSpPr>
-        <p:spPr>
-          <a:xfrm>
-            <a:off x="1538061" y="1668546"/>
-            <a:ext cx="422032" cy="2363372"/>
-          </a:xfrm>
-          <a:prstGeom prst="cube">
-            <a:avLst>
-              <a:gd name="adj" fmla="val 76059"/>
-            </a:avLst>
-          </a:prstGeom>
-          <a:ln w="9525" cap="flat" cmpd="sng" algn="ctr">
-            <a:solidFill>
-              <a:schemeClr val="dk1"/>
-            </a:solidFill>
-            <a:prstDash val="solid"/>
-            <a:round/>
-            <a:headEnd type="none" w="med" len="med"/>
-            <a:tailEnd type="none" w="med" len="med"/>
-          </a:ln>
-        </p:spPr>
-        <p:style>
-          <a:lnRef idx="0">
-            <a:scrgbClr r="0" g="0" b="0"/>
-          </a:lnRef>
-          <a:fillRef idx="1001">
-            <a:schemeClr val="lt1"/>
-          </a:fillRef>
-          <a:effectRef idx="0">
-            <a:scrgbClr r="0" g="0" b="0"/>
-          </a:effectRef>
-          <a:fontRef idx="minor">
-            <a:schemeClr val="dk1"/>
-          </a:fontRef>
-        </p:style>
-        <p:txBody>
-          <a:bodyPr rtlCol="0" anchor="ctr"/>
-          <a:lstStyle/>
-          <a:p>
-            <a:pPr algn="ctr"/>
-            <a:endParaRPr lang="en-US"/>
-          </a:p>
-        </p:txBody>
-      </p:sp>
-      <p:sp>
-        <p:nvSpPr>
-          <p:cNvPr id="8" name="Cube 7"/>
-          <p:cNvSpPr/>
-          <p:nvPr/>
-        </p:nvSpPr>
-        <p:spPr>
-          <a:xfrm>
-            <a:off x="1690461" y="1668546"/>
-            <a:ext cx="422032" cy="2363372"/>
-          </a:xfrm>
-          <a:prstGeom prst="cube">
-            <a:avLst>
-              <a:gd name="adj" fmla="val 76059"/>
-            </a:avLst>
-          </a:prstGeom>
-          <a:ln w="9525" cap="flat" cmpd="sng" algn="ctr">
-            <a:solidFill>
-              <a:schemeClr val="dk1"/>
-            </a:solidFill>
-            <a:prstDash val="solid"/>
-            <a:round/>
-            <a:headEnd type="none" w="med" len="med"/>
-            <a:tailEnd type="none" w="med" len="med"/>
-          </a:ln>
-        </p:spPr>
-        <p:style>
-          <a:lnRef idx="0">
-            <a:scrgbClr r="0" g="0" b="0"/>
-          </a:lnRef>
-          <a:fillRef idx="1001">
-            <a:schemeClr val="lt1"/>
-          </a:fillRef>
-          <a:effectRef idx="0">
-            <a:scrgbClr r="0" g="0" b="0"/>
-          </a:effectRef>
-          <a:fontRef idx="minor">
-            <a:schemeClr val="dk1"/>
-          </a:fontRef>
-        </p:style>
-        <p:txBody>
-          <a:bodyPr rtlCol="0" anchor="ctr"/>
-          <a:lstStyle/>
-          <a:p>
-            <a:pPr algn="ctr"/>
-            <a:endParaRPr lang="en-US"/>
-          </a:p>
-        </p:txBody>
-      </p:sp>
-      <p:sp>
-        <p:nvSpPr>
-          <p:cNvPr id="9" name="Cube 8"/>
-          <p:cNvSpPr/>
-          <p:nvPr/>
-        </p:nvSpPr>
-        <p:spPr>
-          <a:xfrm>
-            <a:off x="1842861" y="1668546"/>
-            <a:ext cx="422032" cy="2363372"/>
-          </a:xfrm>
-          <a:prstGeom prst="cube">
-            <a:avLst>
-              <a:gd name="adj" fmla="val 76059"/>
-            </a:avLst>
-          </a:prstGeom>
-          <a:ln w="9525" cap="flat" cmpd="sng" algn="ctr">
-            <a:solidFill>
-              <a:schemeClr val="dk1"/>
-            </a:solidFill>
-            <a:prstDash val="solid"/>
-            <a:round/>
-            <a:headEnd type="none" w="med" len="med"/>
-            <a:tailEnd type="none" w="med" len="med"/>
-          </a:ln>
-        </p:spPr>
-        <p:style>
-          <a:lnRef idx="0">
-            <a:scrgbClr r="0" g="0" b="0"/>
-          </a:lnRef>
-          <a:fillRef idx="1001">
-            <a:schemeClr val="lt1"/>
-          </a:fillRef>
-          <a:effectRef idx="0">
-            <a:scrgbClr r="0" g="0" b="0"/>
-          </a:effectRef>
-          <a:fontRef idx="minor">
-            <a:schemeClr val="dk1"/>
-          </a:fontRef>
-        </p:style>
-        <p:txBody>
-          <a:bodyPr rtlCol="0" anchor="ctr"/>
-          <a:lstStyle/>
-          <a:p>
-            <a:pPr algn="ctr"/>
-            <a:endParaRPr lang="en-US"/>
-          </a:p>
-        </p:txBody>
-      </p:sp>
-      <p:sp>
-        <p:nvSpPr>
-          <p:cNvPr id="10" name="Cube 9"/>
-          <p:cNvSpPr/>
-          <p:nvPr/>
-        </p:nvSpPr>
-        <p:spPr>
-          <a:xfrm>
-            <a:off x="1995261" y="1668546"/>
-            <a:ext cx="422032" cy="2363372"/>
-          </a:xfrm>
-          <a:prstGeom prst="cube">
-            <a:avLst>
-              <a:gd name="adj" fmla="val 76059"/>
-            </a:avLst>
-          </a:prstGeom>
-          <a:ln w="9525" cap="flat" cmpd="sng" algn="ctr">
-            <a:solidFill>
-              <a:schemeClr val="dk1"/>
-            </a:solidFill>
-            <a:prstDash val="solid"/>
-            <a:round/>
-            <a:headEnd type="none" w="med" len="med"/>
-            <a:tailEnd type="none" w="med" len="med"/>
-          </a:ln>
-        </p:spPr>
-        <p:style>
-          <a:lnRef idx="0">
-            <a:scrgbClr r="0" g="0" b="0"/>
-          </a:lnRef>
-          <a:fillRef idx="1001">
-            <a:schemeClr val="lt1"/>
-          </a:fillRef>
-          <a:effectRef idx="0">
-            <a:scrgbClr r="0" g="0" b="0"/>
-          </a:effectRef>
-          <a:fontRef idx="minor">
-            <a:schemeClr val="dk1"/>
-          </a:fontRef>
-        </p:style>
-        <p:txBody>
-          <a:bodyPr rtlCol="0" anchor="ctr"/>
-          <a:lstStyle/>
-          <a:p>
-            <a:pPr algn="ctr"/>
-            <a:endParaRPr lang="en-US"/>
-          </a:p>
-        </p:txBody>
-      </p:sp>
-      <p:sp>
-        <p:nvSpPr>
-          <p:cNvPr id="11" name="TextBox 10"/>
-          <p:cNvSpPr txBox="1"/>
-          <p:nvPr/>
-        </p:nvSpPr>
-        <p:spPr>
-          <a:xfrm>
-            <a:off x="1366301" y="4097832"/>
-            <a:ext cx="701041" cy="300082"/>
-          </a:xfrm>
-          <a:prstGeom prst="rect">
-            <a:avLst/>
-          </a:prstGeom>
-          <a:noFill/>
-        </p:spPr>
-        <p:txBody>
-          <a:bodyPr wrap="square" rtlCol="0">
-            <a:spAutoFit/>
-          </a:bodyPr>
-          <a:lstStyle/>
-          <a:p>
-            <a:pPr algn="ctr"/>
-            <a:r>
-              <a:rPr lang="en-US" dirty="0" smtClean="0"/>
-              <a:t>96</a:t>
-            </a:r>
-            <a:endParaRPr lang="en-US" dirty="0"/>
-          </a:p>
-        </p:txBody>
-      </p:sp>
-      <p:sp>
-        <p:nvSpPr>
-          <p:cNvPr id="12" name="TextBox 11"/>
-          <p:cNvSpPr txBox="1"/>
-          <p:nvPr/>
-        </p:nvSpPr>
-        <p:spPr>
-          <a:xfrm>
-            <a:off x="109854" y="3846580"/>
-            <a:ext cx="701041" cy="300082"/>
-          </a:xfrm>
-          <a:prstGeom prst="rect">
-            <a:avLst/>
-          </a:prstGeom>
-          <a:noFill/>
-        </p:spPr>
-        <p:txBody>
-          <a:bodyPr wrap="square" rtlCol="0">
-            <a:spAutoFit/>
-          </a:bodyPr>
-          <a:lstStyle/>
-          <a:p>
-            <a:pPr algn="ctr"/>
-            <a:r>
-              <a:rPr lang="en-US" dirty="0" smtClean="0"/>
-              <a:t>Input</a:t>
-            </a:r>
-            <a:endParaRPr lang="en-US" dirty="0"/>
-          </a:p>
-        </p:txBody>
-      </p:sp>
-      <p:sp>
-        <p:nvSpPr>
-          <p:cNvPr id="13" name="Cube 12"/>
-          <p:cNvSpPr/>
-          <p:nvPr/>
-        </p:nvSpPr>
-        <p:spPr>
-          <a:xfrm>
-            <a:off x="2813531" y="2153881"/>
-            <a:ext cx="393896" cy="1392702"/>
-          </a:xfrm>
-          <a:prstGeom prst="cube">
-            <a:avLst>
-              <a:gd name="adj" fmla="val 74273"/>
-            </a:avLst>
-          </a:prstGeom>
-          <a:ln w="9525" cap="flat" cmpd="sng" algn="ctr">
-            <a:solidFill>
-              <a:schemeClr val="dk1"/>
-            </a:solidFill>
-            <a:prstDash val="solid"/>
-            <a:round/>
-            <a:headEnd type="none" w="med" len="med"/>
-            <a:tailEnd type="none" w="med" len="med"/>
-          </a:ln>
-        </p:spPr>
-        <p:style>
-          <a:lnRef idx="0">
-            <a:scrgbClr r="0" g="0" b="0"/>
-          </a:lnRef>
-          <a:fillRef idx="1001">
-            <a:schemeClr val="lt1"/>
-          </a:fillRef>
-          <a:effectRef idx="0">
-            <a:scrgbClr r="0" g="0" b="0"/>
-          </a:effectRef>
-          <a:fontRef idx="minor">
-            <a:schemeClr val="dk1"/>
-          </a:fontRef>
-        </p:style>
-        <p:txBody>
-          <a:bodyPr rtlCol="0" anchor="ctr"/>
-          <a:lstStyle/>
-          <a:p>
-            <a:pPr algn="ctr"/>
-            <a:endParaRPr lang="en-US"/>
-          </a:p>
-        </p:txBody>
-      </p:sp>
-      <p:sp>
-        <p:nvSpPr>
-          <p:cNvPr id="18" name="Cube 17"/>
-          <p:cNvSpPr/>
-          <p:nvPr/>
-        </p:nvSpPr>
-        <p:spPr>
-          <a:xfrm>
-            <a:off x="2968275" y="2153881"/>
-            <a:ext cx="393896" cy="1392702"/>
-          </a:xfrm>
-          <a:prstGeom prst="cube">
-            <a:avLst>
-              <a:gd name="adj" fmla="val 74273"/>
-            </a:avLst>
-          </a:prstGeom>
-          <a:ln w="9525" cap="flat" cmpd="sng" algn="ctr">
-            <a:solidFill>
-              <a:schemeClr val="dk1"/>
-            </a:solidFill>
-            <a:prstDash val="solid"/>
-            <a:round/>
-            <a:headEnd type="none" w="med" len="med"/>
-            <a:tailEnd type="none" w="med" len="med"/>
-          </a:ln>
-        </p:spPr>
-        <p:style>
-          <a:lnRef idx="0">
-            <a:scrgbClr r="0" g="0" b="0"/>
-          </a:lnRef>
-          <a:fillRef idx="1001">
-            <a:schemeClr val="lt1"/>
-          </a:fillRef>
-          <a:effectRef idx="0">
-            <a:scrgbClr r="0" g="0" b="0"/>
-          </a:effectRef>
-          <a:fontRef idx="minor">
-            <a:schemeClr val="dk1"/>
-          </a:fontRef>
-        </p:style>
-        <p:txBody>
-          <a:bodyPr rtlCol="0" anchor="ctr"/>
-          <a:lstStyle/>
-          <a:p>
-            <a:pPr algn="ctr"/>
-            <a:endParaRPr lang="en-US"/>
-          </a:p>
-        </p:txBody>
-      </p:sp>
-      <p:cxnSp>
-        <p:nvCxnSpPr>
-          <p:cNvPr id="21" name="Straight Connector 20"/>
-          <p:cNvCxnSpPr/>
-          <p:nvPr/>
-        </p:nvCxnSpPr>
-        <p:spPr>
-          <a:xfrm>
-            <a:off x="2421590" y="1675384"/>
-            <a:ext cx="701040" cy="477520"/>
-          </a:xfrm>
-          <a:prstGeom prst="line">
-            <a:avLst/>
-          </a:prstGeom>
-          <a:ln w="19050">
-            <a:solidFill>
-              <a:schemeClr val="tx1"/>
-            </a:solidFill>
-          </a:ln>
-        </p:spPr>
-        <p:style>
-          <a:lnRef idx="1">
-            <a:schemeClr val="accent1"/>
-          </a:lnRef>
-          <a:fillRef idx="0">
-            <a:schemeClr val="accent1"/>
-          </a:fillRef>
-          <a:effectRef idx="0">
-            <a:schemeClr val="accent1"/>
-          </a:effectRef>
-          <a:fontRef idx="minor">
-            <a:schemeClr val="tx1"/>
-          </a:fontRef>
-        </p:style>
-      </p:cxnSp>
-      <p:cxnSp>
-        <p:nvCxnSpPr>
-          <p:cNvPr id="24" name="Straight Connector 23"/>
-          <p:cNvCxnSpPr>
-            <a:stCxn id="10" idx="1"/>
-          </p:cNvCxnSpPr>
-          <p:nvPr/>
-        </p:nvCxnSpPr>
-        <p:spPr>
-          <a:xfrm>
-            <a:off x="2045780" y="1989539"/>
-            <a:ext cx="766970" cy="458005"/>
-          </a:xfrm>
-          <a:prstGeom prst="line">
-            <a:avLst/>
-          </a:prstGeom>
-          <a:ln w="19050">
-            <a:solidFill>
-              <a:schemeClr val="tx1"/>
-            </a:solidFill>
-          </a:ln>
-        </p:spPr>
-        <p:style>
-          <a:lnRef idx="1">
-            <a:schemeClr val="accent1"/>
-          </a:lnRef>
-          <a:fillRef idx="0">
-            <a:schemeClr val="accent1"/>
-          </a:fillRef>
-          <a:effectRef idx="0">
-            <a:schemeClr val="accent1"/>
-          </a:effectRef>
-          <a:fontRef idx="minor">
-            <a:schemeClr val="tx1"/>
-          </a:fontRef>
-        </p:style>
-      </p:cxnSp>
-      <p:cxnSp>
-        <p:nvCxnSpPr>
-          <p:cNvPr id="30" name="Straight Connector 29"/>
-          <p:cNvCxnSpPr/>
-          <p:nvPr/>
-        </p:nvCxnSpPr>
-        <p:spPr>
-          <a:xfrm flipV="1">
-            <a:off x="2096470" y="3549904"/>
-            <a:ext cx="721360" cy="482600"/>
-          </a:xfrm>
-          <a:prstGeom prst="line">
-            <a:avLst/>
-          </a:prstGeom>
-          <a:ln w="19050">
-            <a:solidFill>
-              <a:schemeClr val="tx1"/>
-            </a:solidFill>
-          </a:ln>
-        </p:spPr>
-        <p:style>
-          <a:lnRef idx="1">
-            <a:schemeClr val="accent1"/>
-          </a:lnRef>
-          <a:fillRef idx="0">
-            <a:schemeClr val="accent1"/>
-          </a:fillRef>
-          <a:effectRef idx="0">
-            <a:schemeClr val="accent1"/>
-          </a:effectRef>
-          <a:fontRef idx="minor">
-            <a:schemeClr val="tx1"/>
-          </a:fontRef>
-        </p:style>
-      </p:cxnSp>
-      <p:sp>
-        <p:nvSpPr>
-          <p:cNvPr id="34" name="Cube 33"/>
-          <p:cNvSpPr/>
-          <p:nvPr/>
-        </p:nvSpPr>
-        <p:spPr>
-          <a:xfrm>
-            <a:off x="3123019" y="2153881"/>
-            <a:ext cx="393896" cy="1392702"/>
-          </a:xfrm>
-          <a:prstGeom prst="cube">
-            <a:avLst>
-              <a:gd name="adj" fmla="val 74273"/>
-            </a:avLst>
-          </a:prstGeom>
-          <a:ln w="9525" cap="flat" cmpd="sng" algn="ctr">
-            <a:solidFill>
-              <a:schemeClr val="dk1"/>
-            </a:solidFill>
-            <a:prstDash val="solid"/>
-            <a:round/>
-            <a:headEnd type="none" w="med" len="med"/>
-            <a:tailEnd type="none" w="med" len="med"/>
-          </a:ln>
-        </p:spPr>
-        <p:style>
-          <a:lnRef idx="0">
-            <a:scrgbClr r="0" g="0" b="0"/>
-          </a:lnRef>
-          <a:fillRef idx="1001">
-            <a:schemeClr val="lt1"/>
-          </a:fillRef>
-          <a:effectRef idx="0">
-            <a:scrgbClr r="0" g="0" b="0"/>
-          </a:effectRef>
-          <a:fontRef idx="minor">
-            <a:schemeClr val="dk1"/>
-          </a:fontRef>
-        </p:style>
-        <p:txBody>
-          <a:bodyPr rtlCol="0" anchor="ctr"/>
-          <a:lstStyle/>
-          <a:p>
-            <a:pPr algn="ctr"/>
-            <a:endParaRPr lang="en-US"/>
-          </a:p>
-        </p:txBody>
-      </p:sp>
-      <p:sp>
-        <p:nvSpPr>
-          <p:cNvPr id="35" name="Cube 34"/>
-          <p:cNvSpPr/>
-          <p:nvPr/>
-        </p:nvSpPr>
-        <p:spPr>
-          <a:xfrm>
-            <a:off x="3277763" y="2153881"/>
-            <a:ext cx="393896" cy="1392702"/>
-          </a:xfrm>
-          <a:prstGeom prst="cube">
-            <a:avLst>
-              <a:gd name="adj" fmla="val 74273"/>
-            </a:avLst>
-          </a:prstGeom>
-          <a:ln w="9525" cap="flat" cmpd="sng" algn="ctr">
-            <a:solidFill>
-              <a:schemeClr val="dk1"/>
-            </a:solidFill>
-            <a:prstDash val="solid"/>
-            <a:round/>
-            <a:headEnd type="none" w="med" len="med"/>
-            <a:tailEnd type="none" w="med" len="med"/>
-          </a:ln>
-        </p:spPr>
-        <p:style>
-          <a:lnRef idx="0">
-            <a:scrgbClr r="0" g="0" b="0"/>
-          </a:lnRef>
-          <a:fillRef idx="1001">
-            <a:schemeClr val="lt1"/>
-          </a:fillRef>
-          <a:effectRef idx="0">
-            <a:scrgbClr r="0" g="0" b="0"/>
-          </a:effectRef>
-          <a:fontRef idx="minor">
-            <a:schemeClr val="dk1"/>
-          </a:fontRef>
-        </p:style>
-        <p:txBody>
-          <a:bodyPr rtlCol="0" anchor="ctr"/>
-          <a:lstStyle/>
-          <a:p>
-            <a:pPr algn="ctr"/>
-            <a:endParaRPr lang="en-US"/>
-          </a:p>
-        </p:txBody>
-      </p:sp>
-      <p:sp>
-        <p:nvSpPr>
-          <p:cNvPr id="36" name="TextBox 35"/>
-          <p:cNvSpPr txBox="1"/>
-          <p:nvPr/>
-        </p:nvSpPr>
-        <p:spPr>
-          <a:xfrm>
-            <a:off x="2765623" y="3583931"/>
-            <a:ext cx="660401" cy="300082"/>
-          </a:xfrm>
-          <a:prstGeom prst="rect">
-            <a:avLst/>
-          </a:prstGeom>
-          <a:noFill/>
-        </p:spPr>
-        <p:txBody>
-          <a:bodyPr wrap="square" rtlCol="0">
-            <a:spAutoFit/>
-          </a:bodyPr>
-          <a:lstStyle/>
-          <a:p>
-            <a:pPr algn="ctr"/>
-            <a:r>
-              <a:rPr lang="en-US" dirty="0" smtClean="0"/>
-              <a:t>128</a:t>
-            </a:r>
-            <a:endParaRPr lang="en-US" dirty="0"/>
-          </a:p>
-        </p:txBody>
-      </p:sp>
-      <p:sp>
-        <p:nvSpPr>
-          <p:cNvPr id="37" name="Cube 36"/>
-          <p:cNvSpPr/>
-          <p:nvPr/>
-        </p:nvSpPr>
-        <p:spPr>
-          <a:xfrm>
-            <a:off x="4024912" y="2458682"/>
-            <a:ext cx="239538" cy="783101"/>
-          </a:xfrm>
-          <a:prstGeom prst="cube">
-            <a:avLst>
-              <a:gd name="adj" fmla="val 67911"/>
-            </a:avLst>
-          </a:prstGeom>
-          <a:ln w="9525" cap="flat" cmpd="sng" algn="ctr">
-            <a:solidFill>
-              <a:schemeClr val="dk1"/>
-            </a:solidFill>
-            <a:prstDash val="solid"/>
-            <a:round/>
-            <a:headEnd type="none" w="med" len="med"/>
-            <a:tailEnd type="none" w="med" len="med"/>
-          </a:ln>
-        </p:spPr>
-        <p:style>
-          <a:lnRef idx="0">
-            <a:scrgbClr r="0" g="0" b="0"/>
-          </a:lnRef>
-          <a:fillRef idx="1001">
-            <a:schemeClr val="lt1"/>
-          </a:fillRef>
-          <a:effectRef idx="0">
-            <a:scrgbClr r="0" g="0" b="0"/>
-          </a:effectRef>
-          <a:fontRef idx="minor">
-            <a:schemeClr val="dk1"/>
-          </a:fontRef>
-        </p:style>
-        <p:txBody>
-          <a:bodyPr rtlCol="0" anchor="ctr"/>
-          <a:lstStyle/>
-          <a:p>
-            <a:pPr algn="ctr"/>
-            <a:endParaRPr lang="en-US"/>
-          </a:p>
-        </p:txBody>
-      </p:sp>
-      <p:sp>
-        <p:nvSpPr>
-          <p:cNvPr id="38" name="Cube 37"/>
-          <p:cNvSpPr/>
-          <p:nvPr/>
-        </p:nvSpPr>
-        <p:spPr>
-          <a:xfrm>
-            <a:off x="4144681" y="2458682"/>
-            <a:ext cx="239538" cy="783101"/>
-          </a:xfrm>
-          <a:prstGeom prst="cube">
-            <a:avLst>
-              <a:gd name="adj" fmla="val 67911"/>
-            </a:avLst>
-          </a:prstGeom>
-          <a:ln w="9525" cap="flat" cmpd="sng" algn="ctr">
-            <a:solidFill>
-              <a:schemeClr val="dk1"/>
-            </a:solidFill>
-            <a:prstDash val="solid"/>
-            <a:round/>
-            <a:headEnd type="none" w="med" len="med"/>
-            <a:tailEnd type="none" w="med" len="med"/>
-          </a:ln>
-        </p:spPr>
-        <p:style>
-          <a:lnRef idx="0">
-            <a:scrgbClr r="0" g="0" b="0"/>
-          </a:lnRef>
-          <a:fillRef idx="1001">
-            <a:schemeClr val="lt1"/>
-          </a:fillRef>
-          <a:effectRef idx="0">
-            <a:scrgbClr r="0" g="0" b="0"/>
-          </a:effectRef>
-          <a:fontRef idx="minor">
-            <a:schemeClr val="dk1"/>
-          </a:fontRef>
-        </p:style>
-        <p:txBody>
-          <a:bodyPr rtlCol="0" anchor="ctr"/>
-          <a:lstStyle/>
-          <a:p>
-            <a:pPr algn="ctr"/>
-            <a:endParaRPr lang="en-US"/>
-          </a:p>
-        </p:txBody>
-      </p:sp>
-      <p:sp>
-        <p:nvSpPr>
-          <p:cNvPr id="39" name="Cube 38"/>
-          <p:cNvSpPr/>
-          <p:nvPr/>
-        </p:nvSpPr>
-        <p:spPr>
-          <a:xfrm>
-            <a:off x="4264450" y="2458682"/>
-            <a:ext cx="239538" cy="783101"/>
-          </a:xfrm>
-          <a:prstGeom prst="cube">
-            <a:avLst>
-              <a:gd name="adj" fmla="val 67911"/>
-            </a:avLst>
-          </a:prstGeom>
-          <a:ln w="9525" cap="flat" cmpd="sng" algn="ctr">
-            <a:solidFill>
-              <a:schemeClr val="dk1"/>
-            </a:solidFill>
-            <a:prstDash val="solid"/>
-            <a:round/>
-            <a:headEnd type="none" w="med" len="med"/>
-            <a:tailEnd type="none" w="med" len="med"/>
-          </a:ln>
-        </p:spPr>
-        <p:style>
-          <a:lnRef idx="0">
-            <a:scrgbClr r="0" g="0" b="0"/>
-          </a:lnRef>
-          <a:fillRef idx="1001">
-            <a:schemeClr val="lt1"/>
-          </a:fillRef>
-          <a:effectRef idx="0">
-            <a:scrgbClr r="0" g="0" b="0"/>
-          </a:effectRef>
-          <a:fontRef idx="minor">
-            <a:schemeClr val="dk1"/>
-          </a:fontRef>
-        </p:style>
-        <p:txBody>
-          <a:bodyPr rtlCol="0" anchor="ctr"/>
-          <a:lstStyle/>
-          <a:p>
-            <a:pPr algn="ctr"/>
-            <a:endParaRPr lang="en-US"/>
-          </a:p>
-        </p:txBody>
-      </p:sp>
-      <p:sp>
-        <p:nvSpPr>
-          <p:cNvPr id="40" name="Cube 39"/>
-          <p:cNvSpPr/>
-          <p:nvPr/>
-        </p:nvSpPr>
-        <p:spPr>
-          <a:xfrm>
-            <a:off x="4384219" y="2458682"/>
-            <a:ext cx="239538" cy="783101"/>
-          </a:xfrm>
-          <a:prstGeom prst="cube">
-            <a:avLst>
-              <a:gd name="adj" fmla="val 67911"/>
-            </a:avLst>
-          </a:prstGeom>
-          <a:ln w="9525" cap="flat" cmpd="sng" algn="ctr">
-            <a:solidFill>
-              <a:schemeClr val="dk1"/>
-            </a:solidFill>
-            <a:prstDash val="solid"/>
-            <a:round/>
-            <a:headEnd type="none" w="med" len="med"/>
-            <a:tailEnd type="none" w="med" len="med"/>
-          </a:ln>
-        </p:spPr>
-        <p:style>
-          <a:lnRef idx="0">
-            <a:scrgbClr r="0" g="0" b="0"/>
-          </a:lnRef>
-          <a:fillRef idx="1001">
-            <a:schemeClr val="lt1"/>
-          </a:fillRef>
-          <a:effectRef idx="0">
-            <a:scrgbClr r="0" g="0" b="0"/>
-          </a:effectRef>
-          <a:fontRef idx="minor">
-            <a:schemeClr val="dk1"/>
-          </a:fontRef>
-        </p:style>
-        <p:txBody>
-          <a:bodyPr rtlCol="0" anchor="ctr"/>
-          <a:lstStyle/>
-          <a:p>
-            <a:pPr algn="ctr"/>
-            <a:endParaRPr lang="en-US"/>
-          </a:p>
-        </p:txBody>
-      </p:sp>
-      <p:sp>
-        <p:nvSpPr>
-          <p:cNvPr id="41" name="TextBox 40"/>
-          <p:cNvSpPr txBox="1"/>
-          <p:nvPr/>
-        </p:nvSpPr>
-        <p:spPr>
-          <a:xfrm>
-            <a:off x="3921901" y="3251810"/>
-            <a:ext cx="660401" cy="300082"/>
-          </a:xfrm>
-          <a:prstGeom prst="rect">
-            <a:avLst/>
-          </a:prstGeom>
-          <a:noFill/>
-        </p:spPr>
-        <p:txBody>
-          <a:bodyPr wrap="square" rtlCol="0">
-            <a:spAutoFit/>
-          </a:bodyPr>
-          <a:lstStyle/>
-          <a:p>
-            <a:pPr algn="ctr"/>
-            <a:r>
-              <a:rPr lang="en-US" dirty="0" smtClean="0"/>
-              <a:t>256</a:t>
-            </a:r>
-            <a:endParaRPr lang="en-US" dirty="0"/>
-          </a:p>
-        </p:txBody>
-      </p:sp>
-      <p:sp>
-        <p:nvSpPr>
-          <p:cNvPr id="42" name="Cube 41"/>
-          <p:cNvSpPr/>
-          <p:nvPr/>
-        </p:nvSpPr>
-        <p:spPr>
-          <a:xfrm>
-            <a:off x="5002229" y="2626322"/>
-            <a:ext cx="139687" cy="447821"/>
-          </a:xfrm>
-          <a:prstGeom prst="cube">
-            <a:avLst>
-              <a:gd name="adj" fmla="val 67911"/>
-            </a:avLst>
-          </a:prstGeom>
-          <a:ln w="9525" cap="flat" cmpd="sng" algn="ctr">
-            <a:solidFill>
-              <a:schemeClr val="dk1"/>
-            </a:solidFill>
-            <a:prstDash val="solid"/>
-            <a:round/>
-            <a:headEnd type="none" w="med" len="med"/>
-            <a:tailEnd type="none" w="med" len="med"/>
-          </a:ln>
-        </p:spPr>
-        <p:style>
-          <a:lnRef idx="0">
-            <a:scrgbClr r="0" g="0" b="0"/>
-          </a:lnRef>
-          <a:fillRef idx="1001">
-            <a:schemeClr val="lt1"/>
-          </a:fillRef>
-          <a:effectRef idx="0">
-            <a:scrgbClr r="0" g="0" b="0"/>
-          </a:effectRef>
-          <a:fontRef idx="minor">
-            <a:schemeClr val="dk1"/>
-          </a:fontRef>
-        </p:style>
-        <p:txBody>
-          <a:bodyPr rtlCol="0" anchor="ctr"/>
-          <a:lstStyle/>
-          <a:p>
-            <a:pPr algn="ctr"/>
-            <a:endParaRPr lang="en-US"/>
-          </a:p>
-        </p:txBody>
-      </p:sp>
-      <p:sp>
-        <p:nvSpPr>
-          <p:cNvPr id="46" name="Cube 45"/>
-          <p:cNvSpPr/>
-          <p:nvPr/>
-        </p:nvSpPr>
-        <p:spPr>
-          <a:xfrm>
-            <a:off x="5072072" y="2626322"/>
-            <a:ext cx="139687" cy="447821"/>
-          </a:xfrm>
-          <a:prstGeom prst="cube">
-            <a:avLst>
-              <a:gd name="adj" fmla="val 67911"/>
-            </a:avLst>
-          </a:prstGeom>
-          <a:ln w="9525" cap="flat" cmpd="sng" algn="ctr">
-            <a:solidFill>
-              <a:schemeClr val="dk1"/>
-            </a:solidFill>
-            <a:prstDash val="solid"/>
-            <a:round/>
-            <a:headEnd type="none" w="med" len="med"/>
-            <a:tailEnd type="none" w="med" len="med"/>
-          </a:ln>
-        </p:spPr>
-        <p:style>
-          <a:lnRef idx="0">
-            <a:scrgbClr r="0" g="0" b="0"/>
-          </a:lnRef>
-          <a:fillRef idx="1001">
-            <a:schemeClr val="lt1"/>
-          </a:fillRef>
-          <a:effectRef idx="0">
-            <a:scrgbClr r="0" g="0" b="0"/>
-          </a:effectRef>
-          <a:fontRef idx="minor">
-            <a:schemeClr val="dk1"/>
-          </a:fontRef>
-        </p:style>
-        <p:txBody>
-          <a:bodyPr rtlCol="0" anchor="ctr"/>
-          <a:lstStyle/>
-          <a:p>
-            <a:pPr algn="ctr"/>
-            <a:endParaRPr lang="en-US"/>
-          </a:p>
-        </p:txBody>
-      </p:sp>
-      <p:sp>
-        <p:nvSpPr>
-          <p:cNvPr id="47" name="Cube 46"/>
-          <p:cNvSpPr/>
-          <p:nvPr/>
-        </p:nvSpPr>
-        <p:spPr>
-          <a:xfrm>
-            <a:off x="5141915" y="2626322"/>
-            <a:ext cx="139687" cy="447821"/>
-          </a:xfrm>
-          <a:prstGeom prst="cube">
-            <a:avLst>
-              <a:gd name="adj" fmla="val 67911"/>
-            </a:avLst>
-          </a:prstGeom>
-          <a:ln w="9525" cap="flat" cmpd="sng" algn="ctr">
-            <a:solidFill>
-              <a:schemeClr val="dk1"/>
-            </a:solidFill>
-            <a:prstDash val="solid"/>
-            <a:round/>
-            <a:headEnd type="none" w="med" len="med"/>
-            <a:tailEnd type="none" w="med" len="med"/>
-          </a:ln>
-        </p:spPr>
-        <p:style>
-          <a:lnRef idx="0">
-            <a:scrgbClr r="0" g="0" b="0"/>
-          </a:lnRef>
-          <a:fillRef idx="1001">
-            <a:schemeClr val="lt1"/>
-          </a:fillRef>
-          <a:effectRef idx="0">
-            <a:scrgbClr r="0" g="0" b="0"/>
-          </a:effectRef>
-          <a:fontRef idx="minor">
-            <a:schemeClr val="dk1"/>
-          </a:fontRef>
-        </p:style>
-        <p:txBody>
-          <a:bodyPr rtlCol="0" anchor="ctr"/>
-          <a:lstStyle/>
-          <a:p>
-            <a:pPr algn="ctr"/>
-            <a:endParaRPr lang="en-US"/>
-          </a:p>
-        </p:txBody>
-      </p:sp>
-      <p:sp>
-        <p:nvSpPr>
-          <p:cNvPr id="48" name="Cube 47"/>
-          <p:cNvSpPr/>
-          <p:nvPr/>
-        </p:nvSpPr>
-        <p:spPr>
-          <a:xfrm>
-            <a:off x="5211758" y="2626322"/>
-            <a:ext cx="139687" cy="447821"/>
-          </a:xfrm>
-          <a:prstGeom prst="cube">
-            <a:avLst>
-              <a:gd name="adj" fmla="val 67911"/>
-            </a:avLst>
-          </a:prstGeom>
-          <a:ln w="9525" cap="flat" cmpd="sng" algn="ctr">
-            <a:solidFill>
-              <a:schemeClr val="dk1"/>
-            </a:solidFill>
-            <a:prstDash val="solid"/>
-            <a:round/>
-            <a:headEnd type="none" w="med" len="med"/>
-            <a:tailEnd type="none" w="med" len="med"/>
-          </a:ln>
-        </p:spPr>
-        <p:style>
-          <a:lnRef idx="0">
-            <a:scrgbClr r="0" g="0" b="0"/>
-          </a:lnRef>
-          <a:fillRef idx="1001">
-            <a:schemeClr val="lt1"/>
-          </a:fillRef>
-          <a:effectRef idx="0">
-            <a:scrgbClr r="0" g="0" b="0"/>
-          </a:effectRef>
-          <a:fontRef idx="minor">
-            <a:schemeClr val="dk1"/>
-          </a:fontRef>
-        </p:style>
-        <p:txBody>
-          <a:bodyPr rtlCol="0" anchor="ctr"/>
-          <a:lstStyle/>
-          <a:p>
-            <a:pPr algn="ctr"/>
-            <a:endParaRPr lang="en-US"/>
-          </a:p>
-        </p:txBody>
-      </p:sp>
-      <p:sp>
-        <p:nvSpPr>
-          <p:cNvPr id="49" name="TextBox 48"/>
-          <p:cNvSpPr txBox="1"/>
-          <p:nvPr/>
-        </p:nvSpPr>
-        <p:spPr>
-          <a:xfrm>
-            <a:off x="4836304" y="3073000"/>
-            <a:ext cx="660401" cy="300082"/>
-          </a:xfrm>
-          <a:prstGeom prst="rect">
-            <a:avLst/>
-          </a:prstGeom>
-          <a:noFill/>
-        </p:spPr>
-        <p:txBody>
-          <a:bodyPr wrap="square" rtlCol="0">
-            <a:spAutoFit/>
-          </a:bodyPr>
-          <a:lstStyle/>
-          <a:p>
-            <a:pPr algn="ctr"/>
-            <a:r>
-              <a:rPr lang="en-US" dirty="0" smtClean="0"/>
-              <a:t>512</a:t>
-            </a:r>
-            <a:endParaRPr lang="en-US" dirty="0"/>
-          </a:p>
-        </p:txBody>
-      </p:sp>
       <p:pic>
         <p:nvPicPr>
-          <p:cNvPr id="50" name="Picture 49"/>
+          <p:cNvPr id="7" name="Picture 6"/>
           <p:cNvPicPr>
             <a:picLocks noChangeAspect="1"/>
           </p:cNvPicPr>
           <p:nvPr/>
         </p:nvPicPr>
         <p:blipFill>
-          <a:blip r:embed="rId3"/>
-          <a:stretch>
-            <a:fillRect/>
-          </a:stretch>
-        </p:blipFill>
-        <p:spPr>
-          <a:xfrm>
-            <a:off x="6537408" y="2245952"/>
-            <a:ext cx="880650" cy="1223800"/>
-          </a:xfrm>
-          <a:prstGeom prst="rect">
-            <a:avLst/>
-          </a:prstGeom>
-          <a:ln>
-            <a:solidFill>
-              <a:schemeClr val="tx1"/>
-            </a:solidFill>
-          </a:ln>
-        </p:spPr>
-      </p:pic>
-      <p:sp>
-        <p:nvSpPr>
-          <p:cNvPr id="51" name="TextBox 50"/>
-          <p:cNvSpPr txBox="1"/>
-          <p:nvPr/>
-        </p:nvSpPr>
-        <p:spPr>
-          <a:xfrm>
-            <a:off x="6537408" y="3468262"/>
-            <a:ext cx="880650" cy="300082"/>
-          </a:xfrm>
-          <a:prstGeom prst="rect">
-            <a:avLst/>
-          </a:prstGeom>
-          <a:noFill/>
-        </p:spPr>
-        <p:txBody>
-          <a:bodyPr wrap="square" rtlCol="0">
-            <a:spAutoFit/>
-          </a:bodyPr>
-          <a:lstStyle/>
-          <a:p>
-            <a:pPr algn="ctr"/>
-            <a:r>
-              <a:rPr lang="en-US" dirty="0" err="1" smtClean="0"/>
-              <a:t>Softmax</a:t>
-            </a:r>
-            <a:endParaRPr lang="en-US" dirty="0"/>
-          </a:p>
-        </p:txBody>
-      </p:sp>
-      <p:cxnSp>
-        <p:nvCxnSpPr>
-          <p:cNvPr id="60" name="Straight Connector 59"/>
-          <p:cNvCxnSpPr>
-            <a:endCxn id="37" idx="1"/>
-          </p:cNvCxnSpPr>
-          <p:nvPr/>
-        </p:nvCxnSpPr>
-        <p:spPr>
-          <a:xfrm>
-            <a:off x="3386281" y="2458681"/>
-            <a:ext cx="677064" cy="162674"/>
-          </a:xfrm>
-          <a:prstGeom prst="line">
-            <a:avLst/>
-          </a:prstGeom>
-          <a:ln w="19050">
-            <a:solidFill>
-              <a:schemeClr val="tx1"/>
-            </a:solidFill>
-          </a:ln>
-        </p:spPr>
-        <p:style>
-          <a:lnRef idx="1">
-            <a:schemeClr val="accent1"/>
-          </a:lnRef>
-          <a:fillRef idx="0">
-            <a:schemeClr val="accent1"/>
-          </a:fillRef>
-          <a:effectRef idx="0">
-            <a:schemeClr val="accent1"/>
-          </a:effectRef>
-          <a:fontRef idx="minor">
-            <a:schemeClr val="tx1"/>
-          </a:fontRef>
-        </p:style>
-      </p:cxnSp>
-      <p:cxnSp>
-        <p:nvCxnSpPr>
-          <p:cNvPr id="62" name="Straight Connector 61"/>
-          <p:cNvCxnSpPr/>
-          <p:nvPr/>
-        </p:nvCxnSpPr>
-        <p:spPr>
-          <a:xfrm>
-            <a:off x="3660866" y="2185672"/>
-            <a:ext cx="503164" cy="269492"/>
-          </a:xfrm>
-          <a:prstGeom prst="line">
-            <a:avLst/>
-          </a:prstGeom>
-          <a:ln w="19050">
-            <a:solidFill>
-              <a:schemeClr val="tx1"/>
-            </a:solidFill>
-          </a:ln>
-        </p:spPr>
-        <p:style>
-          <a:lnRef idx="1">
-            <a:schemeClr val="accent1"/>
-          </a:lnRef>
-          <a:fillRef idx="0">
-            <a:schemeClr val="accent1"/>
-          </a:fillRef>
-          <a:effectRef idx="0">
-            <a:schemeClr val="accent1"/>
-          </a:effectRef>
-          <a:fontRef idx="minor">
-            <a:schemeClr val="tx1"/>
-          </a:fontRef>
-        </p:style>
-      </p:cxnSp>
-      <p:cxnSp>
-        <p:nvCxnSpPr>
-          <p:cNvPr id="66" name="Straight Connector 65"/>
-          <p:cNvCxnSpPr/>
-          <p:nvPr/>
-        </p:nvCxnSpPr>
-        <p:spPr>
-          <a:xfrm flipV="1">
-            <a:off x="3386790" y="3240024"/>
-            <a:ext cx="647700" cy="297180"/>
-          </a:xfrm>
-          <a:prstGeom prst="line">
-            <a:avLst/>
-          </a:prstGeom>
-          <a:ln w="19050">
-            <a:solidFill>
-              <a:schemeClr val="tx1"/>
-            </a:solidFill>
-          </a:ln>
-        </p:spPr>
-        <p:style>
-          <a:lnRef idx="1">
-            <a:schemeClr val="accent1"/>
-          </a:lnRef>
-          <a:fillRef idx="0">
-            <a:schemeClr val="accent1"/>
-          </a:fillRef>
-          <a:effectRef idx="0">
-            <a:schemeClr val="accent1"/>
-          </a:effectRef>
-          <a:fontRef idx="minor">
-            <a:schemeClr val="tx1"/>
-          </a:fontRef>
-        </p:style>
-      </p:cxnSp>
-      <p:cxnSp>
-        <p:nvCxnSpPr>
-          <p:cNvPr id="73" name="Straight Connector 72"/>
-          <p:cNvCxnSpPr/>
-          <p:nvPr/>
-        </p:nvCxnSpPr>
-        <p:spPr>
-          <a:xfrm>
-            <a:off x="4603830" y="2459786"/>
-            <a:ext cx="474600" cy="170638"/>
-          </a:xfrm>
-          <a:prstGeom prst="line">
-            <a:avLst/>
-          </a:prstGeom>
-          <a:ln w="19050">
-            <a:solidFill>
-              <a:schemeClr val="tx1"/>
-            </a:solidFill>
-          </a:ln>
-        </p:spPr>
-        <p:style>
-          <a:lnRef idx="1">
-            <a:schemeClr val="accent1"/>
-          </a:lnRef>
-          <a:fillRef idx="0">
-            <a:schemeClr val="accent1"/>
-          </a:fillRef>
-          <a:effectRef idx="0">
-            <a:schemeClr val="accent1"/>
-          </a:effectRef>
-          <a:fontRef idx="minor">
-            <a:schemeClr val="tx1"/>
-          </a:fontRef>
-        </p:style>
-      </p:cxnSp>
-      <p:cxnSp>
-        <p:nvCxnSpPr>
-          <p:cNvPr id="75" name="Straight Connector 74"/>
-          <p:cNvCxnSpPr/>
-          <p:nvPr/>
-        </p:nvCxnSpPr>
-        <p:spPr>
-          <a:xfrm>
-            <a:off x="4464143" y="2621355"/>
-            <a:ext cx="530467" cy="100509"/>
-          </a:xfrm>
-          <a:prstGeom prst="line">
-            <a:avLst/>
-          </a:prstGeom>
-          <a:ln w="19050">
-            <a:solidFill>
-              <a:schemeClr val="tx1"/>
-            </a:solidFill>
-          </a:ln>
-        </p:spPr>
-        <p:style>
-          <a:lnRef idx="1">
-            <a:schemeClr val="accent1"/>
-          </a:lnRef>
-          <a:fillRef idx="0">
-            <a:schemeClr val="accent1"/>
-          </a:fillRef>
-          <a:effectRef idx="0">
-            <a:schemeClr val="accent1"/>
-          </a:effectRef>
-          <a:fontRef idx="minor">
-            <a:schemeClr val="tx1"/>
-          </a:fontRef>
-        </p:style>
-      </p:cxnSp>
-      <p:cxnSp>
-        <p:nvCxnSpPr>
-          <p:cNvPr id="79" name="Straight Connector 78"/>
-          <p:cNvCxnSpPr/>
-          <p:nvPr/>
-        </p:nvCxnSpPr>
-        <p:spPr>
-          <a:xfrm flipV="1">
-            <a:off x="4448942" y="3072384"/>
-            <a:ext cx="568528" cy="164711"/>
-          </a:xfrm>
-          <a:prstGeom prst="line">
-            <a:avLst/>
-          </a:prstGeom>
-          <a:ln w="19050">
-            <a:solidFill>
-              <a:schemeClr val="tx1"/>
-            </a:solidFill>
-          </a:ln>
-        </p:spPr>
-        <p:style>
-          <a:lnRef idx="1">
-            <a:schemeClr val="accent1"/>
-          </a:lnRef>
-          <a:fillRef idx="0">
-            <a:schemeClr val="accent1"/>
-          </a:fillRef>
-          <a:effectRef idx="0">
-            <a:schemeClr val="accent1"/>
-          </a:effectRef>
-          <a:fontRef idx="minor">
-            <a:schemeClr val="tx1"/>
-          </a:fontRef>
-        </p:style>
-      </p:cxnSp>
-      <p:sp>
-        <p:nvSpPr>
-          <p:cNvPr id="81" name="Right Arrow 80"/>
-          <p:cNvSpPr/>
-          <p:nvPr/>
-        </p:nvSpPr>
-        <p:spPr>
-          <a:xfrm>
-            <a:off x="856299" y="2632337"/>
-            <a:ext cx="485419" cy="451029"/>
-          </a:xfrm>
-          <a:prstGeom prst="rightArrow">
-            <a:avLst/>
-          </a:prstGeom>
-          <a:ln>
-            <a:noFill/>
-          </a:ln>
-        </p:spPr>
-        <p:style>
-          <a:lnRef idx="2">
-            <a:schemeClr val="accent1">
-              <a:shade val="50000"/>
-            </a:schemeClr>
-          </a:lnRef>
-          <a:fillRef idx="1">
-            <a:schemeClr val="accent1"/>
-          </a:fillRef>
-          <a:effectRef idx="0">
-            <a:schemeClr val="accent1"/>
-          </a:effectRef>
-          <a:fontRef idx="minor">
-            <a:schemeClr val="lt1"/>
-          </a:fontRef>
-        </p:style>
-        <p:txBody>
-          <a:bodyPr rtlCol="0" anchor="ctr"/>
-          <a:lstStyle/>
-          <a:p>
-            <a:pPr algn="ctr"/>
-            <a:endParaRPr lang="en-US"/>
-          </a:p>
-        </p:txBody>
-      </p:sp>
-      <p:sp>
-        <p:nvSpPr>
-          <p:cNvPr id="82" name="Right Arrow 81"/>
-          <p:cNvSpPr/>
-          <p:nvPr/>
-        </p:nvSpPr>
-        <p:spPr>
-          <a:xfrm>
-            <a:off x="6073450" y="2624503"/>
-            <a:ext cx="340080" cy="451029"/>
-          </a:xfrm>
-          <a:prstGeom prst="rightArrow">
-            <a:avLst/>
-          </a:prstGeom>
-          <a:ln>
-            <a:noFill/>
-          </a:ln>
-        </p:spPr>
-        <p:style>
-          <a:lnRef idx="2">
-            <a:schemeClr val="accent1">
-              <a:shade val="50000"/>
-            </a:schemeClr>
-          </a:lnRef>
-          <a:fillRef idx="1">
-            <a:schemeClr val="accent1"/>
-          </a:fillRef>
-          <a:effectRef idx="0">
-            <a:schemeClr val="accent1"/>
-          </a:effectRef>
-          <a:fontRef idx="minor">
-            <a:schemeClr val="lt1"/>
-          </a:fontRef>
-        </p:style>
-        <p:txBody>
-          <a:bodyPr rtlCol="0" anchor="ctr"/>
-          <a:lstStyle/>
-          <a:p>
-            <a:pPr algn="ctr"/>
-            <a:endParaRPr lang="en-US"/>
-          </a:p>
-        </p:txBody>
-      </p:sp>
-      <p:sp>
-        <p:nvSpPr>
-          <p:cNvPr id="83" name="Rectangle 82"/>
-          <p:cNvSpPr/>
-          <p:nvPr/>
-        </p:nvSpPr>
-        <p:spPr>
-          <a:xfrm>
-            <a:off x="5830974" y="1980454"/>
-            <a:ext cx="156471" cy="1739126"/>
-          </a:xfrm>
-          <a:prstGeom prst="rect">
-            <a:avLst/>
-          </a:prstGeom>
-          <a:solidFill>
-            <a:schemeClr val="bg1"/>
-          </a:solidFill>
-          <a:ln>
-            <a:solidFill>
-              <a:schemeClr val="dk1"/>
-            </a:solidFill>
-          </a:ln>
-        </p:spPr>
-        <p:style>
-          <a:lnRef idx="2">
-            <a:schemeClr val="accent1">
-              <a:shade val="50000"/>
-            </a:schemeClr>
-          </a:lnRef>
-          <a:fillRef idx="1">
-            <a:schemeClr val="accent1"/>
-          </a:fillRef>
-          <a:effectRef idx="0">
-            <a:schemeClr val="accent1"/>
-          </a:effectRef>
-          <a:fontRef idx="minor">
-            <a:schemeClr val="lt1"/>
-          </a:fontRef>
-        </p:style>
-        <p:txBody>
-          <a:bodyPr vert="vert270" rtlCol="0" anchor="ctr"/>
-          <a:lstStyle/>
-          <a:p>
-            <a:pPr algn="ctr"/>
-            <a:r>
-              <a:rPr lang="en-US" sz="900" b="1" dirty="0" smtClean="0">
-                <a:solidFill>
-                  <a:schemeClr val="tx1"/>
-                </a:solidFill>
-              </a:rPr>
-              <a:t>Global Max Pooling</a:t>
-            </a:r>
-            <a:endParaRPr lang="en-US" sz="900" b="1" dirty="0">
-              <a:solidFill>
-                <a:schemeClr val="tx1"/>
-              </a:solidFill>
-            </a:endParaRPr>
-          </a:p>
-        </p:txBody>
-      </p:sp>
-      <p:sp>
-        <p:nvSpPr>
-          <p:cNvPr id="84" name="TextBox 83"/>
-          <p:cNvSpPr txBox="1"/>
-          <p:nvPr/>
-        </p:nvSpPr>
-        <p:spPr>
-          <a:xfrm>
-            <a:off x="5582926" y="3797750"/>
-            <a:ext cx="660401" cy="300082"/>
-          </a:xfrm>
-          <a:prstGeom prst="rect">
-            <a:avLst/>
-          </a:prstGeom>
-          <a:noFill/>
-        </p:spPr>
-        <p:txBody>
-          <a:bodyPr wrap="square" rtlCol="0">
-            <a:spAutoFit/>
-          </a:bodyPr>
-          <a:lstStyle/>
-          <a:p>
-            <a:pPr algn="ctr"/>
-            <a:r>
-              <a:rPr lang="en-US" dirty="0" smtClean="0"/>
-              <a:t>1</a:t>
-            </a:r>
-            <a:endParaRPr lang="en-US" dirty="0"/>
-          </a:p>
-        </p:txBody>
-      </p:sp>
-      <p:sp>
-        <p:nvSpPr>
-          <p:cNvPr id="85" name="Right Arrow 84"/>
-          <p:cNvSpPr/>
-          <p:nvPr/>
-        </p:nvSpPr>
-        <p:spPr>
-          <a:xfrm>
-            <a:off x="5452121" y="2624503"/>
-            <a:ext cx="340080" cy="451029"/>
-          </a:xfrm>
-          <a:prstGeom prst="rightArrow">
-            <a:avLst/>
-          </a:prstGeom>
-          <a:ln>
-            <a:noFill/>
-          </a:ln>
-        </p:spPr>
-        <p:style>
-          <a:lnRef idx="2">
-            <a:schemeClr val="accent1">
-              <a:shade val="50000"/>
-            </a:schemeClr>
-          </a:lnRef>
-          <a:fillRef idx="1">
-            <a:schemeClr val="accent1"/>
-          </a:fillRef>
-          <a:effectRef idx="0">
-            <a:schemeClr val="accent1"/>
-          </a:effectRef>
-          <a:fontRef idx="minor">
-            <a:schemeClr val="lt1"/>
-          </a:fontRef>
-        </p:style>
-        <p:txBody>
-          <a:bodyPr rtlCol="0" anchor="ctr"/>
-          <a:lstStyle/>
-          <a:p>
-            <a:pPr algn="ctr"/>
-            <a:endParaRPr lang="en-US"/>
-          </a:p>
-        </p:txBody>
-      </p:sp>
-      <p:pic>
-        <p:nvPicPr>
-          <p:cNvPr id="3" name="Picture 2"/>
-          <p:cNvPicPr>
-            <a:picLocks noChangeAspect="1"/>
-          </p:cNvPicPr>
-          <p:nvPr/>
-        </p:nvPicPr>
-        <p:blipFill>
-          <a:blip r:embed="rId4">
+          <a:blip r:embed="rId6">
             <a:extLst>
-              <a:ext uri="{BEBA8EAE-BF5A-486C-A8C5-ECC9F3942E4B}">
-                <a14:imgProps xmlns:a14="http://schemas.microsoft.com/office/drawing/2010/main">
-                  <a14:imgLayer r:embed="rId5">
-                    <a14:imgEffect>
-                      <a14:brightnessContrast bright="40000" contrast="-40000"/>
-                    </a14:imgEffect>
-                  </a14:imgLayer>
-                </a14:imgProps>
-              </a:ext>
               <a:ext uri="{28A0092B-C50C-407E-A947-70E740481C1C}">
                 <a14:useLocalDpi xmlns:a14="http://schemas.microsoft.com/office/drawing/2010/main" val="0"/>
               </a:ext>
@@ -7549,8 +7638,8 @@
         </p:blipFill>
         <p:spPr>
           <a:xfrm>
-            <a:off x="7611339" y="1561660"/>
-            <a:ext cx="1535336" cy="1244277"/>
+            <a:off x="3874489" y="699865"/>
+            <a:ext cx="443133" cy="1645920"/>
           </a:xfrm>
           <a:prstGeom prst="rect">
             <a:avLst/>
@@ -7559,178 +7648,9 @@
       </p:pic>
       <p:pic>
         <p:nvPicPr>
-          <p:cNvPr id="52" name="Picture 51"/>
+          <p:cNvPr id="9" name="Picture 8"/>
           <p:cNvPicPr>
             <a:picLocks noChangeAspect="1"/>
-          </p:cNvPicPr>
-          <p:nvPr/>
-        </p:nvPicPr>
-        <p:blipFill>
-          <a:blip r:embed="rId4">
-            <a:extLst>
-              <a:ext uri="{BEBA8EAE-BF5A-486C-A8C5-ECC9F3942E4B}">
-                <a14:imgProps xmlns:a14="http://schemas.microsoft.com/office/drawing/2010/main">
-                  <a14:imgLayer r:embed="rId5">
-                    <a14:imgEffect>
-                      <a14:brightnessContrast bright="40000" contrast="-40000"/>
-                    </a14:imgEffect>
-                  </a14:imgLayer>
-                </a14:imgProps>
-              </a:ext>
-              <a:ext uri="{28A0092B-C50C-407E-A947-70E740481C1C}">
-                <a14:useLocalDpi xmlns:a14="http://schemas.microsoft.com/office/drawing/2010/main" val="0"/>
-              </a:ext>
-            </a:extLst>
-          </a:blip>
-          <a:stretch>
-            <a:fillRect/>
-          </a:stretch>
-        </p:blipFill>
-        <p:spPr>
-          <a:xfrm>
-            <a:off x="7610223" y="2862131"/>
-            <a:ext cx="1535336" cy="1244277"/>
-          </a:xfrm>
-          <a:prstGeom prst="rect">
-            <a:avLst/>
-          </a:prstGeom>
-        </p:spPr>
-      </p:pic>
-      <p:sp>
-        <p:nvSpPr>
-          <p:cNvPr id="58" name="&quot;No&quot; Symbol 57"/>
-          <p:cNvSpPr/>
-          <p:nvPr/>
-        </p:nvSpPr>
-        <p:spPr>
-          <a:xfrm>
-            <a:off x="8093492" y="3211952"/>
-            <a:ext cx="684041" cy="684041"/>
-          </a:xfrm>
-          <a:prstGeom prst="noSmoking">
-            <a:avLst>
-              <a:gd name="adj" fmla="val 8376"/>
-            </a:avLst>
-          </a:prstGeom>
-          <a:solidFill>
-            <a:srgbClr val="FF0000"/>
-          </a:solidFill>
-          <a:ln>
-            <a:solidFill>
-              <a:srgbClr val="FF0000"/>
-            </a:solidFill>
-          </a:ln>
-        </p:spPr>
-        <p:style>
-          <a:lnRef idx="2">
-            <a:schemeClr val="accent1">
-              <a:shade val="50000"/>
-            </a:schemeClr>
-          </a:lnRef>
-          <a:fillRef idx="1">
-            <a:schemeClr val="accent1"/>
-          </a:fillRef>
-          <a:effectRef idx="0">
-            <a:schemeClr val="accent1"/>
-          </a:effectRef>
-          <a:fontRef idx="minor">
-            <a:schemeClr val="lt1"/>
-          </a:fontRef>
-        </p:style>
-        <p:txBody>
-          <a:bodyPr rtlCol="0" anchor="ctr"/>
-          <a:lstStyle/>
-          <a:p>
-            <a:pPr algn="ctr"/>
-            <a:endParaRPr lang="en-US">
-              <a:solidFill>
-                <a:schemeClr val="tx1"/>
-              </a:solidFill>
-            </a:endParaRPr>
-          </a:p>
-        </p:txBody>
-      </p:sp>
-      <p:sp>
-        <p:nvSpPr>
-          <p:cNvPr id="4" name="Donut 3"/>
-          <p:cNvSpPr/>
-          <p:nvPr/>
-        </p:nvSpPr>
-        <p:spPr>
-          <a:xfrm>
-            <a:off x="8125985" y="1898317"/>
-            <a:ext cx="714171" cy="714171"/>
-          </a:xfrm>
-          <a:prstGeom prst="donut">
-            <a:avLst>
-              <a:gd name="adj" fmla="val 12145"/>
-            </a:avLst>
-          </a:prstGeom>
-          <a:solidFill>
-            <a:srgbClr val="00B050"/>
-          </a:solidFill>
-          <a:ln>
-            <a:noFill/>
-          </a:ln>
-        </p:spPr>
-        <p:style>
-          <a:lnRef idx="2">
-            <a:schemeClr val="accent1">
-              <a:shade val="50000"/>
-            </a:schemeClr>
-          </a:lnRef>
-          <a:fillRef idx="1">
-            <a:schemeClr val="accent1"/>
-          </a:fillRef>
-          <a:effectRef idx="0">
-            <a:schemeClr val="accent1"/>
-          </a:effectRef>
-          <a:fontRef idx="minor">
-            <a:schemeClr val="lt1"/>
-          </a:fontRef>
-        </p:style>
-        <p:txBody>
-          <a:bodyPr rtlCol="0" anchor="ctr"/>
-          <a:lstStyle/>
-          <a:p>
-            <a:pPr algn="ctr"/>
-            <a:endParaRPr lang="en-US">
-              <a:solidFill>
-                <a:schemeClr val="tx1"/>
-              </a:solidFill>
-            </a:endParaRPr>
-          </a:p>
-        </p:txBody>
-      </p:sp>
-      <p:pic>
-        <p:nvPicPr>
-          <p:cNvPr id="6" name="Picture 5"/>
-          <p:cNvPicPr>
-            <a:picLocks noChangeAspect="1"/>
-          </p:cNvPicPr>
-          <p:nvPr/>
-        </p:nvPicPr>
-        <p:blipFill>
-          <a:blip r:embed="rId6"/>
-          <a:stretch>
-            <a:fillRect/>
-          </a:stretch>
-        </p:blipFill>
-        <p:spPr>
-          <a:xfrm>
-            <a:off x="3268965" y="337627"/>
-            <a:ext cx="1480692" cy="474741"/>
-          </a:xfrm>
-          <a:prstGeom prst="rect">
-            <a:avLst/>
-          </a:prstGeom>
-        </p:spPr>
-      </p:pic>
-      <p:pic>
-        <p:nvPicPr>
-          <p:cNvPr id="1026" name="Picture 2" descr="Image result for tensorflow logo"/>
-          <p:cNvPicPr>
-            <a:picLocks noChangeAspect="1" noChangeArrowheads="1"/>
           </p:cNvPicPr>
           <p:nvPr/>
         </p:nvPicPr>
@@ -7742,36 +7662,25 @@
               </a:ext>
             </a:extLst>
           </a:blip>
-          <a:srcRect/>
           <a:stretch>
             <a:fillRect/>
           </a:stretch>
         </p:blipFill>
-        <p:spPr bwMode="auto">
-          <a:xfrm>
-            <a:off x="1938727" y="135524"/>
-            <a:ext cx="1054251" cy="878718"/>
+        <p:spPr>
+          <a:xfrm>
+            <a:off x="4697191" y="537205"/>
+            <a:ext cx="443133" cy="1645920"/>
           </a:xfrm>
           <a:prstGeom prst="rect">
             <a:avLst/>
           </a:prstGeom>
-          <a:noFill/>
-          <a:extLst>
-            <a:ext uri="{909E8E84-426E-40DD-AFC4-6F175D3DCCD1}">
-              <a14:hiddenFill xmlns:a14="http://schemas.microsoft.com/office/drawing/2010/main">
-                <a:solidFill>
-                  <a:srgbClr val="FFFFFF"/>
-                </a:solidFill>
-              </a14:hiddenFill>
-            </a:ext>
-          </a:extLst>
         </p:spPr>
       </p:pic>
       <p:pic>
         <p:nvPicPr>
-          <p:cNvPr id="1028" name="Picture 4" descr="Image result for numpy"/>
+          <p:cNvPr id="10" name="Picture 9"/>
           <p:cNvPicPr>
-            <a:picLocks noChangeAspect="1" noChangeArrowheads="1"/>
+            <a:picLocks noChangeAspect="1"/>
           </p:cNvPicPr>
           <p:nvPr/>
         </p:nvPicPr>
@@ -7783,75 +7692,25 @@
               </a:ext>
             </a:extLst>
           </a:blip>
-          <a:srcRect/>
           <a:stretch>
             <a:fillRect/>
           </a:stretch>
         </p:blipFill>
-        <p:spPr bwMode="auto">
-          <a:xfrm>
-            <a:off x="5025644" y="223217"/>
-            <a:ext cx="1777415" cy="703560"/>
+        <p:spPr>
+          <a:xfrm>
+            <a:off x="5524506" y="699865"/>
+            <a:ext cx="443133" cy="1645920"/>
           </a:xfrm>
           <a:prstGeom prst="rect">
             <a:avLst/>
           </a:prstGeom>
-          <a:noFill/>
-          <a:extLst>
-            <a:ext uri="{909E8E84-426E-40DD-AFC4-6F175D3DCCD1}">
-              <a14:hiddenFill xmlns:a14="http://schemas.microsoft.com/office/drawing/2010/main">
-                <a:solidFill>
-                  <a:srgbClr val="FFFFFF"/>
-                </a:solidFill>
-              </a14:hiddenFill>
-            </a:ext>
-          </a:extLst>
         </p:spPr>
       </p:pic>
-      <p:sp>
-        <p:nvSpPr>
-          <p:cNvPr id="14" name="AutoShape 6" descr="Image result for jupyter notebook"/>
-          <p:cNvSpPr>
-            <a:spLocks noChangeAspect="1" noChangeArrowheads="1"/>
-          </p:cNvSpPr>
-          <p:nvPr/>
-        </p:nvSpPr>
-        <p:spPr bwMode="auto">
-          <a:xfrm>
-            <a:off x="155575" y="-144463"/>
-            <a:ext cx="304800" cy="304801"/>
-          </a:xfrm>
-          <a:prstGeom prst="rect">
-            <a:avLst/>
-          </a:prstGeom>
-          <a:noFill/>
-          <a:extLst>
-            <a:ext uri="{909E8E84-426E-40DD-AFC4-6F175D3DCCD1}">
-              <a14:hiddenFill xmlns:a14="http://schemas.microsoft.com/office/drawing/2010/main">
-                <a:solidFill>
-                  <a:srgbClr val="FFFFFF"/>
-                </a:solidFill>
-              </a14:hiddenFill>
-            </a:ext>
-          </a:extLst>
-        </p:spPr>
-        <p:txBody>
-          <a:bodyPr vert="horz" wrap="square" lIns="91440" tIns="45720" rIns="91440" bIns="45720" numCol="1" anchor="t" anchorCtr="0" compatLnSpc="1">
-            <a:prstTxWarp prst="textNoShape">
-              <a:avLst/>
-            </a:prstTxWarp>
-          </a:bodyPr>
-          <a:lstStyle/>
-          <a:p>
-            <a:endParaRPr lang="en-US"/>
-          </a:p>
-        </p:txBody>
-      </p:sp>
       <p:pic>
         <p:nvPicPr>
-          <p:cNvPr id="55" name="Picture 8" descr="Image result for jupyter notebook"/>
+          <p:cNvPr id="11" name="Picture 10"/>
           <p:cNvPicPr>
-            <a:picLocks noChangeAspect="1" noChangeArrowheads="1"/>
+            <a:picLocks noChangeAspect="1"/>
           </p:cNvPicPr>
           <p:nvPr/>
         </p:nvPicPr>
@@ -7863,93 +7722,640 @@
               </a:ext>
             </a:extLst>
           </a:blip>
-          <a:srcRect/>
           <a:stretch>
             <a:fillRect/>
           </a:stretch>
         </p:blipFill>
-        <p:spPr bwMode="auto">
-          <a:xfrm>
-            <a:off x="7079046" y="116962"/>
-            <a:ext cx="917289" cy="911174"/>
+        <p:spPr>
+          <a:xfrm>
+            <a:off x="6351821" y="393597"/>
+            <a:ext cx="443133" cy="1645920"/>
           </a:xfrm>
           <a:prstGeom prst="rect">
             <a:avLst/>
           </a:prstGeom>
-          <a:noFill/>
-          <a:extLst>
-            <a:ext uri="{909E8E84-426E-40DD-AFC4-6F175D3DCCD1}">
-              <a14:hiddenFill xmlns:a14="http://schemas.microsoft.com/office/drawing/2010/main">
-                <a:solidFill>
-                  <a:srgbClr val="FFFFFF"/>
-                </a:solidFill>
-              </a14:hiddenFill>
-            </a:ext>
-          </a:extLst>
         </p:spPr>
       </p:pic>
-      <p:sp>
-        <p:nvSpPr>
-          <p:cNvPr id="15" name="Rectangle 14"/>
+      <p:pic>
+        <p:nvPicPr>
+          <p:cNvPr id="12" name="Picture 11"/>
+          <p:cNvPicPr>
+            <a:picLocks noChangeAspect="1"/>
+          </p:cNvPicPr>
+          <p:nvPr/>
+        </p:nvPicPr>
+        <p:blipFill>
+          <a:blip r:embed="rId10">
+            <a:extLst>
+              <a:ext uri="{28A0092B-C50C-407E-A947-70E740481C1C}">
+                <a14:useLocalDpi xmlns:a14="http://schemas.microsoft.com/office/drawing/2010/main" val="0"/>
+              </a:ext>
+            </a:extLst>
+          </a:blip>
+          <a:stretch>
+            <a:fillRect/>
+          </a:stretch>
+        </p:blipFill>
+        <p:spPr>
+          <a:xfrm>
+            <a:off x="3051787" y="393597"/>
+            <a:ext cx="443133" cy="1645920"/>
+          </a:xfrm>
+          <a:prstGeom prst="rect">
+            <a:avLst/>
+          </a:prstGeom>
+        </p:spPr>
+      </p:pic>
+    </p:spTree>
+    <p:extLst>
+      <p:ext uri="{BB962C8B-B14F-4D97-AF65-F5344CB8AC3E}">
+        <p14:creationId xmlns:p14="http://schemas.microsoft.com/office/powerpoint/2010/main" val="2877280578"/>
+      </p:ext>
+    </p:extLst>
+  </p:cSld>
+  <p:clrMapOvr>
+    <a:masterClrMapping/>
+  </p:clrMapOvr>
+  <mc:AlternateContent xmlns:mc="http://schemas.openxmlformats.org/markup-compatibility/2006" xmlns:p14="http://schemas.microsoft.com/office/powerpoint/2010/main">
+    <mc:Choice Requires="p14">
+      <p:transition spd="med" p14:dur="700">
+        <p:fade/>
+      </p:transition>
+    </mc:Choice>
+    <mc:Fallback xmlns="">
+      <p:transition spd="med">
+        <p:fade/>
+      </p:transition>
+    </mc:Fallback>
+  </mc:AlternateContent>
+  <p:timing>
+    <p:tnLst>
+      <p:par>
+        <p:cTn id="1" dur="indefinite" restart="never" nodeType="tmRoot">
+          <p:childTnLst>
+            <p:seq concurrent="1" nextAc="seek">
+              <p:cTn id="2" dur="indefinite" nodeType="mainSeq">
+                <p:childTnLst>
+                  <p:par>
+                    <p:cTn id="3" fill="hold">
+                      <p:stCondLst>
+                        <p:cond delay="indefinite"/>
+                        <p:cond evt="onBegin" delay="0">
+                          <p:tn val="2"/>
+                        </p:cond>
+                      </p:stCondLst>
+                      <p:childTnLst>
+                        <p:par>
+                          <p:cTn id="4" fill="hold">
+                            <p:stCondLst>
+                              <p:cond delay="0"/>
+                            </p:stCondLst>
+                            <p:childTnLst>
+                              <p:par>
+                                <p:cTn id="5" presetID="10" presetClass="entr" presetSubtype="0" fill="hold" nodeType="withEffect">
+                                  <p:stCondLst>
+                                    <p:cond delay="0"/>
+                                  </p:stCondLst>
+                                  <p:childTnLst>
+                                    <p:set>
+                                      <p:cBhvr>
+                                        <p:cTn id="6" dur="1" fill="hold">
+                                          <p:stCondLst>
+                                            <p:cond delay="0"/>
+                                          </p:stCondLst>
+                                        </p:cTn>
+                                        <p:tgtEl>
+                                          <p:spTgt spid="51"/>
+                                        </p:tgtEl>
+                                        <p:attrNameLst>
+                                          <p:attrName>style.visibility</p:attrName>
+                                        </p:attrNameLst>
+                                      </p:cBhvr>
+                                      <p:to>
+                                        <p:strVal val="visible"/>
+                                      </p:to>
+                                    </p:set>
+                                    <p:animEffect transition="in" filter="fade">
+                                      <p:cBhvr>
+                                        <p:cTn id="7" dur="2000"/>
+                                        <p:tgtEl>
+                                          <p:spTgt spid="51"/>
+                                        </p:tgtEl>
+                                      </p:cBhvr>
+                                    </p:animEffect>
+                                  </p:childTnLst>
+                                </p:cTn>
+                              </p:par>
+                            </p:childTnLst>
+                          </p:cTn>
+                        </p:par>
+                      </p:childTnLst>
+                    </p:cTn>
+                  </p:par>
+                  <p:par>
+                    <p:cTn id="8" fill="hold">
+                      <p:stCondLst>
+                        <p:cond delay="indefinite"/>
+                      </p:stCondLst>
+                      <p:childTnLst>
+                        <p:par>
+                          <p:cTn id="9" fill="hold">
+                            <p:stCondLst>
+                              <p:cond delay="0"/>
+                            </p:stCondLst>
+                            <p:childTnLst>
+                              <p:par>
+                                <p:cTn id="10" presetID="10" presetClass="entr" presetSubtype="0" fill="hold" nodeType="clickEffect">
+                                  <p:stCondLst>
+                                    <p:cond delay="0"/>
+                                  </p:stCondLst>
+                                  <p:childTnLst>
+                                    <p:set>
+                                      <p:cBhvr>
+                                        <p:cTn id="11" dur="1" fill="hold">
+                                          <p:stCondLst>
+                                            <p:cond delay="0"/>
+                                          </p:stCondLst>
+                                        </p:cTn>
+                                        <p:tgtEl>
+                                          <p:spTgt spid="42"/>
+                                        </p:tgtEl>
+                                        <p:attrNameLst>
+                                          <p:attrName>style.visibility</p:attrName>
+                                        </p:attrNameLst>
+                                      </p:cBhvr>
+                                      <p:to>
+                                        <p:strVal val="visible"/>
+                                      </p:to>
+                                    </p:set>
+                                    <p:animEffect transition="in" filter="fade">
+                                      <p:cBhvr>
+                                        <p:cTn id="12" dur="500"/>
+                                        <p:tgtEl>
+                                          <p:spTgt spid="42"/>
+                                        </p:tgtEl>
+                                      </p:cBhvr>
+                                    </p:animEffect>
+                                  </p:childTnLst>
+                                </p:cTn>
+                              </p:par>
+                            </p:childTnLst>
+                          </p:cTn>
+                        </p:par>
+                      </p:childTnLst>
+                    </p:cTn>
+                  </p:par>
+                  <p:par>
+                    <p:cTn id="13" fill="hold">
+                      <p:stCondLst>
+                        <p:cond delay="indefinite"/>
+                      </p:stCondLst>
+                      <p:childTnLst>
+                        <p:par>
+                          <p:cTn id="14" fill="hold">
+                            <p:stCondLst>
+                              <p:cond delay="0"/>
+                            </p:stCondLst>
+                            <p:childTnLst>
+                              <p:par>
+                                <p:cTn id="15" presetID="10" presetClass="entr" presetSubtype="0" fill="hold" nodeType="clickEffect">
+                                  <p:stCondLst>
+                                    <p:cond delay="0"/>
+                                  </p:stCondLst>
+                                  <p:childTnLst>
+                                    <p:set>
+                                      <p:cBhvr>
+                                        <p:cTn id="16" dur="1" fill="hold">
+                                          <p:stCondLst>
+                                            <p:cond delay="0"/>
+                                          </p:stCondLst>
+                                        </p:cTn>
+                                        <p:tgtEl>
+                                          <p:spTgt spid="55"/>
+                                        </p:tgtEl>
+                                        <p:attrNameLst>
+                                          <p:attrName>style.visibility</p:attrName>
+                                        </p:attrNameLst>
+                                      </p:cBhvr>
+                                      <p:to>
+                                        <p:strVal val="visible"/>
+                                      </p:to>
+                                    </p:set>
+                                    <p:animEffect transition="in" filter="fade">
+                                      <p:cBhvr>
+                                        <p:cTn id="17" dur="500"/>
+                                        <p:tgtEl>
+                                          <p:spTgt spid="55"/>
+                                        </p:tgtEl>
+                                      </p:cBhvr>
+                                    </p:animEffect>
+                                  </p:childTnLst>
+                                </p:cTn>
+                              </p:par>
+                            </p:childTnLst>
+                          </p:cTn>
+                        </p:par>
+                      </p:childTnLst>
+                    </p:cTn>
+                  </p:par>
+                </p:childTnLst>
+              </p:cTn>
+              <p:prevCondLst>
+                <p:cond evt="onPrev" delay="0">
+                  <p:tgtEl>
+                    <p:sldTgt/>
+                  </p:tgtEl>
+                </p:cond>
+              </p:prevCondLst>
+              <p:nextCondLst>
+                <p:cond evt="onNext" delay="0">
+                  <p:tgtEl>
+                    <p:sldTgt/>
+                  </p:tgtEl>
+                </p:cond>
+              </p:nextCondLst>
+            </p:seq>
+          </p:childTnLst>
+        </p:cTn>
+      </p:par>
+    </p:tnLst>
+  </p:timing>
+</p:sld>
+</file>
+
+<file path=ppt/slides/slide3.xml><?xml version="1.0" encoding="utf-8"?>
+<p:sld xmlns:a="http://schemas.openxmlformats.org/drawingml/2006/main" xmlns:r="http://schemas.openxmlformats.org/officeDocument/2006/relationships" xmlns:p="http://schemas.openxmlformats.org/presentationml/2006/main">
+  <p:cSld>
+    <p:spTree>
+      <p:nvGrpSpPr>
+        <p:cNvPr id="1" name=""/>
+        <p:cNvGrpSpPr/>
+        <p:nvPr/>
+      </p:nvGrpSpPr>
+      <p:grpSpPr>
+        <a:xfrm>
+          <a:off x="0" y="0"/>
+          <a:ext cx="0" cy="0"/>
+          <a:chOff x="0" y="0"/>
+          <a:chExt cx="0" cy="0"/>
+        </a:xfrm>
+      </p:grpSpPr>
+      <p:pic>
+        <p:nvPicPr>
+          <p:cNvPr id="11" name="Picture 10"/>
+          <p:cNvPicPr>
+            <a:picLocks noChangeAspect="1"/>
+          </p:cNvPicPr>
+          <p:nvPr/>
+        </p:nvPicPr>
+        <p:blipFill rotWithShape="1">
+          <a:blip r:embed="rId3">
+            <a:lum bright="20000" contrast="-40000"/>
+          </a:blip>
+          <a:srcRect l="5205" t="8851" r="5556" b="23177"/>
+          <a:stretch/>
+        </p:blipFill>
+        <p:spPr>
+          <a:xfrm>
+            <a:off x="252249" y="2552172"/>
+            <a:ext cx="8623738" cy="1341912"/>
+          </a:xfrm>
+          <a:prstGeom prst="rect">
+            <a:avLst/>
+          </a:prstGeom>
+        </p:spPr>
+      </p:pic>
+      <p:pic>
+        <p:nvPicPr>
+          <p:cNvPr id="7" name="Picture 6"/>
+          <p:cNvPicPr>
+            <a:picLocks noChangeAspect="1"/>
+          </p:cNvPicPr>
+          <p:nvPr/>
+        </p:nvPicPr>
+        <p:blipFill rotWithShape="1">
+          <a:blip r:embed="rId3">
+            <a:lum bright="20000" contrast="-40000"/>
+          </a:blip>
+          <a:srcRect l="5042" t="8851" r="5312" b="22472"/>
+          <a:stretch/>
+        </p:blipFill>
+        <p:spPr>
+          <a:xfrm>
+            <a:off x="236483" y="1059702"/>
+            <a:ext cx="8663151" cy="1355835"/>
+          </a:xfrm>
+          <a:prstGeom prst="rect">
+            <a:avLst/>
+          </a:prstGeom>
+        </p:spPr>
+      </p:pic>
+      <p:sp>
+        <p:nvSpPr>
+          <p:cNvPr id="8" name="Rectangle 7"/>
           <p:cNvSpPr/>
           <p:nvPr/>
         </p:nvSpPr>
         <p:spPr>
           <a:xfrm>
-            <a:off x="2859968" y="4180188"/>
-            <a:ext cx="5585150" cy="523220"/>
+            <a:off x="252248" y="2552171"/>
+            <a:ext cx="4730493" cy="1341914"/>
           </a:xfrm>
           <a:prstGeom prst="rect">
             <a:avLst/>
           </a:prstGeom>
-        </p:spPr>
-        <p:txBody>
-          <a:bodyPr wrap="square">
+          <a:solidFill>
+            <a:schemeClr val="tx2">
+              <a:lumMod val="50000"/>
+              <a:lumOff val="50000"/>
+              <a:alpha val="42000"/>
+            </a:schemeClr>
+          </a:solidFill>
+          <a:ln>
+            <a:noFill/>
+          </a:ln>
+        </p:spPr>
+        <p:style>
+          <a:lnRef idx="2">
+            <a:schemeClr val="accent1">
+              <a:shade val="50000"/>
+            </a:schemeClr>
+          </a:lnRef>
+          <a:fillRef idx="1">
+            <a:schemeClr val="accent1"/>
+          </a:fillRef>
+          <a:effectRef idx="0">
+            <a:schemeClr val="accent1"/>
+          </a:effectRef>
+          <a:fontRef idx="minor">
+            <a:schemeClr val="lt1"/>
+          </a:fontRef>
+        </p:style>
+        <p:txBody>
+          <a:bodyPr rtlCol="0" anchor="ctr"/>
+          <a:lstStyle/>
+          <a:p>
+            <a:pPr algn="ctr"/>
+            <a:endParaRPr lang="en-US"/>
+          </a:p>
+        </p:txBody>
+      </p:sp>
+      <p:sp>
+        <p:nvSpPr>
+          <p:cNvPr id="9" name="Rectangle 8"/>
+          <p:cNvSpPr/>
+          <p:nvPr/>
+        </p:nvSpPr>
+        <p:spPr>
+          <a:xfrm>
+            <a:off x="4982740" y="2552171"/>
+            <a:ext cx="3292037" cy="1341914"/>
+          </a:xfrm>
+          <a:prstGeom prst="rect">
+            <a:avLst/>
+          </a:prstGeom>
+          <a:solidFill>
+            <a:srgbClr val="00B050">
+              <a:alpha val="42000"/>
+            </a:srgbClr>
+          </a:solidFill>
+          <a:ln>
+            <a:noFill/>
+          </a:ln>
+        </p:spPr>
+        <p:style>
+          <a:lnRef idx="2">
+            <a:schemeClr val="accent1">
+              <a:shade val="50000"/>
+            </a:schemeClr>
+          </a:lnRef>
+          <a:fillRef idx="1">
+            <a:schemeClr val="accent1"/>
+          </a:fillRef>
+          <a:effectRef idx="0">
+            <a:schemeClr val="accent1"/>
+          </a:effectRef>
+          <a:fontRef idx="minor">
+            <a:schemeClr val="lt1"/>
+          </a:fontRef>
+        </p:style>
+        <p:txBody>
+          <a:bodyPr rtlCol="0" anchor="ctr"/>
+          <a:lstStyle/>
+          <a:p>
+            <a:pPr algn="ctr"/>
+            <a:endParaRPr lang="en-US"/>
+          </a:p>
+        </p:txBody>
+      </p:sp>
+      <p:sp>
+        <p:nvSpPr>
+          <p:cNvPr id="10" name="Rectangle 9"/>
+          <p:cNvSpPr/>
+          <p:nvPr/>
+        </p:nvSpPr>
+        <p:spPr>
+          <a:xfrm>
+            <a:off x="8273622" y="2552171"/>
+            <a:ext cx="601980" cy="1341913"/>
+          </a:xfrm>
+          <a:prstGeom prst="rect">
+            <a:avLst/>
+          </a:prstGeom>
+          <a:solidFill>
+            <a:srgbClr val="FFFF00">
+              <a:alpha val="35000"/>
+            </a:srgbClr>
+          </a:solidFill>
+          <a:ln>
+            <a:noFill/>
+          </a:ln>
+        </p:spPr>
+        <p:style>
+          <a:lnRef idx="2">
+            <a:schemeClr val="accent1">
+              <a:shade val="50000"/>
+            </a:schemeClr>
+          </a:lnRef>
+          <a:fillRef idx="1">
+            <a:schemeClr val="accent1"/>
+          </a:fillRef>
+          <a:effectRef idx="0">
+            <a:schemeClr val="accent1"/>
+          </a:effectRef>
+          <a:fontRef idx="minor">
+            <a:schemeClr val="lt1"/>
+          </a:fontRef>
+        </p:style>
+        <p:txBody>
+          <a:bodyPr rtlCol="0" anchor="ctr"/>
+          <a:lstStyle/>
+          <a:p>
+            <a:pPr algn="ctr"/>
+            <a:endParaRPr lang="en-US"/>
+          </a:p>
+        </p:txBody>
+      </p:sp>
+      <p:sp>
+        <p:nvSpPr>
+          <p:cNvPr id="12" name="TextBox 11"/>
+          <p:cNvSpPr txBox="1"/>
+          <p:nvPr/>
+        </p:nvSpPr>
+        <p:spPr>
+          <a:xfrm>
+            <a:off x="252248" y="1477490"/>
+            <a:ext cx="8647386" cy="646331"/>
+          </a:xfrm>
+          <a:prstGeom prst="rect">
+            <a:avLst/>
+          </a:prstGeom>
+          <a:noFill/>
+        </p:spPr>
+        <p:txBody>
+          <a:bodyPr wrap="square" rtlCol="0">
             <a:spAutoFit/>
           </a:bodyPr>
           <a:lstStyle/>
           <a:p>
-            <a:r>
-              <a:rPr lang="en-US" sz="700" dirty="0"/>
-              <a:t>https://upload.wikimedia.org/wikipedia/commons/thumb/1/11/TensorFlowLogo.svg/522px-TensorFlowLogo.svg.png</a:t>
-            </a:r>
-          </a:p>
-          <a:p>
-            <a:r>
-              <a:rPr lang="en-US" sz="700" dirty="0" smtClean="0"/>
-              <a:t>https</a:t>
-            </a:r>
-            <a:r>
-              <a:rPr lang="en-US" sz="700" dirty="0"/>
-              <a:t>://keras.io</a:t>
-            </a:r>
-            <a:r>
-              <a:rPr lang="en-US" sz="700" dirty="0" smtClean="0"/>
-              <a:t>/</a:t>
-            </a:r>
-          </a:p>
-          <a:p>
-            <a:r>
-              <a:rPr lang="en-US" sz="700" dirty="0"/>
-              <a:t>https://upload.wikimedia.org/wikipedia/commons/1/1a/NumPy_logo.svg</a:t>
-            </a:r>
-          </a:p>
-          <a:p>
-            <a:r>
-              <a:rPr lang="en-US" sz="700" dirty="0" smtClean="0"/>
-              <a:t>https</a:t>
-            </a:r>
-            <a:r>
-              <a:rPr lang="en-US" sz="700" dirty="0"/>
-              <a:t>://blog.thedataincubator.com/wp-content/uploads/2017/01/jupyter-logo-300x298.png</a:t>
-            </a:r>
+            <a:pPr algn="ctr"/>
+            <a:r>
+              <a:rPr lang="en-US" sz="3600" b="1" dirty="0" smtClean="0">
+                <a:solidFill>
+                  <a:schemeClr val="bg1"/>
+                </a:solidFill>
+              </a:rPr>
+              <a:t>4,681 Ultrasound Images</a:t>
+            </a:r>
+            <a:endParaRPr lang="en-US" sz="3600" b="1" dirty="0">
+              <a:solidFill>
+                <a:schemeClr val="bg1"/>
+              </a:solidFill>
+            </a:endParaRPr>
+          </a:p>
+        </p:txBody>
+      </p:sp>
+      <p:sp>
+        <p:nvSpPr>
+          <p:cNvPr id="15" name="TextBox 14"/>
+          <p:cNvSpPr txBox="1"/>
+          <p:nvPr/>
+        </p:nvSpPr>
+        <p:spPr>
+          <a:xfrm>
+            <a:off x="278522" y="2891136"/>
+            <a:ext cx="4703833" cy="646331"/>
+          </a:xfrm>
+          <a:prstGeom prst="rect">
+            <a:avLst/>
+          </a:prstGeom>
+          <a:noFill/>
+        </p:spPr>
+        <p:txBody>
+          <a:bodyPr wrap="square" rtlCol="0">
+            <a:spAutoFit/>
+          </a:bodyPr>
+          <a:lstStyle/>
+          <a:p>
+            <a:pPr algn="ctr"/>
+            <a:r>
+              <a:rPr lang="en-US" sz="3600" b="1" dirty="0" smtClean="0">
+                <a:solidFill>
+                  <a:schemeClr val="bg1"/>
+                </a:solidFill>
+              </a:rPr>
+              <a:t>60% Train</a:t>
+            </a:r>
+            <a:endParaRPr lang="en-US" sz="3600" b="1" dirty="0">
+              <a:solidFill>
+                <a:schemeClr val="bg1"/>
+              </a:solidFill>
+            </a:endParaRPr>
+          </a:p>
+        </p:txBody>
+      </p:sp>
+      <p:sp>
+        <p:nvSpPr>
+          <p:cNvPr id="17" name="TextBox 16"/>
+          <p:cNvSpPr txBox="1"/>
+          <p:nvPr/>
+        </p:nvSpPr>
+        <p:spPr>
+          <a:xfrm>
+            <a:off x="4982355" y="2891135"/>
+            <a:ext cx="3290881" cy="646331"/>
+          </a:xfrm>
+          <a:prstGeom prst="rect">
+            <a:avLst/>
+          </a:prstGeom>
+          <a:noFill/>
+        </p:spPr>
+        <p:txBody>
+          <a:bodyPr wrap="square" rtlCol="0">
+            <a:spAutoFit/>
+          </a:bodyPr>
+          <a:lstStyle/>
+          <a:p>
+            <a:pPr algn="ctr"/>
+            <a:r>
+              <a:rPr lang="en-US" sz="3600" b="1" dirty="0" smtClean="0">
+                <a:solidFill>
+                  <a:schemeClr val="bg1"/>
+                </a:solidFill>
+              </a:rPr>
+              <a:t>25% Validate</a:t>
+            </a:r>
+            <a:endParaRPr lang="en-US" sz="3600" b="1" dirty="0">
+              <a:solidFill>
+                <a:schemeClr val="bg1"/>
+              </a:solidFill>
+            </a:endParaRPr>
+          </a:p>
+        </p:txBody>
+      </p:sp>
+      <p:sp>
+        <p:nvSpPr>
+          <p:cNvPr id="18" name="TextBox 17"/>
+          <p:cNvSpPr txBox="1"/>
+          <p:nvPr/>
+        </p:nvSpPr>
+        <p:spPr>
+          <a:xfrm rot="16200000">
+            <a:off x="7874979" y="3023072"/>
+            <a:ext cx="1341913" cy="400110"/>
+          </a:xfrm>
+          <a:prstGeom prst="rect">
+            <a:avLst/>
+          </a:prstGeom>
+          <a:noFill/>
+        </p:spPr>
+        <p:txBody>
+          <a:bodyPr wrap="square" rtlCol="0">
+            <a:spAutoFit/>
+          </a:bodyPr>
+          <a:lstStyle/>
+          <a:p>
+            <a:pPr algn="ctr"/>
+            <a:r>
+              <a:rPr lang="en-US" sz="2000" b="1" dirty="0" smtClean="0">
+                <a:solidFill>
+                  <a:schemeClr val="bg1"/>
+                </a:solidFill>
+              </a:rPr>
+              <a:t>15% Test</a:t>
+            </a:r>
+            <a:endParaRPr lang="en-US" sz="2000" b="1" dirty="0">
+              <a:solidFill>
+                <a:schemeClr val="bg1"/>
+              </a:solidFill>
+            </a:endParaRPr>
           </a:p>
         </p:txBody>
       </p:sp>
     </p:spTree>
     <p:extLst>
       <p:ext uri="{BB962C8B-B14F-4D97-AF65-F5344CB8AC3E}">
-        <p14:creationId xmlns:p14="http://schemas.microsoft.com/office/powerpoint/2010/main" val="2136346989"/>
+        <p14:creationId xmlns:p14="http://schemas.microsoft.com/office/powerpoint/2010/main" val="301417156"/>
       </p:ext>
     </p:extLst>
   </p:cSld>
@@ -7978,7 +8384,7 @@
 </p:sld>
 </file>
 
-<file path=ppt/slides/slide3.xml><?xml version="1.0" encoding="utf-8"?>
+<file path=ppt/slides/slide4.xml><?xml version="1.0" encoding="utf-8"?>
 <p:sld xmlns:a="http://schemas.openxmlformats.org/drawingml/2006/main" xmlns:r="http://schemas.openxmlformats.org/officeDocument/2006/relationships" xmlns:p="http://schemas.openxmlformats.org/presentationml/2006/main">
   <p:cSld>
     <p:spTree>
@@ -7995,78 +8401,114 @@
           <a:chExt cx="0" cy="0"/>
         </a:xfrm>
       </p:grpSpPr>
-      <p:sp>
-        <p:nvSpPr>
-          <p:cNvPr id="14" name="AutoShape 6" descr="Image result for jupyter notebook"/>
-          <p:cNvSpPr>
-            <a:spLocks noChangeAspect="1" noChangeArrowheads="1"/>
-          </p:cNvSpPr>
+      <p:cxnSp>
+        <p:nvCxnSpPr>
+          <p:cNvPr id="4" name="Straight Connector 3"/>
+          <p:cNvCxnSpPr/>
           <p:nvPr/>
-        </p:nvSpPr>
-        <p:spPr bwMode="auto">
-          <a:xfrm>
-            <a:off x="155575" y="-144463"/>
-            <a:ext cx="304800" cy="304801"/>
-          </a:xfrm>
-          <a:prstGeom prst="rect">
+        </p:nvCxnSpPr>
+        <p:spPr>
+          <a:xfrm flipV="1">
+            <a:off x="4610147" y="2942844"/>
+            <a:ext cx="514003" cy="131299"/>
+          </a:xfrm>
+          <a:prstGeom prst="line">
             <a:avLst/>
           </a:prstGeom>
-          <a:noFill/>
-          <a:extLst>
-            <a:ext uri="{909E8E84-426E-40DD-AFC4-6F175D3DCCD1}">
-              <a14:hiddenFill xmlns:a14="http://schemas.microsoft.com/office/drawing/2010/main">
-                <a:solidFill>
-                  <a:srgbClr val="FFFFFF"/>
-                </a:solidFill>
-              </a14:hiddenFill>
-            </a:ext>
-          </a:extLst>
-        </p:spPr>
-        <p:txBody>
-          <a:bodyPr vert="horz" wrap="square" lIns="91440" tIns="45720" rIns="91440" bIns="45720" numCol="1" anchor="t" anchorCtr="0" compatLnSpc="1">
-            <a:prstTxWarp prst="textNoShape">
-              <a:avLst/>
-            </a:prstTxWarp>
-          </a:bodyPr>
-          <a:lstStyle/>
-          <a:p>
-            <a:endParaRPr lang="en-US"/>
-          </a:p>
-        </p:txBody>
-      </p:sp>
+          <a:ln w="19050">
+            <a:solidFill>
+              <a:schemeClr val="tx1"/>
+            </a:solidFill>
+          </a:ln>
+        </p:spPr>
+        <p:style>
+          <a:lnRef idx="1">
+            <a:schemeClr val="accent1"/>
+          </a:lnRef>
+          <a:fillRef idx="0">
+            <a:schemeClr val="accent1"/>
+          </a:fillRef>
+          <a:effectRef idx="0">
+            <a:schemeClr val="accent1"/>
+          </a:effectRef>
+          <a:fontRef idx="minor">
+            <a:schemeClr val="tx1"/>
+          </a:fontRef>
+        </p:style>
+      </p:cxnSp>
+      <p:cxnSp>
+        <p:nvCxnSpPr>
+          <p:cNvPr id="5" name="Straight Connector 4"/>
+          <p:cNvCxnSpPr/>
+          <p:nvPr/>
+        </p:nvCxnSpPr>
+        <p:spPr>
+          <a:xfrm flipV="1">
+            <a:off x="3661061" y="3110484"/>
+            <a:ext cx="464869" cy="156014"/>
+          </a:xfrm>
+          <a:prstGeom prst="line">
+            <a:avLst/>
+          </a:prstGeom>
+          <a:ln w="19050">
+            <a:solidFill>
+              <a:schemeClr val="tx1"/>
+            </a:solidFill>
+          </a:ln>
+        </p:spPr>
+        <p:style>
+          <a:lnRef idx="1">
+            <a:schemeClr val="accent1"/>
+          </a:lnRef>
+          <a:fillRef idx="0">
+            <a:schemeClr val="accent1"/>
+          </a:fillRef>
+          <a:effectRef idx="0">
+            <a:schemeClr val="accent1"/>
+          </a:effectRef>
+          <a:fontRef idx="minor">
+            <a:schemeClr val="tx1"/>
+          </a:fontRef>
+        </p:style>
+      </p:cxnSp>
+      <p:cxnSp>
+        <p:nvCxnSpPr>
+          <p:cNvPr id="6" name="Straight Connector 5"/>
+          <p:cNvCxnSpPr/>
+          <p:nvPr/>
+        </p:nvCxnSpPr>
+        <p:spPr>
+          <a:xfrm flipV="1">
+            <a:off x="2411430" y="3329940"/>
+            <a:ext cx="613710" cy="382524"/>
+          </a:xfrm>
+          <a:prstGeom prst="line">
+            <a:avLst/>
+          </a:prstGeom>
+          <a:ln w="19050">
+            <a:solidFill>
+              <a:schemeClr val="tx1"/>
+            </a:solidFill>
+          </a:ln>
+        </p:spPr>
+        <p:style>
+          <a:lnRef idx="1">
+            <a:schemeClr val="accent1"/>
+          </a:lnRef>
+          <a:fillRef idx="0">
+            <a:schemeClr val="accent1"/>
+          </a:fillRef>
+          <a:effectRef idx="0">
+            <a:schemeClr val="accent1"/>
+          </a:effectRef>
+          <a:fontRef idx="minor">
+            <a:schemeClr val="tx1"/>
+          </a:fontRef>
+        </p:style>
+      </p:cxnSp>
       <p:pic>
         <p:nvPicPr>
-          <p:cNvPr id="22" name="Picture 21"/>
-          <p:cNvPicPr>
-            <a:picLocks noChangeAspect="1"/>
-          </p:cNvPicPr>
-          <p:nvPr/>
-        </p:nvPicPr>
-        <p:blipFill>
-          <a:blip r:embed="rId2">
-            <a:extLst>
-              <a:ext uri="{28A0092B-C50C-407E-A947-70E740481C1C}">
-                <a14:useLocalDpi xmlns:a14="http://schemas.microsoft.com/office/drawing/2010/main" val="0"/>
-              </a:ext>
-            </a:extLst>
-          </a:blip>
-          <a:stretch>
-            <a:fillRect/>
-          </a:stretch>
-        </p:blipFill>
-        <p:spPr>
-          <a:xfrm>
-            <a:off x="2086563" y="838200"/>
-            <a:ext cx="933450" cy="3467100"/>
-          </a:xfrm>
-          <a:prstGeom prst="rect">
-            <a:avLst/>
-          </a:prstGeom>
-        </p:spPr>
-      </p:pic>
-      <p:pic>
-        <p:nvPicPr>
-          <p:cNvPr id="23" name="Picture 22"/>
+          <p:cNvPr id="7" name="Picture 6"/>
           <p:cNvPicPr>
             <a:picLocks noChangeAspect="1"/>
           </p:cNvPicPr>
@@ -8086,8 +8528,1727 @@
         </p:blipFill>
         <p:spPr>
           <a:xfrm>
-            <a:off x="3352655" y="838200"/>
-            <a:ext cx="933450" cy="3467100"/>
+            <a:off x="193598" y="1665908"/>
+            <a:ext cx="572064" cy="2124808"/>
+          </a:xfrm>
+          <a:prstGeom prst="rect">
+            <a:avLst/>
+          </a:prstGeom>
+        </p:spPr>
+      </p:pic>
+      <p:sp>
+        <p:nvSpPr>
+          <p:cNvPr id="8" name="Cube 7"/>
+          <p:cNvSpPr/>
+          <p:nvPr/>
+        </p:nvSpPr>
+        <p:spPr>
+          <a:xfrm>
+            <a:off x="1385661" y="1668546"/>
+            <a:ext cx="422032" cy="2363372"/>
+          </a:xfrm>
+          <a:prstGeom prst="cube">
+            <a:avLst>
+              <a:gd name="adj" fmla="val 76059"/>
+            </a:avLst>
+          </a:prstGeom>
+          <a:ln w="9525" cap="flat" cmpd="sng" algn="ctr">
+            <a:solidFill>
+              <a:schemeClr val="dk1"/>
+            </a:solidFill>
+            <a:prstDash val="solid"/>
+            <a:round/>
+            <a:headEnd type="none" w="med" len="med"/>
+            <a:tailEnd type="none" w="med" len="med"/>
+          </a:ln>
+        </p:spPr>
+        <p:style>
+          <a:lnRef idx="0">
+            <a:scrgbClr r="0" g="0" b="0"/>
+          </a:lnRef>
+          <a:fillRef idx="1001">
+            <a:schemeClr val="lt1"/>
+          </a:fillRef>
+          <a:effectRef idx="0">
+            <a:scrgbClr r="0" g="0" b="0"/>
+          </a:effectRef>
+          <a:fontRef idx="minor">
+            <a:schemeClr val="dk1"/>
+          </a:fontRef>
+        </p:style>
+        <p:txBody>
+          <a:bodyPr rtlCol="0" anchor="ctr"/>
+          <a:lstStyle/>
+          <a:p>
+            <a:pPr algn="ctr"/>
+            <a:endParaRPr lang="en-US"/>
+          </a:p>
+        </p:txBody>
+      </p:sp>
+      <p:sp>
+        <p:nvSpPr>
+          <p:cNvPr id="9" name="Cube 8"/>
+          <p:cNvSpPr/>
+          <p:nvPr/>
+        </p:nvSpPr>
+        <p:spPr>
+          <a:xfrm>
+            <a:off x="1538061" y="1668546"/>
+            <a:ext cx="422032" cy="2363372"/>
+          </a:xfrm>
+          <a:prstGeom prst="cube">
+            <a:avLst>
+              <a:gd name="adj" fmla="val 76059"/>
+            </a:avLst>
+          </a:prstGeom>
+          <a:ln w="9525" cap="flat" cmpd="sng" algn="ctr">
+            <a:solidFill>
+              <a:schemeClr val="dk1"/>
+            </a:solidFill>
+            <a:prstDash val="solid"/>
+            <a:round/>
+            <a:headEnd type="none" w="med" len="med"/>
+            <a:tailEnd type="none" w="med" len="med"/>
+          </a:ln>
+        </p:spPr>
+        <p:style>
+          <a:lnRef idx="0">
+            <a:scrgbClr r="0" g="0" b="0"/>
+          </a:lnRef>
+          <a:fillRef idx="1001">
+            <a:schemeClr val="lt1"/>
+          </a:fillRef>
+          <a:effectRef idx="0">
+            <a:scrgbClr r="0" g="0" b="0"/>
+          </a:effectRef>
+          <a:fontRef idx="minor">
+            <a:schemeClr val="dk1"/>
+          </a:fontRef>
+        </p:style>
+        <p:txBody>
+          <a:bodyPr rtlCol="0" anchor="ctr"/>
+          <a:lstStyle/>
+          <a:p>
+            <a:pPr algn="ctr"/>
+            <a:endParaRPr lang="en-US"/>
+          </a:p>
+        </p:txBody>
+      </p:sp>
+      <p:sp>
+        <p:nvSpPr>
+          <p:cNvPr id="10" name="Cube 9"/>
+          <p:cNvSpPr/>
+          <p:nvPr/>
+        </p:nvSpPr>
+        <p:spPr>
+          <a:xfrm>
+            <a:off x="1690461" y="1668546"/>
+            <a:ext cx="422032" cy="2363372"/>
+          </a:xfrm>
+          <a:prstGeom prst="cube">
+            <a:avLst>
+              <a:gd name="adj" fmla="val 76059"/>
+            </a:avLst>
+          </a:prstGeom>
+          <a:ln w="9525" cap="flat" cmpd="sng" algn="ctr">
+            <a:solidFill>
+              <a:schemeClr val="dk1"/>
+            </a:solidFill>
+            <a:prstDash val="solid"/>
+            <a:round/>
+            <a:headEnd type="none" w="med" len="med"/>
+            <a:tailEnd type="none" w="med" len="med"/>
+          </a:ln>
+        </p:spPr>
+        <p:style>
+          <a:lnRef idx="0">
+            <a:scrgbClr r="0" g="0" b="0"/>
+          </a:lnRef>
+          <a:fillRef idx="1001">
+            <a:schemeClr val="lt1"/>
+          </a:fillRef>
+          <a:effectRef idx="0">
+            <a:scrgbClr r="0" g="0" b="0"/>
+          </a:effectRef>
+          <a:fontRef idx="minor">
+            <a:schemeClr val="dk1"/>
+          </a:fontRef>
+        </p:style>
+        <p:txBody>
+          <a:bodyPr rtlCol="0" anchor="ctr"/>
+          <a:lstStyle/>
+          <a:p>
+            <a:pPr algn="ctr"/>
+            <a:endParaRPr lang="en-US"/>
+          </a:p>
+        </p:txBody>
+      </p:sp>
+      <p:sp>
+        <p:nvSpPr>
+          <p:cNvPr id="11" name="Cube 10"/>
+          <p:cNvSpPr/>
+          <p:nvPr/>
+        </p:nvSpPr>
+        <p:spPr>
+          <a:xfrm>
+            <a:off x="1842861" y="1668546"/>
+            <a:ext cx="422032" cy="2363372"/>
+          </a:xfrm>
+          <a:prstGeom prst="cube">
+            <a:avLst>
+              <a:gd name="adj" fmla="val 76059"/>
+            </a:avLst>
+          </a:prstGeom>
+          <a:ln w="9525" cap="flat" cmpd="sng" algn="ctr">
+            <a:solidFill>
+              <a:schemeClr val="dk1"/>
+            </a:solidFill>
+            <a:prstDash val="solid"/>
+            <a:round/>
+            <a:headEnd type="none" w="med" len="med"/>
+            <a:tailEnd type="none" w="med" len="med"/>
+          </a:ln>
+        </p:spPr>
+        <p:style>
+          <a:lnRef idx="0">
+            <a:scrgbClr r="0" g="0" b="0"/>
+          </a:lnRef>
+          <a:fillRef idx="1001">
+            <a:schemeClr val="lt1"/>
+          </a:fillRef>
+          <a:effectRef idx="0">
+            <a:scrgbClr r="0" g="0" b="0"/>
+          </a:effectRef>
+          <a:fontRef idx="minor">
+            <a:schemeClr val="dk1"/>
+          </a:fontRef>
+        </p:style>
+        <p:txBody>
+          <a:bodyPr rtlCol="0" anchor="ctr"/>
+          <a:lstStyle/>
+          <a:p>
+            <a:pPr algn="ctr"/>
+            <a:endParaRPr lang="en-US"/>
+          </a:p>
+        </p:txBody>
+      </p:sp>
+      <p:sp>
+        <p:nvSpPr>
+          <p:cNvPr id="12" name="Cube 11"/>
+          <p:cNvSpPr/>
+          <p:nvPr/>
+        </p:nvSpPr>
+        <p:spPr>
+          <a:xfrm>
+            <a:off x="1995261" y="1668546"/>
+            <a:ext cx="422032" cy="2363372"/>
+          </a:xfrm>
+          <a:prstGeom prst="cube">
+            <a:avLst>
+              <a:gd name="adj" fmla="val 76059"/>
+            </a:avLst>
+          </a:prstGeom>
+          <a:ln w="9525" cap="flat" cmpd="sng" algn="ctr">
+            <a:solidFill>
+              <a:schemeClr val="dk1"/>
+            </a:solidFill>
+            <a:prstDash val="solid"/>
+            <a:round/>
+            <a:headEnd type="none" w="med" len="med"/>
+            <a:tailEnd type="none" w="med" len="med"/>
+          </a:ln>
+        </p:spPr>
+        <p:style>
+          <a:lnRef idx="0">
+            <a:scrgbClr r="0" g="0" b="0"/>
+          </a:lnRef>
+          <a:fillRef idx="1001">
+            <a:schemeClr val="lt1"/>
+          </a:fillRef>
+          <a:effectRef idx="0">
+            <a:scrgbClr r="0" g="0" b="0"/>
+          </a:effectRef>
+          <a:fontRef idx="minor">
+            <a:schemeClr val="dk1"/>
+          </a:fontRef>
+        </p:style>
+        <p:txBody>
+          <a:bodyPr rtlCol="0" anchor="ctr"/>
+          <a:lstStyle/>
+          <a:p>
+            <a:pPr algn="ctr"/>
+            <a:endParaRPr lang="en-US"/>
+          </a:p>
+        </p:txBody>
+      </p:sp>
+      <p:sp>
+        <p:nvSpPr>
+          <p:cNvPr id="13" name="TextBox 12"/>
+          <p:cNvSpPr txBox="1"/>
+          <p:nvPr/>
+        </p:nvSpPr>
+        <p:spPr>
+          <a:xfrm>
+            <a:off x="1366301" y="4097832"/>
+            <a:ext cx="701041" cy="300082"/>
+          </a:xfrm>
+          <a:prstGeom prst="rect">
+            <a:avLst/>
+          </a:prstGeom>
+          <a:noFill/>
+        </p:spPr>
+        <p:txBody>
+          <a:bodyPr wrap="square" rtlCol="0">
+            <a:spAutoFit/>
+          </a:bodyPr>
+          <a:lstStyle/>
+          <a:p>
+            <a:pPr algn="ctr"/>
+            <a:r>
+              <a:rPr lang="en-US" dirty="0" smtClean="0"/>
+              <a:t>96</a:t>
+            </a:r>
+            <a:endParaRPr lang="en-US" dirty="0"/>
+          </a:p>
+        </p:txBody>
+      </p:sp>
+      <p:sp>
+        <p:nvSpPr>
+          <p:cNvPr id="14" name="TextBox 13"/>
+          <p:cNvSpPr txBox="1"/>
+          <p:nvPr/>
+        </p:nvSpPr>
+        <p:spPr>
+          <a:xfrm>
+            <a:off x="109854" y="3846580"/>
+            <a:ext cx="701041" cy="300082"/>
+          </a:xfrm>
+          <a:prstGeom prst="rect">
+            <a:avLst/>
+          </a:prstGeom>
+          <a:noFill/>
+        </p:spPr>
+        <p:txBody>
+          <a:bodyPr wrap="square" rtlCol="0">
+            <a:spAutoFit/>
+          </a:bodyPr>
+          <a:lstStyle/>
+          <a:p>
+            <a:pPr algn="ctr"/>
+            <a:r>
+              <a:rPr lang="en-US" dirty="0" smtClean="0"/>
+              <a:t>Input</a:t>
+            </a:r>
+            <a:endParaRPr lang="en-US" dirty="0"/>
+          </a:p>
+        </p:txBody>
+      </p:sp>
+      <p:sp>
+        <p:nvSpPr>
+          <p:cNvPr id="15" name="Cube 14"/>
+          <p:cNvSpPr/>
+          <p:nvPr/>
+        </p:nvSpPr>
+        <p:spPr>
+          <a:xfrm>
+            <a:off x="2813531" y="2153881"/>
+            <a:ext cx="393896" cy="1392702"/>
+          </a:xfrm>
+          <a:prstGeom prst="cube">
+            <a:avLst>
+              <a:gd name="adj" fmla="val 74273"/>
+            </a:avLst>
+          </a:prstGeom>
+          <a:ln w="9525" cap="flat" cmpd="sng" algn="ctr">
+            <a:solidFill>
+              <a:schemeClr val="dk1"/>
+            </a:solidFill>
+            <a:prstDash val="solid"/>
+            <a:round/>
+            <a:headEnd type="none" w="med" len="med"/>
+            <a:tailEnd type="none" w="med" len="med"/>
+          </a:ln>
+        </p:spPr>
+        <p:style>
+          <a:lnRef idx="0">
+            <a:scrgbClr r="0" g="0" b="0"/>
+          </a:lnRef>
+          <a:fillRef idx="1001">
+            <a:schemeClr val="lt1"/>
+          </a:fillRef>
+          <a:effectRef idx="0">
+            <a:scrgbClr r="0" g="0" b="0"/>
+          </a:effectRef>
+          <a:fontRef idx="minor">
+            <a:schemeClr val="dk1"/>
+          </a:fontRef>
+        </p:style>
+        <p:txBody>
+          <a:bodyPr rtlCol="0" anchor="ctr"/>
+          <a:lstStyle/>
+          <a:p>
+            <a:pPr algn="ctr"/>
+            <a:endParaRPr lang="en-US"/>
+          </a:p>
+        </p:txBody>
+      </p:sp>
+      <p:sp>
+        <p:nvSpPr>
+          <p:cNvPr id="16" name="Cube 15"/>
+          <p:cNvSpPr/>
+          <p:nvPr/>
+        </p:nvSpPr>
+        <p:spPr>
+          <a:xfrm>
+            <a:off x="2968275" y="2153881"/>
+            <a:ext cx="393896" cy="1392702"/>
+          </a:xfrm>
+          <a:prstGeom prst="cube">
+            <a:avLst>
+              <a:gd name="adj" fmla="val 74273"/>
+            </a:avLst>
+          </a:prstGeom>
+          <a:ln w="9525" cap="flat" cmpd="sng" algn="ctr">
+            <a:solidFill>
+              <a:schemeClr val="dk1"/>
+            </a:solidFill>
+            <a:prstDash val="solid"/>
+            <a:round/>
+            <a:headEnd type="none" w="med" len="med"/>
+            <a:tailEnd type="none" w="med" len="med"/>
+          </a:ln>
+        </p:spPr>
+        <p:style>
+          <a:lnRef idx="0">
+            <a:scrgbClr r="0" g="0" b="0"/>
+          </a:lnRef>
+          <a:fillRef idx="1001">
+            <a:schemeClr val="lt1"/>
+          </a:fillRef>
+          <a:effectRef idx="0">
+            <a:scrgbClr r="0" g="0" b="0"/>
+          </a:effectRef>
+          <a:fontRef idx="minor">
+            <a:schemeClr val="dk1"/>
+          </a:fontRef>
+        </p:style>
+        <p:txBody>
+          <a:bodyPr rtlCol="0" anchor="ctr"/>
+          <a:lstStyle/>
+          <a:p>
+            <a:pPr algn="ctr"/>
+            <a:endParaRPr lang="en-US"/>
+          </a:p>
+        </p:txBody>
+      </p:sp>
+      <p:cxnSp>
+        <p:nvCxnSpPr>
+          <p:cNvPr id="17" name="Straight Connector 16"/>
+          <p:cNvCxnSpPr/>
+          <p:nvPr/>
+        </p:nvCxnSpPr>
+        <p:spPr>
+          <a:xfrm>
+            <a:off x="2421590" y="1675384"/>
+            <a:ext cx="701040" cy="477520"/>
+          </a:xfrm>
+          <a:prstGeom prst="line">
+            <a:avLst/>
+          </a:prstGeom>
+          <a:ln w="19050">
+            <a:solidFill>
+              <a:schemeClr val="tx1"/>
+            </a:solidFill>
+          </a:ln>
+        </p:spPr>
+        <p:style>
+          <a:lnRef idx="1">
+            <a:schemeClr val="accent1"/>
+          </a:lnRef>
+          <a:fillRef idx="0">
+            <a:schemeClr val="accent1"/>
+          </a:fillRef>
+          <a:effectRef idx="0">
+            <a:schemeClr val="accent1"/>
+          </a:effectRef>
+          <a:fontRef idx="minor">
+            <a:schemeClr val="tx1"/>
+          </a:fontRef>
+        </p:style>
+      </p:cxnSp>
+      <p:cxnSp>
+        <p:nvCxnSpPr>
+          <p:cNvPr id="18" name="Straight Connector 17"/>
+          <p:cNvCxnSpPr>
+            <a:stCxn id="12" idx="1"/>
+          </p:cNvCxnSpPr>
+          <p:nvPr/>
+        </p:nvCxnSpPr>
+        <p:spPr>
+          <a:xfrm>
+            <a:off x="2045780" y="1989539"/>
+            <a:ext cx="766970" cy="458005"/>
+          </a:xfrm>
+          <a:prstGeom prst="line">
+            <a:avLst/>
+          </a:prstGeom>
+          <a:ln w="19050">
+            <a:solidFill>
+              <a:schemeClr val="tx1"/>
+            </a:solidFill>
+          </a:ln>
+        </p:spPr>
+        <p:style>
+          <a:lnRef idx="1">
+            <a:schemeClr val="accent1"/>
+          </a:lnRef>
+          <a:fillRef idx="0">
+            <a:schemeClr val="accent1"/>
+          </a:fillRef>
+          <a:effectRef idx="0">
+            <a:schemeClr val="accent1"/>
+          </a:effectRef>
+          <a:fontRef idx="minor">
+            <a:schemeClr val="tx1"/>
+          </a:fontRef>
+        </p:style>
+      </p:cxnSp>
+      <p:cxnSp>
+        <p:nvCxnSpPr>
+          <p:cNvPr id="19" name="Straight Connector 18"/>
+          <p:cNvCxnSpPr/>
+          <p:nvPr/>
+        </p:nvCxnSpPr>
+        <p:spPr>
+          <a:xfrm flipV="1">
+            <a:off x="2096470" y="3549904"/>
+            <a:ext cx="721360" cy="482600"/>
+          </a:xfrm>
+          <a:prstGeom prst="line">
+            <a:avLst/>
+          </a:prstGeom>
+          <a:ln w="19050">
+            <a:solidFill>
+              <a:schemeClr val="tx1"/>
+            </a:solidFill>
+          </a:ln>
+        </p:spPr>
+        <p:style>
+          <a:lnRef idx="1">
+            <a:schemeClr val="accent1"/>
+          </a:lnRef>
+          <a:fillRef idx="0">
+            <a:schemeClr val="accent1"/>
+          </a:fillRef>
+          <a:effectRef idx="0">
+            <a:schemeClr val="accent1"/>
+          </a:effectRef>
+          <a:fontRef idx="minor">
+            <a:schemeClr val="tx1"/>
+          </a:fontRef>
+        </p:style>
+      </p:cxnSp>
+      <p:sp>
+        <p:nvSpPr>
+          <p:cNvPr id="20" name="Cube 19"/>
+          <p:cNvSpPr/>
+          <p:nvPr/>
+        </p:nvSpPr>
+        <p:spPr>
+          <a:xfrm>
+            <a:off x="3123019" y="2153881"/>
+            <a:ext cx="393896" cy="1392702"/>
+          </a:xfrm>
+          <a:prstGeom prst="cube">
+            <a:avLst>
+              <a:gd name="adj" fmla="val 74273"/>
+            </a:avLst>
+          </a:prstGeom>
+          <a:ln w="9525" cap="flat" cmpd="sng" algn="ctr">
+            <a:solidFill>
+              <a:schemeClr val="dk1"/>
+            </a:solidFill>
+            <a:prstDash val="solid"/>
+            <a:round/>
+            <a:headEnd type="none" w="med" len="med"/>
+            <a:tailEnd type="none" w="med" len="med"/>
+          </a:ln>
+        </p:spPr>
+        <p:style>
+          <a:lnRef idx="0">
+            <a:scrgbClr r="0" g="0" b="0"/>
+          </a:lnRef>
+          <a:fillRef idx="1001">
+            <a:schemeClr val="lt1"/>
+          </a:fillRef>
+          <a:effectRef idx="0">
+            <a:scrgbClr r="0" g="0" b="0"/>
+          </a:effectRef>
+          <a:fontRef idx="minor">
+            <a:schemeClr val="dk1"/>
+          </a:fontRef>
+        </p:style>
+        <p:txBody>
+          <a:bodyPr rtlCol="0" anchor="ctr"/>
+          <a:lstStyle/>
+          <a:p>
+            <a:pPr algn="ctr"/>
+            <a:endParaRPr lang="en-US"/>
+          </a:p>
+        </p:txBody>
+      </p:sp>
+      <p:sp>
+        <p:nvSpPr>
+          <p:cNvPr id="21" name="Cube 20"/>
+          <p:cNvSpPr/>
+          <p:nvPr/>
+        </p:nvSpPr>
+        <p:spPr>
+          <a:xfrm>
+            <a:off x="3277763" y="2153881"/>
+            <a:ext cx="393896" cy="1392702"/>
+          </a:xfrm>
+          <a:prstGeom prst="cube">
+            <a:avLst>
+              <a:gd name="adj" fmla="val 74273"/>
+            </a:avLst>
+          </a:prstGeom>
+          <a:ln w="9525" cap="flat" cmpd="sng" algn="ctr">
+            <a:solidFill>
+              <a:schemeClr val="dk1"/>
+            </a:solidFill>
+            <a:prstDash val="solid"/>
+            <a:round/>
+            <a:headEnd type="none" w="med" len="med"/>
+            <a:tailEnd type="none" w="med" len="med"/>
+          </a:ln>
+        </p:spPr>
+        <p:style>
+          <a:lnRef idx="0">
+            <a:scrgbClr r="0" g="0" b="0"/>
+          </a:lnRef>
+          <a:fillRef idx="1001">
+            <a:schemeClr val="lt1"/>
+          </a:fillRef>
+          <a:effectRef idx="0">
+            <a:scrgbClr r="0" g="0" b="0"/>
+          </a:effectRef>
+          <a:fontRef idx="minor">
+            <a:schemeClr val="dk1"/>
+          </a:fontRef>
+        </p:style>
+        <p:txBody>
+          <a:bodyPr rtlCol="0" anchor="ctr"/>
+          <a:lstStyle/>
+          <a:p>
+            <a:pPr algn="ctr"/>
+            <a:endParaRPr lang="en-US"/>
+          </a:p>
+        </p:txBody>
+      </p:sp>
+      <p:sp>
+        <p:nvSpPr>
+          <p:cNvPr id="22" name="TextBox 21"/>
+          <p:cNvSpPr txBox="1"/>
+          <p:nvPr/>
+        </p:nvSpPr>
+        <p:spPr>
+          <a:xfrm>
+            <a:off x="2765623" y="3583931"/>
+            <a:ext cx="660401" cy="300082"/>
+          </a:xfrm>
+          <a:prstGeom prst="rect">
+            <a:avLst/>
+          </a:prstGeom>
+          <a:noFill/>
+        </p:spPr>
+        <p:txBody>
+          <a:bodyPr wrap="square" rtlCol="0">
+            <a:spAutoFit/>
+          </a:bodyPr>
+          <a:lstStyle/>
+          <a:p>
+            <a:pPr algn="ctr"/>
+            <a:r>
+              <a:rPr lang="en-US" dirty="0" smtClean="0"/>
+              <a:t>128</a:t>
+            </a:r>
+            <a:endParaRPr lang="en-US" dirty="0"/>
+          </a:p>
+        </p:txBody>
+      </p:sp>
+      <p:sp>
+        <p:nvSpPr>
+          <p:cNvPr id="23" name="Cube 22"/>
+          <p:cNvSpPr/>
+          <p:nvPr/>
+        </p:nvSpPr>
+        <p:spPr>
+          <a:xfrm>
+            <a:off x="4024912" y="2458682"/>
+            <a:ext cx="239538" cy="783101"/>
+          </a:xfrm>
+          <a:prstGeom prst="cube">
+            <a:avLst>
+              <a:gd name="adj" fmla="val 67911"/>
+            </a:avLst>
+          </a:prstGeom>
+          <a:ln w="9525" cap="flat" cmpd="sng" algn="ctr">
+            <a:solidFill>
+              <a:schemeClr val="dk1"/>
+            </a:solidFill>
+            <a:prstDash val="solid"/>
+            <a:round/>
+            <a:headEnd type="none" w="med" len="med"/>
+            <a:tailEnd type="none" w="med" len="med"/>
+          </a:ln>
+        </p:spPr>
+        <p:style>
+          <a:lnRef idx="0">
+            <a:scrgbClr r="0" g="0" b="0"/>
+          </a:lnRef>
+          <a:fillRef idx="1001">
+            <a:schemeClr val="lt1"/>
+          </a:fillRef>
+          <a:effectRef idx="0">
+            <a:scrgbClr r="0" g="0" b="0"/>
+          </a:effectRef>
+          <a:fontRef idx="minor">
+            <a:schemeClr val="dk1"/>
+          </a:fontRef>
+        </p:style>
+        <p:txBody>
+          <a:bodyPr rtlCol="0" anchor="ctr"/>
+          <a:lstStyle/>
+          <a:p>
+            <a:pPr algn="ctr"/>
+            <a:endParaRPr lang="en-US"/>
+          </a:p>
+        </p:txBody>
+      </p:sp>
+      <p:sp>
+        <p:nvSpPr>
+          <p:cNvPr id="24" name="Cube 23"/>
+          <p:cNvSpPr/>
+          <p:nvPr/>
+        </p:nvSpPr>
+        <p:spPr>
+          <a:xfrm>
+            <a:off x="4144681" y="2458682"/>
+            <a:ext cx="239538" cy="783101"/>
+          </a:xfrm>
+          <a:prstGeom prst="cube">
+            <a:avLst>
+              <a:gd name="adj" fmla="val 67911"/>
+            </a:avLst>
+          </a:prstGeom>
+          <a:ln w="9525" cap="flat" cmpd="sng" algn="ctr">
+            <a:solidFill>
+              <a:schemeClr val="dk1"/>
+            </a:solidFill>
+            <a:prstDash val="solid"/>
+            <a:round/>
+            <a:headEnd type="none" w="med" len="med"/>
+            <a:tailEnd type="none" w="med" len="med"/>
+          </a:ln>
+        </p:spPr>
+        <p:style>
+          <a:lnRef idx="0">
+            <a:scrgbClr r="0" g="0" b="0"/>
+          </a:lnRef>
+          <a:fillRef idx="1001">
+            <a:schemeClr val="lt1"/>
+          </a:fillRef>
+          <a:effectRef idx="0">
+            <a:scrgbClr r="0" g="0" b="0"/>
+          </a:effectRef>
+          <a:fontRef idx="minor">
+            <a:schemeClr val="dk1"/>
+          </a:fontRef>
+        </p:style>
+        <p:txBody>
+          <a:bodyPr rtlCol="0" anchor="ctr"/>
+          <a:lstStyle/>
+          <a:p>
+            <a:pPr algn="ctr"/>
+            <a:endParaRPr lang="en-US"/>
+          </a:p>
+        </p:txBody>
+      </p:sp>
+      <p:sp>
+        <p:nvSpPr>
+          <p:cNvPr id="25" name="Cube 24"/>
+          <p:cNvSpPr/>
+          <p:nvPr/>
+        </p:nvSpPr>
+        <p:spPr>
+          <a:xfrm>
+            <a:off x="4264450" y="2458682"/>
+            <a:ext cx="239538" cy="783101"/>
+          </a:xfrm>
+          <a:prstGeom prst="cube">
+            <a:avLst>
+              <a:gd name="adj" fmla="val 67911"/>
+            </a:avLst>
+          </a:prstGeom>
+          <a:ln w="9525" cap="flat" cmpd="sng" algn="ctr">
+            <a:solidFill>
+              <a:schemeClr val="dk1"/>
+            </a:solidFill>
+            <a:prstDash val="solid"/>
+            <a:round/>
+            <a:headEnd type="none" w="med" len="med"/>
+            <a:tailEnd type="none" w="med" len="med"/>
+          </a:ln>
+        </p:spPr>
+        <p:style>
+          <a:lnRef idx="0">
+            <a:scrgbClr r="0" g="0" b="0"/>
+          </a:lnRef>
+          <a:fillRef idx="1001">
+            <a:schemeClr val="lt1"/>
+          </a:fillRef>
+          <a:effectRef idx="0">
+            <a:scrgbClr r="0" g="0" b="0"/>
+          </a:effectRef>
+          <a:fontRef idx="minor">
+            <a:schemeClr val="dk1"/>
+          </a:fontRef>
+        </p:style>
+        <p:txBody>
+          <a:bodyPr rtlCol="0" anchor="ctr"/>
+          <a:lstStyle/>
+          <a:p>
+            <a:pPr algn="ctr"/>
+            <a:endParaRPr lang="en-US"/>
+          </a:p>
+        </p:txBody>
+      </p:sp>
+      <p:sp>
+        <p:nvSpPr>
+          <p:cNvPr id="26" name="Cube 25"/>
+          <p:cNvSpPr/>
+          <p:nvPr/>
+        </p:nvSpPr>
+        <p:spPr>
+          <a:xfrm>
+            <a:off x="4384219" y="2458682"/>
+            <a:ext cx="239538" cy="783101"/>
+          </a:xfrm>
+          <a:prstGeom prst="cube">
+            <a:avLst>
+              <a:gd name="adj" fmla="val 67911"/>
+            </a:avLst>
+          </a:prstGeom>
+          <a:ln w="9525" cap="flat" cmpd="sng" algn="ctr">
+            <a:solidFill>
+              <a:schemeClr val="dk1"/>
+            </a:solidFill>
+            <a:prstDash val="solid"/>
+            <a:round/>
+            <a:headEnd type="none" w="med" len="med"/>
+            <a:tailEnd type="none" w="med" len="med"/>
+          </a:ln>
+        </p:spPr>
+        <p:style>
+          <a:lnRef idx="0">
+            <a:scrgbClr r="0" g="0" b="0"/>
+          </a:lnRef>
+          <a:fillRef idx="1001">
+            <a:schemeClr val="lt1"/>
+          </a:fillRef>
+          <a:effectRef idx="0">
+            <a:scrgbClr r="0" g="0" b="0"/>
+          </a:effectRef>
+          <a:fontRef idx="minor">
+            <a:schemeClr val="dk1"/>
+          </a:fontRef>
+        </p:style>
+        <p:txBody>
+          <a:bodyPr rtlCol="0" anchor="ctr"/>
+          <a:lstStyle/>
+          <a:p>
+            <a:pPr algn="ctr"/>
+            <a:endParaRPr lang="en-US"/>
+          </a:p>
+        </p:txBody>
+      </p:sp>
+      <p:sp>
+        <p:nvSpPr>
+          <p:cNvPr id="27" name="TextBox 26"/>
+          <p:cNvSpPr txBox="1"/>
+          <p:nvPr/>
+        </p:nvSpPr>
+        <p:spPr>
+          <a:xfrm>
+            <a:off x="3921901" y="3251810"/>
+            <a:ext cx="660401" cy="300082"/>
+          </a:xfrm>
+          <a:prstGeom prst="rect">
+            <a:avLst/>
+          </a:prstGeom>
+          <a:noFill/>
+        </p:spPr>
+        <p:txBody>
+          <a:bodyPr wrap="square" rtlCol="0">
+            <a:spAutoFit/>
+          </a:bodyPr>
+          <a:lstStyle/>
+          <a:p>
+            <a:pPr algn="ctr"/>
+            <a:r>
+              <a:rPr lang="en-US" dirty="0" smtClean="0"/>
+              <a:t>256</a:t>
+            </a:r>
+            <a:endParaRPr lang="en-US" dirty="0"/>
+          </a:p>
+        </p:txBody>
+      </p:sp>
+      <p:sp>
+        <p:nvSpPr>
+          <p:cNvPr id="28" name="Cube 27"/>
+          <p:cNvSpPr/>
+          <p:nvPr/>
+        </p:nvSpPr>
+        <p:spPr>
+          <a:xfrm>
+            <a:off x="5002229" y="2626322"/>
+            <a:ext cx="139687" cy="447821"/>
+          </a:xfrm>
+          <a:prstGeom prst="cube">
+            <a:avLst>
+              <a:gd name="adj" fmla="val 67911"/>
+            </a:avLst>
+          </a:prstGeom>
+          <a:ln w="9525" cap="flat" cmpd="sng" algn="ctr">
+            <a:solidFill>
+              <a:schemeClr val="dk1"/>
+            </a:solidFill>
+            <a:prstDash val="solid"/>
+            <a:round/>
+            <a:headEnd type="none" w="med" len="med"/>
+            <a:tailEnd type="none" w="med" len="med"/>
+          </a:ln>
+        </p:spPr>
+        <p:style>
+          <a:lnRef idx="0">
+            <a:scrgbClr r="0" g="0" b="0"/>
+          </a:lnRef>
+          <a:fillRef idx="1001">
+            <a:schemeClr val="lt1"/>
+          </a:fillRef>
+          <a:effectRef idx="0">
+            <a:scrgbClr r="0" g="0" b="0"/>
+          </a:effectRef>
+          <a:fontRef idx="minor">
+            <a:schemeClr val="dk1"/>
+          </a:fontRef>
+        </p:style>
+        <p:txBody>
+          <a:bodyPr rtlCol="0" anchor="ctr"/>
+          <a:lstStyle/>
+          <a:p>
+            <a:pPr algn="ctr"/>
+            <a:endParaRPr lang="en-US"/>
+          </a:p>
+        </p:txBody>
+      </p:sp>
+      <p:sp>
+        <p:nvSpPr>
+          <p:cNvPr id="29" name="Cube 28"/>
+          <p:cNvSpPr/>
+          <p:nvPr/>
+        </p:nvSpPr>
+        <p:spPr>
+          <a:xfrm>
+            <a:off x="5072072" y="2626322"/>
+            <a:ext cx="139687" cy="447821"/>
+          </a:xfrm>
+          <a:prstGeom prst="cube">
+            <a:avLst>
+              <a:gd name="adj" fmla="val 67911"/>
+            </a:avLst>
+          </a:prstGeom>
+          <a:ln w="9525" cap="flat" cmpd="sng" algn="ctr">
+            <a:solidFill>
+              <a:schemeClr val="dk1"/>
+            </a:solidFill>
+            <a:prstDash val="solid"/>
+            <a:round/>
+            <a:headEnd type="none" w="med" len="med"/>
+            <a:tailEnd type="none" w="med" len="med"/>
+          </a:ln>
+        </p:spPr>
+        <p:style>
+          <a:lnRef idx="0">
+            <a:scrgbClr r="0" g="0" b="0"/>
+          </a:lnRef>
+          <a:fillRef idx="1001">
+            <a:schemeClr val="lt1"/>
+          </a:fillRef>
+          <a:effectRef idx="0">
+            <a:scrgbClr r="0" g="0" b="0"/>
+          </a:effectRef>
+          <a:fontRef idx="minor">
+            <a:schemeClr val="dk1"/>
+          </a:fontRef>
+        </p:style>
+        <p:txBody>
+          <a:bodyPr rtlCol="0" anchor="ctr"/>
+          <a:lstStyle/>
+          <a:p>
+            <a:pPr algn="ctr"/>
+            <a:endParaRPr lang="en-US"/>
+          </a:p>
+        </p:txBody>
+      </p:sp>
+      <p:sp>
+        <p:nvSpPr>
+          <p:cNvPr id="30" name="Cube 29"/>
+          <p:cNvSpPr/>
+          <p:nvPr/>
+        </p:nvSpPr>
+        <p:spPr>
+          <a:xfrm>
+            <a:off x="5141915" y="2626322"/>
+            <a:ext cx="139687" cy="447821"/>
+          </a:xfrm>
+          <a:prstGeom prst="cube">
+            <a:avLst>
+              <a:gd name="adj" fmla="val 67911"/>
+            </a:avLst>
+          </a:prstGeom>
+          <a:ln w="9525" cap="flat" cmpd="sng" algn="ctr">
+            <a:solidFill>
+              <a:schemeClr val="dk1"/>
+            </a:solidFill>
+            <a:prstDash val="solid"/>
+            <a:round/>
+            <a:headEnd type="none" w="med" len="med"/>
+            <a:tailEnd type="none" w="med" len="med"/>
+          </a:ln>
+        </p:spPr>
+        <p:style>
+          <a:lnRef idx="0">
+            <a:scrgbClr r="0" g="0" b="0"/>
+          </a:lnRef>
+          <a:fillRef idx="1001">
+            <a:schemeClr val="lt1"/>
+          </a:fillRef>
+          <a:effectRef idx="0">
+            <a:scrgbClr r="0" g="0" b="0"/>
+          </a:effectRef>
+          <a:fontRef idx="minor">
+            <a:schemeClr val="dk1"/>
+          </a:fontRef>
+        </p:style>
+        <p:txBody>
+          <a:bodyPr rtlCol="0" anchor="ctr"/>
+          <a:lstStyle/>
+          <a:p>
+            <a:pPr algn="ctr"/>
+            <a:endParaRPr lang="en-US"/>
+          </a:p>
+        </p:txBody>
+      </p:sp>
+      <p:sp>
+        <p:nvSpPr>
+          <p:cNvPr id="31" name="Cube 30"/>
+          <p:cNvSpPr/>
+          <p:nvPr/>
+        </p:nvSpPr>
+        <p:spPr>
+          <a:xfrm>
+            <a:off x="5211758" y="2626322"/>
+            <a:ext cx="139687" cy="447821"/>
+          </a:xfrm>
+          <a:prstGeom prst="cube">
+            <a:avLst>
+              <a:gd name="adj" fmla="val 67911"/>
+            </a:avLst>
+          </a:prstGeom>
+          <a:ln w="9525" cap="flat" cmpd="sng" algn="ctr">
+            <a:solidFill>
+              <a:schemeClr val="dk1"/>
+            </a:solidFill>
+            <a:prstDash val="solid"/>
+            <a:round/>
+            <a:headEnd type="none" w="med" len="med"/>
+            <a:tailEnd type="none" w="med" len="med"/>
+          </a:ln>
+        </p:spPr>
+        <p:style>
+          <a:lnRef idx="0">
+            <a:scrgbClr r="0" g="0" b="0"/>
+          </a:lnRef>
+          <a:fillRef idx="1001">
+            <a:schemeClr val="lt1"/>
+          </a:fillRef>
+          <a:effectRef idx="0">
+            <a:scrgbClr r="0" g="0" b="0"/>
+          </a:effectRef>
+          <a:fontRef idx="minor">
+            <a:schemeClr val="dk1"/>
+          </a:fontRef>
+        </p:style>
+        <p:txBody>
+          <a:bodyPr rtlCol="0" anchor="ctr"/>
+          <a:lstStyle/>
+          <a:p>
+            <a:pPr algn="ctr"/>
+            <a:endParaRPr lang="en-US"/>
+          </a:p>
+        </p:txBody>
+      </p:sp>
+      <p:sp>
+        <p:nvSpPr>
+          <p:cNvPr id="32" name="TextBox 31"/>
+          <p:cNvSpPr txBox="1"/>
+          <p:nvPr/>
+        </p:nvSpPr>
+        <p:spPr>
+          <a:xfrm>
+            <a:off x="4836304" y="3073000"/>
+            <a:ext cx="660401" cy="300082"/>
+          </a:xfrm>
+          <a:prstGeom prst="rect">
+            <a:avLst/>
+          </a:prstGeom>
+          <a:noFill/>
+        </p:spPr>
+        <p:txBody>
+          <a:bodyPr wrap="square" rtlCol="0">
+            <a:spAutoFit/>
+          </a:bodyPr>
+          <a:lstStyle/>
+          <a:p>
+            <a:pPr algn="ctr"/>
+            <a:r>
+              <a:rPr lang="en-US" dirty="0" smtClean="0"/>
+              <a:t>512</a:t>
+            </a:r>
+            <a:endParaRPr lang="en-US" dirty="0"/>
+          </a:p>
+        </p:txBody>
+      </p:sp>
+      <p:pic>
+        <p:nvPicPr>
+          <p:cNvPr id="33" name="Picture 32"/>
+          <p:cNvPicPr>
+            <a:picLocks noChangeAspect="1"/>
+          </p:cNvPicPr>
+          <p:nvPr/>
+        </p:nvPicPr>
+        <p:blipFill>
+          <a:blip r:embed="rId4"/>
+          <a:stretch>
+            <a:fillRect/>
+          </a:stretch>
+        </p:blipFill>
+        <p:spPr>
+          <a:xfrm>
+            <a:off x="6537408" y="2245952"/>
+            <a:ext cx="880650" cy="1223800"/>
+          </a:xfrm>
+          <a:prstGeom prst="rect">
+            <a:avLst/>
+          </a:prstGeom>
+          <a:ln>
+            <a:solidFill>
+              <a:schemeClr val="tx1"/>
+            </a:solidFill>
+          </a:ln>
+        </p:spPr>
+      </p:pic>
+      <p:sp>
+        <p:nvSpPr>
+          <p:cNvPr id="34" name="TextBox 33"/>
+          <p:cNvSpPr txBox="1"/>
+          <p:nvPr/>
+        </p:nvSpPr>
+        <p:spPr>
+          <a:xfrm>
+            <a:off x="6537408" y="3468262"/>
+            <a:ext cx="880650" cy="300082"/>
+          </a:xfrm>
+          <a:prstGeom prst="rect">
+            <a:avLst/>
+          </a:prstGeom>
+          <a:noFill/>
+        </p:spPr>
+        <p:txBody>
+          <a:bodyPr wrap="square" rtlCol="0">
+            <a:spAutoFit/>
+          </a:bodyPr>
+          <a:lstStyle/>
+          <a:p>
+            <a:pPr algn="ctr"/>
+            <a:r>
+              <a:rPr lang="en-US" dirty="0" err="1" smtClean="0"/>
+              <a:t>Softmax</a:t>
+            </a:r>
+            <a:endParaRPr lang="en-US" dirty="0"/>
+          </a:p>
+        </p:txBody>
+      </p:sp>
+      <p:cxnSp>
+        <p:nvCxnSpPr>
+          <p:cNvPr id="35" name="Straight Connector 34"/>
+          <p:cNvCxnSpPr>
+            <a:endCxn id="23" idx="1"/>
+          </p:cNvCxnSpPr>
+          <p:nvPr/>
+        </p:nvCxnSpPr>
+        <p:spPr>
+          <a:xfrm>
+            <a:off x="3386281" y="2458681"/>
+            <a:ext cx="677064" cy="162674"/>
+          </a:xfrm>
+          <a:prstGeom prst="line">
+            <a:avLst/>
+          </a:prstGeom>
+          <a:ln w="19050">
+            <a:solidFill>
+              <a:schemeClr val="tx1"/>
+            </a:solidFill>
+          </a:ln>
+        </p:spPr>
+        <p:style>
+          <a:lnRef idx="1">
+            <a:schemeClr val="accent1"/>
+          </a:lnRef>
+          <a:fillRef idx="0">
+            <a:schemeClr val="accent1"/>
+          </a:fillRef>
+          <a:effectRef idx="0">
+            <a:schemeClr val="accent1"/>
+          </a:effectRef>
+          <a:fontRef idx="minor">
+            <a:schemeClr val="tx1"/>
+          </a:fontRef>
+        </p:style>
+      </p:cxnSp>
+      <p:cxnSp>
+        <p:nvCxnSpPr>
+          <p:cNvPr id="36" name="Straight Connector 35"/>
+          <p:cNvCxnSpPr/>
+          <p:nvPr/>
+        </p:nvCxnSpPr>
+        <p:spPr>
+          <a:xfrm>
+            <a:off x="3660866" y="2185672"/>
+            <a:ext cx="503164" cy="269492"/>
+          </a:xfrm>
+          <a:prstGeom prst="line">
+            <a:avLst/>
+          </a:prstGeom>
+          <a:ln w="19050">
+            <a:solidFill>
+              <a:schemeClr val="tx1"/>
+            </a:solidFill>
+          </a:ln>
+        </p:spPr>
+        <p:style>
+          <a:lnRef idx="1">
+            <a:schemeClr val="accent1"/>
+          </a:lnRef>
+          <a:fillRef idx="0">
+            <a:schemeClr val="accent1"/>
+          </a:fillRef>
+          <a:effectRef idx="0">
+            <a:schemeClr val="accent1"/>
+          </a:effectRef>
+          <a:fontRef idx="minor">
+            <a:schemeClr val="tx1"/>
+          </a:fontRef>
+        </p:style>
+      </p:cxnSp>
+      <p:cxnSp>
+        <p:nvCxnSpPr>
+          <p:cNvPr id="37" name="Straight Connector 36"/>
+          <p:cNvCxnSpPr/>
+          <p:nvPr/>
+        </p:nvCxnSpPr>
+        <p:spPr>
+          <a:xfrm flipV="1">
+            <a:off x="3386790" y="3240024"/>
+            <a:ext cx="647700" cy="297180"/>
+          </a:xfrm>
+          <a:prstGeom prst="line">
+            <a:avLst/>
+          </a:prstGeom>
+          <a:ln w="19050">
+            <a:solidFill>
+              <a:schemeClr val="tx1"/>
+            </a:solidFill>
+          </a:ln>
+        </p:spPr>
+        <p:style>
+          <a:lnRef idx="1">
+            <a:schemeClr val="accent1"/>
+          </a:lnRef>
+          <a:fillRef idx="0">
+            <a:schemeClr val="accent1"/>
+          </a:fillRef>
+          <a:effectRef idx="0">
+            <a:schemeClr val="accent1"/>
+          </a:effectRef>
+          <a:fontRef idx="minor">
+            <a:schemeClr val="tx1"/>
+          </a:fontRef>
+        </p:style>
+      </p:cxnSp>
+      <p:cxnSp>
+        <p:nvCxnSpPr>
+          <p:cNvPr id="38" name="Straight Connector 37"/>
+          <p:cNvCxnSpPr/>
+          <p:nvPr/>
+        </p:nvCxnSpPr>
+        <p:spPr>
+          <a:xfrm>
+            <a:off x="4603830" y="2459786"/>
+            <a:ext cx="474600" cy="170638"/>
+          </a:xfrm>
+          <a:prstGeom prst="line">
+            <a:avLst/>
+          </a:prstGeom>
+          <a:ln w="19050">
+            <a:solidFill>
+              <a:schemeClr val="tx1"/>
+            </a:solidFill>
+          </a:ln>
+        </p:spPr>
+        <p:style>
+          <a:lnRef idx="1">
+            <a:schemeClr val="accent1"/>
+          </a:lnRef>
+          <a:fillRef idx="0">
+            <a:schemeClr val="accent1"/>
+          </a:fillRef>
+          <a:effectRef idx="0">
+            <a:schemeClr val="accent1"/>
+          </a:effectRef>
+          <a:fontRef idx="minor">
+            <a:schemeClr val="tx1"/>
+          </a:fontRef>
+        </p:style>
+      </p:cxnSp>
+      <p:cxnSp>
+        <p:nvCxnSpPr>
+          <p:cNvPr id="39" name="Straight Connector 38"/>
+          <p:cNvCxnSpPr/>
+          <p:nvPr/>
+        </p:nvCxnSpPr>
+        <p:spPr>
+          <a:xfrm>
+            <a:off x="4464143" y="2621355"/>
+            <a:ext cx="530467" cy="100509"/>
+          </a:xfrm>
+          <a:prstGeom prst="line">
+            <a:avLst/>
+          </a:prstGeom>
+          <a:ln w="19050">
+            <a:solidFill>
+              <a:schemeClr val="tx1"/>
+            </a:solidFill>
+          </a:ln>
+        </p:spPr>
+        <p:style>
+          <a:lnRef idx="1">
+            <a:schemeClr val="accent1"/>
+          </a:lnRef>
+          <a:fillRef idx="0">
+            <a:schemeClr val="accent1"/>
+          </a:fillRef>
+          <a:effectRef idx="0">
+            <a:schemeClr val="accent1"/>
+          </a:effectRef>
+          <a:fontRef idx="minor">
+            <a:schemeClr val="tx1"/>
+          </a:fontRef>
+        </p:style>
+      </p:cxnSp>
+      <p:cxnSp>
+        <p:nvCxnSpPr>
+          <p:cNvPr id="40" name="Straight Connector 39"/>
+          <p:cNvCxnSpPr/>
+          <p:nvPr/>
+        </p:nvCxnSpPr>
+        <p:spPr>
+          <a:xfrm flipV="1">
+            <a:off x="4448942" y="3072384"/>
+            <a:ext cx="568528" cy="164711"/>
+          </a:xfrm>
+          <a:prstGeom prst="line">
+            <a:avLst/>
+          </a:prstGeom>
+          <a:ln w="19050">
+            <a:solidFill>
+              <a:schemeClr val="tx1"/>
+            </a:solidFill>
+          </a:ln>
+        </p:spPr>
+        <p:style>
+          <a:lnRef idx="1">
+            <a:schemeClr val="accent1"/>
+          </a:lnRef>
+          <a:fillRef idx="0">
+            <a:schemeClr val="accent1"/>
+          </a:fillRef>
+          <a:effectRef idx="0">
+            <a:schemeClr val="accent1"/>
+          </a:effectRef>
+          <a:fontRef idx="minor">
+            <a:schemeClr val="tx1"/>
+          </a:fontRef>
+        </p:style>
+      </p:cxnSp>
+      <p:sp>
+        <p:nvSpPr>
+          <p:cNvPr id="41" name="Right Arrow 40"/>
+          <p:cNvSpPr/>
+          <p:nvPr/>
+        </p:nvSpPr>
+        <p:spPr>
+          <a:xfrm>
+            <a:off x="856299" y="2632337"/>
+            <a:ext cx="485419" cy="451029"/>
+          </a:xfrm>
+          <a:prstGeom prst="rightArrow">
+            <a:avLst/>
+          </a:prstGeom>
+          <a:ln>
+            <a:noFill/>
+          </a:ln>
+        </p:spPr>
+        <p:style>
+          <a:lnRef idx="2">
+            <a:schemeClr val="accent1">
+              <a:shade val="50000"/>
+            </a:schemeClr>
+          </a:lnRef>
+          <a:fillRef idx="1">
+            <a:schemeClr val="accent1"/>
+          </a:fillRef>
+          <a:effectRef idx="0">
+            <a:schemeClr val="accent1"/>
+          </a:effectRef>
+          <a:fontRef idx="minor">
+            <a:schemeClr val="lt1"/>
+          </a:fontRef>
+        </p:style>
+        <p:txBody>
+          <a:bodyPr rtlCol="0" anchor="ctr"/>
+          <a:lstStyle/>
+          <a:p>
+            <a:pPr algn="ctr"/>
+            <a:endParaRPr lang="en-US"/>
+          </a:p>
+        </p:txBody>
+      </p:sp>
+      <p:sp>
+        <p:nvSpPr>
+          <p:cNvPr id="42" name="Right Arrow 41"/>
+          <p:cNvSpPr/>
+          <p:nvPr/>
+        </p:nvSpPr>
+        <p:spPr>
+          <a:xfrm>
+            <a:off x="6073450" y="2624503"/>
+            <a:ext cx="340080" cy="451029"/>
+          </a:xfrm>
+          <a:prstGeom prst="rightArrow">
+            <a:avLst/>
+          </a:prstGeom>
+          <a:ln>
+            <a:noFill/>
+          </a:ln>
+        </p:spPr>
+        <p:style>
+          <a:lnRef idx="2">
+            <a:schemeClr val="accent1">
+              <a:shade val="50000"/>
+            </a:schemeClr>
+          </a:lnRef>
+          <a:fillRef idx="1">
+            <a:schemeClr val="accent1"/>
+          </a:fillRef>
+          <a:effectRef idx="0">
+            <a:schemeClr val="accent1"/>
+          </a:effectRef>
+          <a:fontRef idx="minor">
+            <a:schemeClr val="lt1"/>
+          </a:fontRef>
+        </p:style>
+        <p:txBody>
+          <a:bodyPr rtlCol="0" anchor="ctr"/>
+          <a:lstStyle/>
+          <a:p>
+            <a:pPr algn="ctr"/>
+            <a:endParaRPr lang="en-US"/>
+          </a:p>
+        </p:txBody>
+      </p:sp>
+      <p:sp>
+        <p:nvSpPr>
+          <p:cNvPr id="43" name="Rectangle 42"/>
+          <p:cNvSpPr/>
+          <p:nvPr/>
+        </p:nvSpPr>
+        <p:spPr>
+          <a:xfrm>
+            <a:off x="5830974" y="1980454"/>
+            <a:ext cx="156471" cy="1739126"/>
+          </a:xfrm>
+          <a:prstGeom prst="rect">
+            <a:avLst/>
+          </a:prstGeom>
+          <a:solidFill>
+            <a:schemeClr val="bg1"/>
+          </a:solidFill>
+          <a:ln>
+            <a:solidFill>
+              <a:schemeClr val="dk1"/>
+            </a:solidFill>
+          </a:ln>
+        </p:spPr>
+        <p:style>
+          <a:lnRef idx="2">
+            <a:schemeClr val="accent1">
+              <a:shade val="50000"/>
+            </a:schemeClr>
+          </a:lnRef>
+          <a:fillRef idx="1">
+            <a:schemeClr val="accent1"/>
+          </a:fillRef>
+          <a:effectRef idx="0">
+            <a:schemeClr val="accent1"/>
+          </a:effectRef>
+          <a:fontRef idx="minor">
+            <a:schemeClr val="lt1"/>
+          </a:fontRef>
+        </p:style>
+        <p:txBody>
+          <a:bodyPr vert="vert270" rtlCol="0" anchor="ctr"/>
+          <a:lstStyle/>
+          <a:p>
+            <a:pPr algn="ctr"/>
+            <a:r>
+              <a:rPr lang="en-US" sz="900" b="1" dirty="0" smtClean="0">
+                <a:solidFill>
+                  <a:schemeClr val="tx1"/>
+                </a:solidFill>
+              </a:rPr>
+              <a:t>Global Max Pooling</a:t>
+            </a:r>
+            <a:endParaRPr lang="en-US" sz="900" b="1" dirty="0">
+              <a:solidFill>
+                <a:schemeClr val="tx1"/>
+              </a:solidFill>
+            </a:endParaRPr>
+          </a:p>
+        </p:txBody>
+      </p:sp>
+      <p:sp>
+        <p:nvSpPr>
+          <p:cNvPr id="44" name="TextBox 43"/>
+          <p:cNvSpPr txBox="1"/>
+          <p:nvPr/>
+        </p:nvSpPr>
+        <p:spPr>
+          <a:xfrm>
+            <a:off x="5582926" y="3797750"/>
+            <a:ext cx="660401" cy="300082"/>
+          </a:xfrm>
+          <a:prstGeom prst="rect">
+            <a:avLst/>
+          </a:prstGeom>
+          <a:noFill/>
+        </p:spPr>
+        <p:txBody>
+          <a:bodyPr wrap="square" rtlCol="0">
+            <a:spAutoFit/>
+          </a:bodyPr>
+          <a:lstStyle/>
+          <a:p>
+            <a:pPr algn="ctr"/>
+            <a:r>
+              <a:rPr lang="en-US" dirty="0" smtClean="0"/>
+              <a:t>1</a:t>
+            </a:r>
+            <a:endParaRPr lang="en-US" dirty="0"/>
+          </a:p>
+        </p:txBody>
+      </p:sp>
+      <p:sp>
+        <p:nvSpPr>
+          <p:cNvPr id="45" name="Right Arrow 44"/>
+          <p:cNvSpPr/>
+          <p:nvPr/>
+        </p:nvSpPr>
+        <p:spPr>
+          <a:xfrm>
+            <a:off x="5452121" y="2624503"/>
+            <a:ext cx="340080" cy="451029"/>
+          </a:xfrm>
+          <a:prstGeom prst="rightArrow">
+            <a:avLst/>
+          </a:prstGeom>
+          <a:ln>
+            <a:noFill/>
+          </a:ln>
+        </p:spPr>
+        <p:style>
+          <a:lnRef idx="2">
+            <a:schemeClr val="accent1">
+              <a:shade val="50000"/>
+            </a:schemeClr>
+          </a:lnRef>
+          <a:fillRef idx="1">
+            <a:schemeClr val="accent1"/>
+          </a:fillRef>
+          <a:effectRef idx="0">
+            <a:schemeClr val="accent1"/>
+          </a:effectRef>
+          <a:fontRef idx="minor">
+            <a:schemeClr val="lt1"/>
+          </a:fontRef>
+        </p:style>
+        <p:txBody>
+          <a:bodyPr rtlCol="0" anchor="ctr"/>
+          <a:lstStyle/>
+          <a:p>
+            <a:pPr algn="ctr"/>
+            <a:endParaRPr lang="en-US"/>
+          </a:p>
+        </p:txBody>
+      </p:sp>
+      <p:grpSp>
+        <p:nvGrpSpPr>
+          <p:cNvPr id="2" name="Group 1"/>
+          <p:cNvGrpSpPr/>
+          <p:nvPr/>
+        </p:nvGrpSpPr>
+        <p:grpSpPr>
+          <a:xfrm>
+            <a:off x="7610223" y="2862131"/>
+            <a:ext cx="1535336" cy="1244277"/>
+            <a:chOff x="7610223" y="2862131"/>
+            <a:chExt cx="1535336" cy="1244277"/>
+          </a:xfrm>
+        </p:grpSpPr>
+        <p:pic>
+          <p:nvPicPr>
+            <p:cNvPr id="47" name="Picture 46"/>
+            <p:cNvPicPr>
+              <a:picLocks noChangeAspect="1"/>
+            </p:cNvPicPr>
+            <p:nvPr/>
+          </p:nvPicPr>
+          <p:blipFill>
+            <a:blip r:embed="rId5">
+              <a:extLst>
+                <a:ext uri="{BEBA8EAE-BF5A-486C-A8C5-ECC9F3942E4B}">
+                  <a14:imgProps xmlns:a14="http://schemas.microsoft.com/office/drawing/2010/main">
+                    <a14:imgLayer r:embed="rId6">
+                      <a14:imgEffect>
+                        <a14:brightnessContrast bright="40000" contrast="-40000"/>
+                      </a14:imgEffect>
+                    </a14:imgLayer>
+                  </a14:imgProps>
+                </a:ext>
+                <a:ext uri="{28A0092B-C50C-407E-A947-70E740481C1C}">
+                  <a14:useLocalDpi xmlns:a14="http://schemas.microsoft.com/office/drawing/2010/main" val="0"/>
+                </a:ext>
+              </a:extLst>
+            </a:blip>
+            <a:stretch>
+              <a:fillRect/>
+            </a:stretch>
+          </p:blipFill>
+          <p:spPr>
+            <a:xfrm>
+              <a:off x="7610223" y="2862131"/>
+              <a:ext cx="1535336" cy="1244277"/>
+            </a:xfrm>
+            <a:prstGeom prst="rect">
+              <a:avLst/>
+            </a:prstGeom>
+          </p:spPr>
+        </p:pic>
+        <p:sp>
+          <p:nvSpPr>
+            <p:cNvPr id="48" name="&quot;No&quot; Symbol 47"/>
+            <p:cNvSpPr/>
+            <p:nvPr/>
+          </p:nvSpPr>
+          <p:spPr>
+            <a:xfrm>
+              <a:off x="8093492" y="3211952"/>
+              <a:ext cx="684041" cy="684041"/>
+            </a:xfrm>
+            <a:prstGeom prst="noSmoking">
+              <a:avLst>
+                <a:gd name="adj" fmla="val 8376"/>
+              </a:avLst>
+            </a:prstGeom>
+            <a:solidFill>
+              <a:srgbClr val="FF0000"/>
+            </a:solidFill>
+            <a:ln>
+              <a:solidFill>
+                <a:srgbClr val="FF0000"/>
+              </a:solidFill>
+            </a:ln>
+          </p:spPr>
+          <p:style>
+            <a:lnRef idx="2">
+              <a:schemeClr val="accent1">
+                <a:shade val="50000"/>
+              </a:schemeClr>
+            </a:lnRef>
+            <a:fillRef idx="1">
+              <a:schemeClr val="accent1"/>
+            </a:fillRef>
+            <a:effectRef idx="0">
+              <a:schemeClr val="accent1"/>
+            </a:effectRef>
+            <a:fontRef idx="minor">
+              <a:schemeClr val="lt1"/>
+            </a:fontRef>
+          </p:style>
+          <p:txBody>
+            <a:bodyPr rtlCol="0" anchor="ctr"/>
+            <a:lstStyle/>
+            <a:p>
+              <a:pPr algn="ctr"/>
+              <a:endParaRPr lang="en-US">
+                <a:solidFill>
+                  <a:schemeClr val="tx1"/>
+                </a:solidFill>
+              </a:endParaRPr>
+            </a:p>
+          </p:txBody>
+        </p:sp>
+      </p:grpSp>
+      <p:pic>
+        <p:nvPicPr>
+          <p:cNvPr id="50" name="Picture 49"/>
+          <p:cNvPicPr>
+            <a:picLocks noChangeAspect="1"/>
+          </p:cNvPicPr>
+          <p:nvPr/>
+        </p:nvPicPr>
+        <p:blipFill>
+          <a:blip r:embed="rId7"/>
+          <a:stretch>
+            <a:fillRect/>
+          </a:stretch>
+        </p:blipFill>
+        <p:spPr>
+          <a:xfrm>
+            <a:off x="3268965" y="337627"/>
+            <a:ext cx="1480692" cy="474741"/>
           </a:xfrm>
           <a:prstGeom prst="rect">
             <a:avLst/>
@@ -8096,7 +10257,369 @@
       </p:pic>
       <p:pic>
         <p:nvPicPr>
-          <p:cNvPr id="25" name="Picture 24"/>
+          <p:cNvPr id="51" name="Picture 2" descr="Image result for tensorflow logo"/>
+          <p:cNvPicPr>
+            <a:picLocks noChangeAspect="1" noChangeArrowheads="1"/>
+          </p:cNvPicPr>
+          <p:nvPr/>
+        </p:nvPicPr>
+        <p:blipFill>
+          <a:blip r:embed="rId8">
+            <a:extLst>
+              <a:ext uri="{28A0092B-C50C-407E-A947-70E740481C1C}">
+                <a14:useLocalDpi xmlns:a14="http://schemas.microsoft.com/office/drawing/2010/main" val="0"/>
+              </a:ext>
+            </a:extLst>
+          </a:blip>
+          <a:srcRect/>
+          <a:stretch>
+            <a:fillRect/>
+          </a:stretch>
+        </p:blipFill>
+        <p:spPr bwMode="auto">
+          <a:xfrm>
+            <a:off x="1938727" y="135524"/>
+            <a:ext cx="1054251" cy="878718"/>
+          </a:xfrm>
+          <a:prstGeom prst="rect">
+            <a:avLst/>
+          </a:prstGeom>
+          <a:noFill/>
+          <a:extLst>
+            <a:ext uri="{909E8E84-426E-40DD-AFC4-6F175D3DCCD1}">
+              <a14:hiddenFill xmlns:a14="http://schemas.microsoft.com/office/drawing/2010/main">
+                <a:solidFill>
+                  <a:srgbClr val="FFFFFF"/>
+                </a:solidFill>
+              </a14:hiddenFill>
+            </a:ext>
+          </a:extLst>
+        </p:spPr>
+      </p:pic>
+      <p:pic>
+        <p:nvPicPr>
+          <p:cNvPr id="52" name="Picture 4" descr="Image result for numpy"/>
+          <p:cNvPicPr>
+            <a:picLocks noChangeAspect="1" noChangeArrowheads="1"/>
+          </p:cNvPicPr>
+          <p:nvPr/>
+        </p:nvPicPr>
+        <p:blipFill>
+          <a:blip r:embed="rId9">
+            <a:extLst>
+              <a:ext uri="{28A0092B-C50C-407E-A947-70E740481C1C}">
+                <a14:useLocalDpi xmlns:a14="http://schemas.microsoft.com/office/drawing/2010/main" val="0"/>
+              </a:ext>
+            </a:extLst>
+          </a:blip>
+          <a:srcRect/>
+          <a:stretch>
+            <a:fillRect/>
+          </a:stretch>
+        </p:blipFill>
+        <p:spPr bwMode="auto">
+          <a:xfrm>
+            <a:off x="5025644" y="223217"/>
+            <a:ext cx="1777415" cy="703560"/>
+          </a:xfrm>
+          <a:prstGeom prst="rect">
+            <a:avLst/>
+          </a:prstGeom>
+          <a:noFill/>
+          <a:extLst>
+            <a:ext uri="{909E8E84-426E-40DD-AFC4-6F175D3DCCD1}">
+              <a14:hiddenFill xmlns:a14="http://schemas.microsoft.com/office/drawing/2010/main">
+                <a:solidFill>
+                  <a:srgbClr val="FFFFFF"/>
+                </a:solidFill>
+              </a14:hiddenFill>
+            </a:ext>
+          </a:extLst>
+        </p:spPr>
+      </p:pic>
+      <p:pic>
+        <p:nvPicPr>
+          <p:cNvPr id="53" name="Picture 8" descr="Image result for jupyter notebook"/>
+          <p:cNvPicPr>
+            <a:picLocks noChangeAspect="1" noChangeArrowheads="1"/>
+          </p:cNvPicPr>
+          <p:nvPr/>
+        </p:nvPicPr>
+        <p:blipFill>
+          <a:blip r:embed="rId10">
+            <a:extLst>
+              <a:ext uri="{28A0092B-C50C-407E-A947-70E740481C1C}">
+                <a14:useLocalDpi xmlns:a14="http://schemas.microsoft.com/office/drawing/2010/main" val="0"/>
+              </a:ext>
+            </a:extLst>
+          </a:blip>
+          <a:srcRect/>
+          <a:stretch>
+            <a:fillRect/>
+          </a:stretch>
+        </p:blipFill>
+        <p:spPr bwMode="auto">
+          <a:xfrm>
+            <a:off x="7079046" y="116962"/>
+            <a:ext cx="917289" cy="911174"/>
+          </a:xfrm>
+          <a:prstGeom prst="rect">
+            <a:avLst/>
+          </a:prstGeom>
+          <a:noFill/>
+          <a:extLst>
+            <a:ext uri="{909E8E84-426E-40DD-AFC4-6F175D3DCCD1}">
+              <a14:hiddenFill xmlns:a14="http://schemas.microsoft.com/office/drawing/2010/main">
+                <a:solidFill>
+                  <a:srgbClr val="FFFFFF"/>
+                </a:solidFill>
+              </a14:hiddenFill>
+            </a:ext>
+          </a:extLst>
+        </p:spPr>
+      </p:pic>
+      <p:sp>
+        <p:nvSpPr>
+          <p:cNvPr id="54" name="Rectangle 53"/>
+          <p:cNvSpPr/>
+          <p:nvPr/>
+        </p:nvSpPr>
+        <p:spPr>
+          <a:xfrm>
+            <a:off x="3516915" y="4202483"/>
+            <a:ext cx="5585150" cy="523220"/>
+          </a:xfrm>
+          <a:prstGeom prst="rect">
+            <a:avLst/>
+          </a:prstGeom>
+        </p:spPr>
+        <p:txBody>
+          <a:bodyPr wrap="square">
+            <a:spAutoFit/>
+          </a:bodyPr>
+          <a:lstStyle/>
+          <a:p>
+            <a:pPr algn="r"/>
+            <a:r>
+              <a:rPr lang="en-US" sz="700" dirty="0" smtClean="0"/>
+              <a:t>https</a:t>
+            </a:r>
+            <a:r>
+              <a:rPr lang="en-US" sz="700" dirty="0"/>
+              <a:t>://keras.io</a:t>
+            </a:r>
+            <a:r>
+              <a:rPr lang="en-US" sz="700" dirty="0" smtClean="0"/>
+              <a:t>/</a:t>
+            </a:r>
+          </a:p>
+          <a:p>
+            <a:pPr algn="r"/>
+            <a:r>
+              <a:rPr lang="en-US" sz="700" dirty="0"/>
+              <a:t>https://upload.wikimedia.org/wikipedia/commons/1/1a/NumPy_logo.svg</a:t>
+            </a:r>
+          </a:p>
+          <a:p>
+            <a:pPr algn="r"/>
+            <a:r>
+              <a:rPr lang="en-US" sz="700" dirty="0" smtClean="0"/>
+              <a:t>https</a:t>
+            </a:r>
+            <a:r>
+              <a:rPr lang="en-US" sz="700" dirty="0"/>
+              <a:t>://</a:t>
+            </a:r>
+            <a:r>
+              <a:rPr lang="en-US" sz="700" dirty="0" smtClean="0"/>
+              <a:t>blog.thedataincubator.com/wp-content/uploads/2017/01/jupyter-logo-300x298.png</a:t>
+            </a:r>
+          </a:p>
+          <a:p>
+            <a:pPr algn="r"/>
+            <a:r>
+              <a:rPr lang="en-US" sz="700" dirty="0"/>
+              <a:t>https://upload.wikimedia.org/wikipedia/commons/thumb/1/11/TensorFlowLogo.svg/522px-TensorFlowLogo.svg.png</a:t>
+            </a:r>
+            <a:endParaRPr lang="en-US" sz="700" dirty="0"/>
+          </a:p>
+        </p:txBody>
+      </p:sp>
+      <p:grpSp>
+        <p:nvGrpSpPr>
+          <p:cNvPr id="55" name="Group 54"/>
+          <p:cNvGrpSpPr/>
+          <p:nvPr/>
+        </p:nvGrpSpPr>
+        <p:grpSpPr>
+          <a:xfrm>
+            <a:off x="7664290" y="1598385"/>
+            <a:ext cx="1535336" cy="1301788"/>
+            <a:chOff x="6153360" y="3335940"/>
+            <a:chExt cx="1535336" cy="1301788"/>
+          </a:xfrm>
+        </p:grpSpPr>
+        <p:pic>
+          <p:nvPicPr>
+            <p:cNvPr id="56" name="Picture 55"/>
+            <p:cNvPicPr>
+              <a:picLocks noChangeAspect="1"/>
+            </p:cNvPicPr>
+            <p:nvPr/>
+          </p:nvPicPr>
+          <p:blipFill>
+            <a:blip r:embed="rId5">
+              <a:extLst>
+                <a:ext uri="{BEBA8EAE-BF5A-486C-A8C5-ECC9F3942E4B}">
+                  <a14:imgProps xmlns:a14="http://schemas.microsoft.com/office/drawing/2010/main">
+                    <a14:imgLayer r:embed="rId6">
+                      <a14:imgEffect>
+                        <a14:brightnessContrast bright="40000" contrast="-40000"/>
+                      </a14:imgEffect>
+                    </a14:imgLayer>
+                  </a14:imgProps>
+                </a:ext>
+                <a:ext uri="{28A0092B-C50C-407E-A947-70E740481C1C}">
+                  <a14:useLocalDpi xmlns:a14="http://schemas.microsoft.com/office/drawing/2010/main" val="0"/>
+                </a:ext>
+              </a:extLst>
+            </a:blip>
+            <a:stretch>
+              <a:fillRect/>
+            </a:stretch>
+          </p:blipFill>
+          <p:spPr>
+            <a:xfrm>
+              <a:off x="6153360" y="3335940"/>
+              <a:ext cx="1535336" cy="1244277"/>
+            </a:xfrm>
+            <a:prstGeom prst="rect">
+              <a:avLst/>
+            </a:prstGeom>
+          </p:spPr>
+        </p:pic>
+        <p:sp>
+          <p:nvSpPr>
+            <p:cNvPr id="57" name="TextBox 56"/>
+            <p:cNvSpPr txBox="1"/>
+            <p:nvPr/>
+          </p:nvSpPr>
+          <p:spPr>
+            <a:xfrm>
+              <a:off x="6570799" y="3529732"/>
+              <a:ext cx="672163" cy="1107996"/>
+            </a:xfrm>
+            <a:prstGeom prst="rect">
+              <a:avLst/>
+            </a:prstGeom>
+            <a:noFill/>
+          </p:spPr>
+          <p:txBody>
+            <a:bodyPr wrap="square" rtlCol="0">
+              <a:spAutoFit/>
+            </a:bodyPr>
+            <a:lstStyle/>
+            <a:p>
+              <a:r>
+                <a:rPr lang="en-US" sz="6600" b="1" dirty="0" smtClean="0">
+                  <a:solidFill>
+                    <a:srgbClr val="00B050"/>
+                  </a:solidFill>
+                  <a:sym typeface="Wingdings" panose="05000000000000000000" pitchFamily="2" charset="2"/>
+                </a:rPr>
+                <a:t></a:t>
+              </a:r>
+              <a:endParaRPr lang="en-US" sz="6600" b="1" dirty="0">
+                <a:solidFill>
+                  <a:srgbClr val="00B050"/>
+                </a:solidFill>
+              </a:endParaRPr>
+            </a:p>
+          </p:txBody>
+        </p:sp>
+      </p:grpSp>
+    </p:spTree>
+    <p:extLst>
+      <p:ext uri="{BB962C8B-B14F-4D97-AF65-F5344CB8AC3E}">
+        <p14:creationId xmlns:p14="http://schemas.microsoft.com/office/powerpoint/2010/main" val="1200847849"/>
+      </p:ext>
+    </p:extLst>
+  </p:cSld>
+  <p:clrMapOvr>
+    <a:masterClrMapping/>
+  </p:clrMapOvr>
+  <mc:AlternateContent xmlns:mc="http://schemas.openxmlformats.org/markup-compatibility/2006" xmlns:p14="http://schemas.microsoft.com/office/powerpoint/2010/main">
+    <mc:Choice Requires="p14">
+      <p:transition spd="med" p14:dur="700">
+        <p:fade/>
+      </p:transition>
+    </mc:Choice>
+    <mc:Fallback xmlns="">
+      <p:transition spd="med">
+        <p:fade/>
+      </p:transition>
+    </mc:Fallback>
+  </mc:AlternateContent>
+  <p:timing>
+    <p:tnLst>
+      <p:par>
+        <p:cTn id="1" dur="indefinite" restart="never" nodeType="tmRoot"/>
+      </p:par>
+    </p:tnLst>
+  </p:timing>
+</p:sld>
+</file>
+
+<file path=ppt/slides/slide5.xml><?xml version="1.0" encoding="utf-8"?>
+<p:sld xmlns:a="http://schemas.openxmlformats.org/drawingml/2006/main" xmlns:r="http://schemas.openxmlformats.org/officeDocument/2006/relationships" xmlns:p="http://schemas.openxmlformats.org/presentationml/2006/main">
+  <p:cSld>
+    <p:spTree>
+      <p:nvGrpSpPr>
+        <p:cNvPr id="1" name=""/>
+        <p:cNvGrpSpPr/>
+        <p:nvPr/>
+      </p:nvGrpSpPr>
+      <p:grpSpPr>
+        <a:xfrm>
+          <a:off x="0" y="0"/>
+          <a:ext cx="0" cy="0"/>
+          <a:chOff x="0" y="0"/>
+          <a:chExt cx="0" cy="0"/>
+        </a:xfrm>
+      </p:grpSpPr>
+      <p:pic>
+        <p:nvPicPr>
+          <p:cNvPr id="5" name="Picture 4"/>
+          <p:cNvPicPr>
+            <a:picLocks noChangeAspect="1"/>
+          </p:cNvPicPr>
+          <p:nvPr/>
+        </p:nvPicPr>
+        <p:blipFill>
+          <a:blip r:embed="rId3">
+            <a:extLst>
+              <a:ext uri="{28A0092B-C50C-407E-A947-70E740481C1C}">
+                <a14:useLocalDpi xmlns:a14="http://schemas.microsoft.com/office/drawing/2010/main" val="0"/>
+              </a:ext>
+            </a:extLst>
+          </a:blip>
+          <a:stretch>
+            <a:fillRect/>
+          </a:stretch>
+        </p:blipFill>
+        <p:spPr>
+          <a:xfrm>
+            <a:off x="1521922" y="1021080"/>
+            <a:ext cx="3608877" cy="2777144"/>
+          </a:xfrm>
+          <a:prstGeom prst="rect">
+            <a:avLst/>
+          </a:prstGeom>
+        </p:spPr>
+      </p:pic>
+      <p:pic>
+        <p:nvPicPr>
+          <p:cNvPr id="7" name="Picture 6"/>
           <p:cNvPicPr>
             <a:picLocks noChangeAspect="1"/>
           </p:cNvPicPr>
@@ -8116,7 +10639,7 @@
         </p:blipFill>
         <p:spPr>
           <a:xfrm>
-            <a:off x="5884839" y="838200"/>
+            <a:off x="372063" y="879764"/>
             <a:ext cx="933450" cy="3467100"/>
           </a:xfrm>
           <a:prstGeom prst="rect">
@@ -8124,40 +10647,1928 @@
           </a:prstGeom>
         </p:spPr>
       </p:pic>
+      <p:sp>
+        <p:nvSpPr>
+          <p:cNvPr id="6" name="TextBox 5"/>
+          <p:cNvSpPr txBox="1"/>
+          <p:nvPr/>
+        </p:nvSpPr>
+        <p:spPr>
+          <a:xfrm>
+            <a:off x="6377151" y="2664013"/>
+            <a:ext cx="1931276" cy="830997"/>
+          </a:xfrm>
+          <a:prstGeom prst="rect">
+            <a:avLst/>
+          </a:prstGeom>
+          <a:solidFill>
+            <a:srgbClr val="FFFF99"/>
+          </a:solidFill>
+        </p:spPr>
+        <p:txBody>
+          <a:bodyPr wrap="square" rtlCol="0">
+            <a:spAutoFit/>
+          </a:bodyPr>
+          <a:lstStyle/>
+          <a:p>
+            <a:pPr algn="ctr"/>
+            <a:r>
+              <a:rPr lang="en-US" sz="4800" b="1" dirty="0" smtClean="0">
+                <a:solidFill>
+                  <a:srgbClr val="00B050"/>
+                </a:solidFill>
+              </a:rPr>
+              <a:t>93.8%</a:t>
+            </a:r>
+            <a:endParaRPr lang="en-US" b="1" dirty="0">
+              <a:solidFill>
+                <a:srgbClr val="00B050"/>
+              </a:solidFill>
+            </a:endParaRPr>
+          </a:p>
+        </p:txBody>
+      </p:sp>
+      <p:graphicFrame>
+        <p:nvGraphicFramePr>
+          <p:cNvPr id="8" name="Table 7"/>
+          <p:cNvGraphicFramePr>
+            <a:graphicFrameLocks noGrp="1"/>
+          </p:cNvGraphicFramePr>
+          <p:nvPr>
+            <p:extLst>
+              <p:ext uri="{D42A27DB-BD31-4B8C-83A1-F6EECF244321}">
+                <p14:modId xmlns:p14="http://schemas.microsoft.com/office/powerpoint/2010/main" val="2153501448"/>
+              </p:ext>
+            </p:extLst>
+          </p:nvPr>
+        </p:nvGraphicFramePr>
+        <p:xfrm>
+          <a:off x="5347208" y="706950"/>
+          <a:ext cx="3494736" cy="1188720"/>
+        </p:xfrm>
+        <a:graphic>
+          <a:graphicData uri="http://schemas.openxmlformats.org/drawingml/2006/table">
+            <a:tbl>
+              <a:tblPr firstRow="1" bandRow="1">
+                <a:tableStyleId>{5940675A-B579-460E-94D1-54222C63F5DA}</a:tableStyleId>
+              </a:tblPr>
+              <a:tblGrid>
+                <a:gridCol w="345391">
+                  <a:extLst>
+                    <a:ext uri="{9D8B030D-6E8A-4147-A177-3AD203B41FA5}">
+                      <a16:colId xmlns:a16="http://schemas.microsoft.com/office/drawing/2014/main" val="3032360685"/>
+                    </a:ext>
+                  </a:extLst>
+                </a:gridCol>
+                <a:gridCol w="773723">
+                  <a:extLst>
+                    <a:ext uri="{9D8B030D-6E8A-4147-A177-3AD203B41FA5}">
+                      <a16:colId xmlns:a16="http://schemas.microsoft.com/office/drawing/2014/main" val="561771842"/>
+                    </a:ext>
+                  </a:extLst>
+                </a:gridCol>
+                <a:gridCol w="1181686">
+                  <a:extLst>
+                    <a:ext uri="{9D8B030D-6E8A-4147-A177-3AD203B41FA5}">
+                      <a16:colId xmlns:a16="http://schemas.microsoft.com/office/drawing/2014/main" val="4221639305"/>
+                    </a:ext>
+                  </a:extLst>
+                </a:gridCol>
+                <a:gridCol w="1193936">
+                  <a:extLst>
+                    <a:ext uri="{9D8B030D-6E8A-4147-A177-3AD203B41FA5}">
+                      <a16:colId xmlns:a16="http://schemas.microsoft.com/office/drawing/2014/main" val="2446018502"/>
+                    </a:ext>
+                  </a:extLst>
+                </a:gridCol>
+              </a:tblGrid>
+              <a:tr h="251460">
+                <a:tc rowSpan="2" gridSpan="2">
+                  <a:txBody>
+                    <a:bodyPr/>
+                    <a:lstStyle/>
+                    <a:p>
+                      <a:pPr algn="ctr"/>
+                      <a:endParaRPr lang="en-US" dirty="0"/>
+                    </a:p>
+                  </a:txBody>
+                  <a:tcPr anchor="ctr">
+                    <a:lnL w="12700" cmpd="sng">
+                      <a:noFill/>
+                    </a:lnL>
+                    <a:lnR w="12700" cap="flat" cmpd="sng" algn="ctr">
+                      <a:solidFill>
+                        <a:schemeClr val="tx1"/>
+                      </a:solidFill>
+                      <a:prstDash val="solid"/>
+                      <a:round/>
+                      <a:headEnd type="none" w="med" len="med"/>
+                      <a:tailEnd type="none" w="med" len="med"/>
+                    </a:lnR>
+                    <a:lnT w="12700" cmpd="sng">
+                      <a:noFill/>
+                    </a:lnT>
+                    <a:lnB w="12700" cap="flat" cmpd="sng" algn="ctr">
+                      <a:solidFill>
+                        <a:schemeClr val="tx1"/>
+                      </a:solidFill>
+                      <a:prstDash val="solid"/>
+                      <a:round/>
+                      <a:headEnd type="none" w="med" len="med"/>
+                      <a:tailEnd type="none" w="med" len="med"/>
+                    </a:lnB>
+                    <a:lnTlToBr w="12700" cmpd="sng">
+                      <a:noFill/>
+                      <a:prstDash val="solid"/>
+                    </a:lnTlToBr>
+                    <a:lnBlToTr w="12700" cmpd="sng">
+                      <a:noFill/>
+                      <a:prstDash val="solid"/>
+                    </a:lnBlToTr>
+                    <a:noFill/>
+                  </a:tcPr>
+                </a:tc>
+                <a:tc rowSpan="2" hMerge="1">
+                  <a:txBody>
+                    <a:bodyPr/>
+                    <a:lstStyle/>
+                    <a:p>
+                      <a:endParaRPr lang="en-US"/>
+                    </a:p>
+                  </a:txBody>
+                  <a:tcPr/>
+                </a:tc>
+                <a:tc gridSpan="2">
+                  <a:txBody>
+                    <a:bodyPr/>
+                    <a:lstStyle/>
+                    <a:p>
+                      <a:pPr algn="ctr"/>
+                      <a:r>
+                        <a:rPr lang="en-US" b="1" strike="noStrike" dirty="0" smtClean="0"/>
+                        <a:t>Ground Truth</a:t>
+                      </a:r>
+                      <a:endParaRPr lang="en-US" b="1" strike="noStrike" dirty="0"/>
+                    </a:p>
+                  </a:txBody>
+                  <a:tcPr anchor="ctr">
+                    <a:lnL w="12700" cap="flat" cmpd="sng" algn="ctr">
+                      <a:solidFill>
+                        <a:schemeClr val="tx1"/>
+                      </a:solidFill>
+                      <a:prstDash val="solid"/>
+                      <a:round/>
+                      <a:headEnd type="none" w="med" len="med"/>
+                      <a:tailEnd type="none" w="med" len="med"/>
+                    </a:lnL>
+                    <a:lnR w="12700" cap="flat" cmpd="sng" algn="ctr">
+                      <a:solidFill>
+                        <a:schemeClr val="tx1"/>
+                      </a:solidFill>
+                      <a:prstDash val="solid"/>
+                      <a:round/>
+                      <a:headEnd type="none" w="med" len="med"/>
+                      <a:tailEnd type="none" w="med" len="med"/>
+                    </a:lnR>
+                    <a:lnT w="12700" cap="flat" cmpd="sng" algn="ctr">
+                      <a:solidFill>
+                        <a:schemeClr val="tx1"/>
+                      </a:solidFill>
+                      <a:prstDash val="solid"/>
+                      <a:round/>
+                      <a:headEnd type="none" w="med" len="med"/>
+                      <a:tailEnd type="none" w="med" len="med"/>
+                    </a:lnT>
+                    <a:lnB w="12700" cap="flat" cmpd="sng" algn="ctr">
+                      <a:solidFill>
+                        <a:schemeClr val="tx1"/>
+                      </a:solidFill>
+                      <a:prstDash val="solid"/>
+                      <a:round/>
+                      <a:headEnd type="none" w="med" len="med"/>
+                      <a:tailEnd type="none" w="med" len="med"/>
+                    </a:lnB>
+                    <a:lnTlToBr w="12700" cmpd="sng">
+                      <a:noFill/>
+                      <a:prstDash val="solid"/>
+                    </a:lnTlToBr>
+                    <a:lnBlToTr w="12700" cmpd="sng">
+                      <a:noFill/>
+                      <a:prstDash val="solid"/>
+                    </a:lnBlToTr>
+                    <a:solidFill>
+                      <a:schemeClr val="bg1">
+                        <a:lumMod val="75000"/>
+                      </a:schemeClr>
+                    </a:solidFill>
+                  </a:tcPr>
+                </a:tc>
+                <a:tc hMerge="1">
+                  <a:txBody>
+                    <a:bodyPr/>
+                    <a:lstStyle/>
+                    <a:p>
+                      <a:endParaRPr lang="en-US" strike="sngStrike" dirty="0"/>
+                    </a:p>
+                  </a:txBody>
+                  <a:tcPr/>
+                </a:tc>
+                <a:extLst>
+                  <a:ext uri="{0D108BD9-81ED-4DB2-BD59-A6C34878D82A}">
+                    <a16:rowId xmlns:a16="http://schemas.microsoft.com/office/drawing/2014/main" val="2615527093"/>
+                  </a:ext>
+                </a:extLst>
+              </a:tr>
+              <a:tr h="251460">
+                <a:tc gridSpan="2" vMerge="1">
+                  <a:txBody>
+                    <a:bodyPr/>
+                    <a:lstStyle/>
+                    <a:p>
+                      <a:endParaRPr lang="en-US"/>
+                    </a:p>
+                  </a:txBody>
+                  <a:tcPr/>
+                </a:tc>
+                <a:tc hMerge="1" vMerge="1">
+                  <a:txBody>
+                    <a:bodyPr/>
+                    <a:lstStyle/>
+                    <a:p>
+                      <a:endParaRPr lang="en-US" dirty="0"/>
+                    </a:p>
+                  </a:txBody>
+                  <a:tcPr/>
+                </a:tc>
+                <a:tc>
+                  <a:txBody>
+                    <a:bodyPr/>
+                    <a:lstStyle/>
+                    <a:p>
+                      <a:pPr algn="ctr"/>
+                      <a:r>
+                        <a:rPr lang="en-US" i="1" dirty="0" smtClean="0"/>
+                        <a:t>Present</a:t>
+                      </a:r>
+                      <a:endParaRPr lang="en-US" i="1" dirty="0"/>
+                    </a:p>
+                  </a:txBody>
+                  <a:tcPr anchor="ctr">
+                    <a:lnL w="12700" cap="flat" cmpd="sng" algn="ctr">
+                      <a:solidFill>
+                        <a:schemeClr val="tx1"/>
+                      </a:solidFill>
+                      <a:prstDash val="solid"/>
+                      <a:round/>
+                      <a:headEnd type="none" w="med" len="med"/>
+                      <a:tailEnd type="none" w="med" len="med"/>
+                    </a:lnL>
+                    <a:lnR w="12700" cap="flat" cmpd="sng" algn="ctr">
+                      <a:solidFill>
+                        <a:schemeClr val="tx1"/>
+                      </a:solidFill>
+                      <a:prstDash val="solid"/>
+                      <a:round/>
+                      <a:headEnd type="none" w="med" len="med"/>
+                      <a:tailEnd type="none" w="med" len="med"/>
+                    </a:lnR>
+                    <a:lnT w="12700" cap="flat" cmpd="sng" algn="ctr">
+                      <a:solidFill>
+                        <a:schemeClr val="tx1"/>
+                      </a:solidFill>
+                      <a:prstDash val="solid"/>
+                      <a:round/>
+                      <a:headEnd type="none" w="med" len="med"/>
+                      <a:tailEnd type="none" w="med" len="med"/>
+                    </a:lnT>
+                    <a:lnB w="12700" cap="flat" cmpd="sng" algn="ctr">
+                      <a:solidFill>
+                        <a:schemeClr val="tx1"/>
+                      </a:solidFill>
+                      <a:prstDash val="solid"/>
+                      <a:round/>
+                      <a:headEnd type="none" w="med" len="med"/>
+                      <a:tailEnd type="none" w="med" len="med"/>
+                    </a:lnB>
+                    <a:lnTlToBr w="12700" cmpd="sng">
+                      <a:noFill/>
+                      <a:prstDash val="solid"/>
+                    </a:lnTlToBr>
+                    <a:lnBlToTr w="12700" cmpd="sng">
+                      <a:noFill/>
+                      <a:prstDash val="solid"/>
+                    </a:lnBlToTr>
+                    <a:solidFill>
+                      <a:schemeClr val="accent1">
+                        <a:lumMod val="20000"/>
+                        <a:lumOff val="80000"/>
+                      </a:schemeClr>
+                    </a:solidFill>
+                  </a:tcPr>
+                </a:tc>
+                <a:tc>
+                  <a:txBody>
+                    <a:bodyPr/>
+                    <a:lstStyle/>
+                    <a:p>
+                      <a:pPr algn="ctr"/>
+                      <a:r>
+                        <a:rPr lang="en-US" i="1" dirty="0" smtClean="0"/>
+                        <a:t>Absent</a:t>
+                      </a:r>
+                      <a:endParaRPr lang="en-US" i="1" dirty="0"/>
+                    </a:p>
+                  </a:txBody>
+                  <a:tcPr anchor="ctr">
+                    <a:lnL w="12700" cap="flat" cmpd="sng" algn="ctr">
+                      <a:solidFill>
+                        <a:schemeClr val="tx1"/>
+                      </a:solidFill>
+                      <a:prstDash val="solid"/>
+                      <a:round/>
+                      <a:headEnd type="none" w="med" len="med"/>
+                      <a:tailEnd type="none" w="med" len="med"/>
+                    </a:lnL>
+                    <a:lnT w="12700" cap="flat" cmpd="sng" algn="ctr">
+                      <a:solidFill>
+                        <a:schemeClr val="tx1"/>
+                      </a:solidFill>
+                      <a:prstDash val="solid"/>
+                      <a:round/>
+                      <a:headEnd type="none" w="med" len="med"/>
+                      <a:tailEnd type="none" w="med" len="med"/>
+                    </a:lnT>
+                    <a:solidFill>
+                      <a:schemeClr val="accent1">
+                        <a:lumMod val="20000"/>
+                        <a:lumOff val="80000"/>
+                      </a:schemeClr>
+                    </a:solidFill>
+                  </a:tcPr>
+                </a:tc>
+                <a:extLst>
+                  <a:ext uri="{0D108BD9-81ED-4DB2-BD59-A6C34878D82A}">
+                    <a16:rowId xmlns:a16="http://schemas.microsoft.com/office/drawing/2014/main" val="1542966377"/>
+                  </a:ext>
+                </a:extLst>
+              </a:tr>
+              <a:tr h="251460">
+                <a:tc rowSpan="2">
+                  <a:txBody>
+                    <a:bodyPr/>
+                    <a:lstStyle/>
+                    <a:p>
+                      <a:pPr algn="ctr"/>
+                      <a:r>
+                        <a:rPr lang="en-US" b="1" dirty="0" smtClean="0"/>
+                        <a:t>CNN</a:t>
+                      </a:r>
+                      <a:endParaRPr lang="en-US" b="1" dirty="0"/>
+                    </a:p>
+                  </a:txBody>
+                  <a:tcPr vert="vert270" anchor="ctr">
+                    <a:lnL w="12700" cap="flat" cmpd="sng" algn="ctr">
+                      <a:solidFill>
+                        <a:schemeClr val="tx1"/>
+                      </a:solidFill>
+                      <a:prstDash val="solid"/>
+                      <a:round/>
+                      <a:headEnd type="none" w="med" len="med"/>
+                      <a:tailEnd type="none" w="med" len="med"/>
+                    </a:lnL>
+                    <a:lnR w="12700" cap="flat" cmpd="sng" algn="ctr">
+                      <a:solidFill>
+                        <a:schemeClr val="tx1"/>
+                      </a:solidFill>
+                      <a:prstDash val="solid"/>
+                      <a:round/>
+                      <a:headEnd type="none" w="med" len="med"/>
+                      <a:tailEnd type="none" w="med" len="med"/>
+                    </a:lnR>
+                    <a:lnT w="12700" cap="flat" cmpd="sng" algn="ctr">
+                      <a:solidFill>
+                        <a:schemeClr val="tx1"/>
+                      </a:solidFill>
+                      <a:prstDash val="solid"/>
+                      <a:round/>
+                      <a:headEnd type="none" w="med" len="med"/>
+                      <a:tailEnd type="none" w="med" len="med"/>
+                    </a:lnT>
+                    <a:lnB w="12700" cap="flat" cmpd="sng" algn="ctr">
+                      <a:solidFill>
+                        <a:schemeClr val="tx1"/>
+                      </a:solidFill>
+                      <a:prstDash val="solid"/>
+                      <a:round/>
+                      <a:headEnd type="none" w="med" len="med"/>
+                      <a:tailEnd type="none" w="med" len="med"/>
+                    </a:lnB>
+                    <a:solidFill>
+                      <a:schemeClr val="bg1">
+                        <a:lumMod val="85000"/>
+                      </a:schemeClr>
+                    </a:solidFill>
+                  </a:tcPr>
+                </a:tc>
+                <a:tc>
+                  <a:txBody>
+                    <a:bodyPr/>
+                    <a:lstStyle/>
+                    <a:p>
+                      <a:pPr algn="ctr"/>
+                      <a:r>
+                        <a:rPr lang="en-US" i="1" dirty="0" smtClean="0"/>
+                        <a:t>Present</a:t>
+                      </a:r>
+                      <a:endParaRPr lang="en-US" i="1" dirty="0"/>
+                    </a:p>
+                  </a:txBody>
+                  <a:tcPr anchor="ctr">
+                    <a:lnL w="12700" cap="flat" cmpd="sng" algn="ctr">
+                      <a:solidFill>
+                        <a:schemeClr val="tx1"/>
+                      </a:solidFill>
+                      <a:prstDash val="solid"/>
+                      <a:round/>
+                      <a:headEnd type="none" w="med" len="med"/>
+                      <a:tailEnd type="none" w="med" len="med"/>
+                    </a:lnL>
+                    <a:lnR w="12700" cap="flat" cmpd="sng" algn="ctr">
+                      <a:solidFill>
+                        <a:schemeClr val="tx1"/>
+                      </a:solidFill>
+                      <a:prstDash val="solid"/>
+                      <a:round/>
+                      <a:headEnd type="none" w="med" len="med"/>
+                      <a:tailEnd type="none" w="med" len="med"/>
+                    </a:lnR>
+                    <a:lnT w="12700" cap="flat" cmpd="sng" algn="ctr">
+                      <a:solidFill>
+                        <a:schemeClr val="tx1"/>
+                      </a:solidFill>
+                      <a:prstDash val="solid"/>
+                      <a:round/>
+                      <a:headEnd type="none" w="med" len="med"/>
+                      <a:tailEnd type="none" w="med" len="med"/>
+                    </a:lnT>
+                    <a:lnB w="12700" cap="flat" cmpd="sng" algn="ctr">
+                      <a:solidFill>
+                        <a:schemeClr val="tx1"/>
+                      </a:solidFill>
+                      <a:prstDash val="solid"/>
+                      <a:round/>
+                      <a:headEnd type="none" w="med" len="med"/>
+                      <a:tailEnd type="none" w="med" len="med"/>
+                    </a:lnB>
+                    <a:solidFill>
+                      <a:schemeClr val="accent1">
+                        <a:lumMod val="20000"/>
+                        <a:lumOff val="80000"/>
+                      </a:schemeClr>
+                    </a:solidFill>
+                  </a:tcPr>
+                </a:tc>
+                <a:tc>
+                  <a:txBody>
+                    <a:bodyPr/>
+                    <a:lstStyle/>
+                    <a:p>
+                      <a:pPr algn="ctr"/>
+                      <a:endParaRPr lang="en-US" dirty="0"/>
+                    </a:p>
+                  </a:txBody>
+                  <a:tcPr anchor="ctr">
+                    <a:lnL w="12700" cap="flat" cmpd="sng" algn="ctr">
+                      <a:solidFill>
+                        <a:schemeClr val="tx1"/>
+                      </a:solidFill>
+                      <a:prstDash val="solid"/>
+                      <a:round/>
+                      <a:headEnd type="none" w="med" len="med"/>
+                      <a:tailEnd type="none" w="med" len="med"/>
+                    </a:lnL>
+                    <a:lnT w="12700" cap="flat" cmpd="sng" algn="ctr">
+                      <a:solidFill>
+                        <a:schemeClr val="tx1"/>
+                      </a:solidFill>
+                      <a:prstDash val="solid"/>
+                      <a:round/>
+                      <a:headEnd type="none" w="med" len="med"/>
+                      <a:tailEnd type="none" w="med" len="med"/>
+                    </a:lnT>
+                  </a:tcPr>
+                </a:tc>
+                <a:tc>
+                  <a:txBody>
+                    <a:bodyPr/>
+                    <a:lstStyle/>
+                    <a:p>
+                      <a:pPr algn="ctr"/>
+                      <a:endParaRPr lang="en-US" dirty="0"/>
+                    </a:p>
+                  </a:txBody>
+                  <a:tcPr anchor="ctr"/>
+                </a:tc>
+                <a:extLst>
+                  <a:ext uri="{0D108BD9-81ED-4DB2-BD59-A6C34878D82A}">
+                    <a16:rowId xmlns:a16="http://schemas.microsoft.com/office/drawing/2014/main" val="1179156886"/>
+                  </a:ext>
+                </a:extLst>
+              </a:tr>
+              <a:tr h="251460">
+                <a:tc vMerge="1">
+                  <a:txBody>
+                    <a:bodyPr/>
+                    <a:lstStyle/>
+                    <a:p>
+                      <a:endParaRPr lang="en-US" dirty="0"/>
+                    </a:p>
+                  </a:txBody>
+                  <a:tcPr>
+                    <a:lnL w="12700" cap="flat" cmpd="sng" algn="ctr">
+                      <a:solidFill>
+                        <a:schemeClr val="tx1"/>
+                      </a:solidFill>
+                      <a:prstDash val="solid"/>
+                      <a:round/>
+                      <a:headEnd type="none" w="med" len="med"/>
+                      <a:tailEnd type="none" w="med" len="med"/>
+                    </a:lnL>
+                    <a:lnR w="12700" cap="flat" cmpd="sng" algn="ctr">
+                      <a:solidFill>
+                        <a:schemeClr val="tx1"/>
+                      </a:solidFill>
+                      <a:prstDash val="solid"/>
+                      <a:round/>
+                      <a:headEnd type="none" w="med" len="med"/>
+                      <a:tailEnd type="none" w="med" len="med"/>
+                    </a:lnR>
+                    <a:lnT w="12700" cap="flat" cmpd="sng" algn="ctr">
+                      <a:solidFill>
+                        <a:schemeClr val="tx1"/>
+                      </a:solidFill>
+                      <a:prstDash val="solid"/>
+                      <a:round/>
+                      <a:headEnd type="none" w="med" len="med"/>
+                      <a:tailEnd type="none" w="med" len="med"/>
+                    </a:lnT>
+                    <a:lnB w="12700" cap="flat" cmpd="sng" algn="ctr">
+                      <a:solidFill>
+                        <a:schemeClr val="tx1"/>
+                      </a:solidFill>
+                      <a:prstDash val="solid"/>
+                      <a:round/>
+                      <a:headEnd type="none" w="med" len="med"/>
+                      <a:tailEnd type="none" w="med" len="med"/>
+                    </a:lnB>
+                  </a:tcPr>
+                </a:tc>
+                <a:tc>
+                  <a:txBody>
+                    <a:bodyPr/>
+                    <a:lstStyle/>
+                    <a:p>
+                      <a:pPr algn="ctr"/>
+                      <a:r>
+                        <a:rPr lang="en-US" i="1" dirty="0" smtClean="0"/>
+                        <a:t>Absent</a:t>
+                      </a:r>
+                      <a:endParaRPr lang="en-US" i="1" dirty="0"/>
+                    </a:p>
+                  </a:txBody>
+                  <a:tcPr anchor="ctr">
+                    <a:lnL w="12700" cap="flat" cmpd="sng" algn="ctr">
+                      <a:solidFill>
+                        <a:schemeClr val="tx1"/>
+                      </a:solidFill>
+                      <a:prstDash val="solid"/>
+                      <a:round/>
+                      <a:headEnd type="none" w="med" len="med"/>
+                      <a:tailEnd type="none" w="med" len="med"/>
+                    </a:lnL>
+                    <a:lnR w="12700" cap="flat" cmpd="sng" algn="ctr">
+                      <a:solidFill>
+                        <a:schemeClr val="tx1"/>
+                      </a:solidFill>
+                      <a:prstDash val="solid"/>
+                      <a:round/>
+                      <a:headEnd type="none" w="med" len="med"/>
+                      <a:tailEnd type="none" w="med" len="med"/>
+                    </a:lnR>
+                    <a:lnT w="12700" cap="flat" cmpd="sng" algn="ctr">
+                      <a:solidFill>
+                        <a:schemeClr val="tx1"/>
+                      </a:solidFill>
+                      <a:prstDash val="solid"/>
+                      <a:round/>
+                      <a:headEnd type="none" w="med" len="med"/>
+                      <a:tailEnd type="none" w="med" len="med"/>
+                    </a:lnT>
+                    <a:lnB w="12700" cap="flat" cmpd="sng" algn="ctr">
+                      <a:solidFill>
+                        <a:schemeClr val="tx1"/>
+                      </a:solidFill>
+                      <a:prstDash val="solid"/>
+                      <a:round/>
+                      <a:headEnd type="none" w="med" len="med"/>
+                      <a:tailEnd type="none" w="med" len="med"/>
+                    </a:lnB>
+                    <a:solidFill>
+                      <a:schemeClr val="accent1">
+                        <a:lumMod val="20000"/>
+                        <a:lumOff val="80000"/>
+                      </a:schemeClr>
+                    </a:solidFill>
+                  </a:tcPr>
+                </a:tc>
+                <a:tc>
+                  <a:txBody>
+                    <a:bodyPr/>
+                    <a:lstStyle/>
+                    <a:p>
+                      <a:pPr algn="ctr"/>
+                      <a:endParaRPr lang="en-US" dirty="0"/>
+                    </a:p>
+                  </a:txBody>
+                  <a:tcPr anchor="ctr">
+                    <a:lnL w="12700" cap="flat" cmpd="sng" algn="ctr">
+                      <a:solidFill>
+                        <a:schemeClr val="tx1"/>
+                      </a:solidFill>
+                      <a:prstDash val="solid"/>
+                      <a:round/>
+                      <a:headEnd type="none" w="med" len="med"/>
+                      <a:tailEnd type="none" w="med" len="med"/>
+                    </a:lnL>
+                  </a:tcPr>
+                </a:tc>
+                <a:tc>
+                  <a:txBody>
+                    <a:bodyPr/>
+                    <a:lstStyle/>
+                    <a:p>
+                      <a:pPr algn="ctr"/>
+                      <a:endParaRPr lang="en-US" dirty="0"/>
+                    </a:p>
+                  </a:txBody>
+                  <a:tcPr anchor="ctr"/>
+                </a:tc>
+                <a:extLst>
+                  <a:ext uri="{0D108BD9-81ED-4DB2-BD59-A6C34878D82A}">
+                    <a16:rowId xmlns:a16="http://schemas.microsoft.com/office/drawing/2014/main" val="3905944780"/>
+                  </a:ext>
+                </a:extLst>
+              </a:tr>
+            </a:tbl>
+          </a:graphicData>
+        </a:graphic>
+      </p:graphicFrame>
+    </p:spTree>
+    <p:extLst>
+      <p:ext uri="{BB962C8B-B14F-4D97-AF65-F5344CB8AC3E}">
+        <p14:creationId xmlns:p14="http://schemas.microsoft.com/office/powerpoint/2010/main" val="2028528662"/>
+      </p:ext>
+    </p:extLst>
+  </p:cSld>
+  <p:clrMapOvr>
+    <a:masterClrMapping/>
+  </p:clrMapOvr>
+  <mc:AlternateContent xmlns:mc="http://schemas.openxmlformats.org/markup-compatibility/2006" xmlns:p14="http://schemas.microsoft.com/office/powerpoint/2010/main">
+    <mc:Choice Requires="p14">
+      <p:transition spd="med" p14:dur="700">
+        <p:fade/>
+      </p:transition>
+    </mc:Choice>
+    <mc:Fallback xmlns="">
+      <p:transition spd="med">
+        <p:fade/>
+      </p:transition>
+    </mc:Fallback>
+  </mc:AlternateContent>
+  <p:timing>
+    <p:tnLst>
+      <p:par>
+        <p:cTn id="1" dur="indefinite" restart="never" nodeType="tmRoot"/>
+      </p:par>
+    </p:tnLst>
+  </p:timing>
+</p:sld>
+</file>
+
+<file path=ppt/slides/slide6.xml><?xml version="1.0" encoding="utf-8"?>
+<p:sld xmlns:a="http://schemas.openxmlformats.org/drawingml/2006/main" xmlns:r="http://schemas.openxmlformats.org/officeDocument/2006/relationships" xmlns:p="http://schemas.openxmlformats.org/presentationml/2006/main">
+  <p:cSld>
+    <p:spTree>
+      <p:nvGrpSpPr>
+        <p:cNvPr id="1" name=""/>
+        <p:cNvGrpSpPr/>
+        <p:nvPr/>
+      </p:nvGrpSpPr>
+      <p:grpSpPr>
+        <a:xfrm>
+          <a:off x="0" y="0"/>
+          <a:ext cx="0" cy="0"/>
+          <a:chOff x="0" y="0"/>
+          <a:chExt cx="0" cy="0"/>
+        </a:xfrm>
+      </p:grpSpPr>
+      <p:grpSp>
+        <p:nvGrpSpPr>
+          <p:cNvPr id="2" name="Group 1"/>
+          <p:cNvGrpSpPr/>
+          <p:nvPr/>
+        </p:nvGrpSpPr>
+        <p:grpSpPr>
+          <a:xfrm>
+            <a:off x="372063" y="879764"/>
+            <a:ext cx="4731726" cy="3467100"/>
+            <a:chOff x="372063" y="879764"/>
+            <a:chExt cx="4731726" cy="3467100"/>
+          </a:xfrm>
+        </p:grpSpPr>
+        <p:pic>
+          <p:nvPicPr>
+            <p:cNvPr id="4" name="Picture 3"/>
+            <p:cNvPicPr>
+              <a:picLocks noChangeAspect="1"/>
+            </p:cNvPicPr>
+            <p:nvPr/>
+          </p:nvPicPr>
+          <p:blipFill>
+            <a:blip r:embed="rId3">
+              <a:extLst>
+                <a:ext uri="{28A0092B-C50C-407E-A947-70E740481C1C}">
+                  <a14:useLocalDpi xmlns:a14="http://schemas.microsoft.com/office/drawing/2010/main" val="0"/>
+                </a:ext>
+              </a:extLst>
+            </a:blip>
+            <a:stretch>
+              <a:fillRect/>
+            </a:stretch>
+          </p:blipFill>
+          <p:spPr>
+            <a:xfrm>
+              <a:off x="372063" y="879764"/>
+              <a:ext cx="933450" cy="3467100"/>
+            </a:xfrm>
+            <a:prstGeom prst="rect">
+              <a:avLst/>
+            </a:prstGeom>
+          </p:spPr>
+        </p:pic>
+        <p:pic>
+          <p:nvPicPr>
+            <p:cNvPr id="5" name="Picture 4"/>
+            <p:cNvPicPr>
+              <a:picLocks noChangeAspect="1"/>
+            </p:cNvPicPr>
+            <p:nvPr/>
+          </p:nvPicPr>
+          <p:blipFill>
+            <a:blip r:embed="rId4">
+              <a:extLst>
+                <a:ext uri="{28A0092B-C50C-407E-A947-70E740481C1C}">
+                  <a14:useLocalDpi xmlns:a14="http://schemas.microsoft.com/office/drawing/2010/main" val="0"/>
+                </a:ext>
+              </a:extLst>
+            </a:blip>
+            <a:stretch>
+              <a:fillRect/>
+            </a:stretch>
+          </p:blipFill>
+          <p:spPr>
+            <a:xfrm>
+              <a:off x="1638155" y="879764"/>
+              <a:ext cx="933450" cy="3467100"/>
+            </a:xfrm>
+            <a:prstGeom prst="rect">
+              <a:avLst/>
+            </a:prstGeom>
+          </p:spPr>
+        </p:pic>
+        <p:pic>
+          <p:nvPicPr>
+            <p:cNvPr id="6" name="Picture 5"/>
+            <p:cNvPicPr>
+              <a:picLocks noChangeAspect="1"/>
+            </p:cNvPicPr>
+            <p:nvPr/>
+          </p:nvPicPr>
+          <p:blipFill>
+            <a:blip r:embed="rId5">
+              <a:extLst>
+                <a:ext uri="{28A0092B-C50C-407E-A947-70E740481C1C}">
+                  <a14:useLocalDpi xmlns:a14="http://schemas.microsoft.com/office/drawing/2010/main" val="0"/>
+                </a:ext>
+              </a:extLst>
+            </a:blip>
+            <a:stretch>
+              <a:fillRect/>
+            </a:stretch>
+          </p:blipFill>
+          <p:spPr>
+            <a:xfrm>
+              <a:off x="4170339" y="879764"/>
+              <a:ext cx="933450" cy="3467100"/>
+            </a:xfrm>
+            <a:prstGeom prst="rect">
+              <a:avLst/>
+            </a:prstGeom>
+          </p:spPr>
+        </p:pic>
+        <p:pic>
+          <p:nvPicPr>
+            <p:cNvPr id="7" name="Picture 6"/>
+            <p:cNvPicPr>
+              <a:picLocks noChangeAspect="1"/>
+            </p:cNvPicPr>
+            <p:nvPr/>
+          </p:nvPicPr>
+          <p:blipFill>
+            <a:blip r:embed="rId6">
+              <a:extLst>
+                <a:ext uri="{28A0092B-C50C-407E-A947-70E740481C1C}">
+                  <a14:useLocalDpi xmlns:a14="http://schemas.microsoft.com/office/drawing/2010/main" val="0"/>
+                </a:ext>
+              </a:extLst>
+            </a:blip>
+            <a:stretch>
+              <a:fillRect/>
+            </a:stretch>
+          </p:blipFill>
+          <p:spPr>
+            <a:xfrm>
+              <a:off x="2904247" y="879764"/>
+              <a:ext cx="933450" cy="3467100"/>
+            </a:xfrm>
+            <a:prstGeom prst="rect">
+              <a:avLst/>
+            </a:prstGeom>
+          </p:spPr>
+        </p:pic>
+      </p:grpSp>
+      <p:graphicFrame>
+        <p:nvGraphicFramePr>
+          <p:cNvPr id="9" name="Table 8"/>
+          <p:cNvGraphicFramePr>
+            <a:graphicFrameLocks noGrp="1"/>
+          </p:cNvGraphicFramePr>
+          <p:nvPr>
+            <p:extLst>
+              <p:ext uri="{D42A27DB-BD31-4B8C-83A1-F6EECF244321}">
+                <p14:modId xmlns:p14="http://schemas.microsoft.com/office/powerpoint/2010/main" val="3796045918"/>
+              </p:ext>
+            </p:extLst>
+          </p:nvPr>
+        </p:nvGraphicFramePr>
+        <p:xfrm>
+          <a:off x="5436431" y="1691689"/>
+          <a:ext cx="3494736" cy="1188720"/>
+        </p:xfrm>
+        <a:graphic>
+          <a:graphicData uri="http://schemas.openxmlformats.org/drawingml/2006/table">
+            <a:tbl>
+              <a:tblPr firstRow="1" bandRow="1">
+                <a:tableStyleId>{5940675A-B579-460E-94D1-54222C63F5DA}</a:tableStyleId>
+              </a:tblPr>
+              <a:tblGrid>
+                <a:gridCol w="345391">
+                  <a:extLst>
+                    <a:ext uri="{9D8B030D-6E8A-4147-A177-3AD203B41FA5}">
+                      <a16:colId xmlns:a16="http://schemas.microsoft.com/office/drawing/2014/main" val="3032360685"/>
+                    </a:ext>
+                  </a:extLst>
+                </a:gridCol>
+                <a:gridCol w="773723">
+                  <a:extLst>
+                    <a:ext uri="{9D8B030D-6E8A-4147-A177-3AD203B41FA5}">
+                      <a16:colId xmlns:a16="http://schemas.microsoft.com/office/drawing/2014/main" val="561771842"/>
+                    </a:ext>
+                  </a:extLst>
+                </a:gridCol>
+                <a:gridCol w="1181686">
+                  <a:extLst>
+                    <a:ext uri="{9D8B030D-6E8A-4147-A177-3AD203B41FA5}">
+                      <a16:colId xmlns:a16="http://schemas.microsoft.com/office/drawing/2014/main" val="4221639305"/>
+                    </a:ext>
+                  </a:extLst>
+                </a:gridCol>
+                <a:gridCol w="1193936">
+                  <a:extLst>
+                    <a:ext uri="{9D8B030D-6E8A-4147-A177-3AD203B41FA5}">
+                      <a16:colId xmlns:a16="http://schemas.microsoft.com/office/drawing/2014/main" val="2446018502"/>
+                    </a:ext>
+                  </a:extLst>
+                </a:gridCol>
+              </a:tblGrid>
+              <a:tr h="251460">
+                <a:tc rowSpan="2" gridSpan="2">
+                  <a:txBody>
+                    <a:bodyPr/>
+                    <a:lstStyle/>
+                    <a:p>
+                      <a:pPr algn="ctr"/>
+                      <a:endParaRPr lang="en-US" dirty="0"/>
+                    </a:p>
+                  </a:txBody>
+                  <a:tcPr anchor="ctr">
+                    <a:lnL w="12700" cmpd="sng">
+                      <a:noFill/>
+                    </a:lnL>
+                    <a:lnR w="12700" cap="flat" cmpd="sng" algn="ctr">
+                      <a:solidFill>
+                        <a:schemeClr val="tx1"/>
+                      </a:solidFill>
+                      <a:prstDash val="solid"/>
+                      <a:round/>
+                      <a:headEnd type="none" w="med" len="med"/>
+                      <a:tailEnd type="none" w="med" len="med"/>
+                    </a:lnR>
+                    <a:lnT w="12700" cmpd="sng">
+                      <a:noFill/>
+                    </a:lnT>
+                    <a:lnB w="12700" cap="flat" cmpd="sng" algn="ctr">
+                      <a:solidFill>
+                        <a:schemeClr val="tx1"/>
+                      </a:solidFill>
+                      <a:prstDash val="solid"/>
+                      <a:round/>
+                      <a:headEnd type="none" w="med" len="med"/>
+                      <a:tailEnd type="none" w="med" len="med"/>
+                    </a:lnB>
+                    <a:lnTlToBr w="12700" cmpd="sng">
+                      <a:noFill/>
+                      <a:prstDash val="solid"/>
+                    </a:lnTlToBr>
+                    <a:lnBlToTr w="12700" cmpd="sng">
+                      <a:noFill/>
+                      <a:prstDash val="solid"/>
+                    </a:lnBlToTr>
+                    <a:noFill/>
+                  </a:tcPr>
+                </a:tc>
+                <a:tc rowSpan="2" hMerge="1">
+                  <a:txBody>
+                    <a:bodyPr/>
+                    <a:lstStyle/>
+                    <a:p>
+                      <a:endParaRPr lang="en-US"/>
+                    </a:p>
+                  </a:txBody>
+                  <a:tcPr/>
+                </a:tc>
+                <a:tc gridSpan="2">
+                  <a:txBody>
+                    <a:bodyPr/>
+                    <a:lstStyle/>
+                    <a:p>
+                      <a:pPr algn="ctr"/>
+                      <a:r>
+                        <a:rPr lang="en-US" b="1" strike="noStrike" dirty="0" smtClean="0"/>
+                        <a:t>Ground Truth</a:t>
+                      </a:r>
+                      <a:endParaRPr lang="en-US" b="1" strike="noStrike" dirty="0"/>
+                    </a:p>
+                  </a:txBody>
+                  <a:tcPr anchor="ctr">
+                    <a:lnL w="12700" cap="flat" cmpd="sng" algn="ctr">
+                      <a:solidFill>
+                        <a:schemeClr val="tx1"/>
+                      </a:solidFill>
+                      <a:prstDash val="solid"/>
+                      <a:round/>
+                      <a:headEnd type="none" w="med" len="med"/>
+                      <a:tailEnd type="none" w="med" len="med"/>
+                    </a:lnL>
+                    <a:lnR w="12700" cap="flat" cmpd="sng" algn="ctr">
+                      <a:solidFill>
+                        <a:schemeClr val="tx1"/>
+                      </a:solidFill>
+                      <a:prstDash val="solid"/>
+                      <a:round/>
+                      <a:headEnd type="none" w="med" len="med"/>
+                      <a:tailEnd type="none" w="med" len="med"/>
+                    </a:lnR>
+                    <a:lnT w="12700" cap="flat" cmpd="sng" algn="ctr">
+                      <a:solidFill>
+                        <a:schemeClr val="tx1"/>
+                      </a:solidFill>
+                      <a:prstDash val="solid"/>
+                      <a:round/>
+                      <a:headEnd type="none" w="med" len="med"/>
+                      <a:tailEnd type="none" w="med" len="med"/>
+                    </a:lnT>
+                    <a:lnB w="12700" cap="flat" cmpd="sng" algn="ctr">
+                      <a:solidFill>
+                        <a:schemeClr val="tx1"/>
+                      </a:solidFill>
+                      <a:prstDash val="solid"/>
+                      <a:round/>
+                      <a:headEnd type="none" w="med" len="med"/>
+                      <a:tailEnd type="none" w="med" len="med"/>
+                    </a:lnB>
+                    <a:lnTlToBr w="12700" cmpd="sng">
+                      <a:noFill/>
+                      <a:prstDash val="solid"/>
+                    </a:lnTlToBr>
+                    <a:lnBlToTr w="12700" cmpd="sng">
+                      <a:noFill/>
+                      <a:prstDash val="solid"/>
+                    </a:lnBlToTr>
+                    <a:solidFill>
+                      <a:schemeClr val="bg1">
+                        <a:lumMod val="75000"/>
+                      </a:schemeClr>
+                    </a:solidFill>
+                  </a:tcPr>
+                </a:tc>
+                <a:tc hMerge="1">
+                  <a:txBody>
+                    <a:bodyPr/>
+                    <a:lstStyle/>
+                    <a:p>
+                      <a:endParaRPr lang="en-US" strike="sngStrike" dirty="0"/>
+                    </a:p>
+                  </a:txBody>
+                  <a:tcPr/>
+                </a:tc>
+                <a:extLst>
+                  <a:ext uri="{0D108BD9-81ED-4DB2-BD59-A6C34878D82A}">
+                    <a16:rowId xmlns:a16="http://schemas.microsoft.com/office/drawing/2014/main" val="2615527093"/>
+                  </a:ext>
+                </a:extLst>
+              </a:tr>
+              <a:tr h="251460">
+                <a:tc gridSpan="2" vMerge="1">
+                  <a:txBody>
+                    <a:bodyPr/>
+                    <a:lstStyle/>
+                    <a:p>
+                      <a:endParaRPr lang="en-US"/>
+                    </a:p>
+                  </a:txBody>
+                  <a:tcPr/>
+                </a:tc>
+                <a:tc hMerge="1" vMerge="1">
+                  <a:txBody>
+                    <a:bodyPr/>
+                    <a:lstStyle/>
+                    <a:p>
+                      <a:endParaRPr lang="en-US" dirty="0"/>
+                    </a:p>
+                  </a:txBody>
+                  <a:tcPr/>
+                </a:tc>
+                <a:tc>
+                  <a:txBody>
+                    <a:bodyPr/>
+                    <a:lstStyle/>
+                    <a:p>
+                      <a:pPr algn="ctr"/>
+                      <a:r>
+                        <a:rPr lang="en-US" i="1" dirty="0" smtClean="0"/>
+                        <a:t>Present</a:t>
+                      </a:r>
+                      <a:endParaRPr lang="en-US" i="1" dirty="0"/>
+                    </a:p>
+                  </a:txBody>
+                  <a:tcPr anchor="ctr">
+                    <a:lnL w="12700" cap="flat" cmpd="sng" algn="ctr">
+                      <a:solidFill>
+                        <a:schemeClr val="tx1"/>
+                      </a:solidFill>
+                      <a:prstDash val="solid"/>
+                      <a:round/>
+                      <a:headEnd type="none" w="med" len="med"/>
+                      <a:tailEnd type="none" w="med" len="med"/>
+                    </a:lnL>
+                    <a:lnR w="12700" cap="flat" cmpd="sng" algn="ctr">
+                      <a:solidFill>
+                        <a:schemeClr val="tx1"/>
+                      </a:solidFill>
+                      <a:prstDash val="solid"/>
+                      <a:round/>
+                      <a:headEnd type="none" w="med" len="med"/>
+                      <a:tailEnd type="none" w="med" len="med"/>
+                    </a:lnR>
+                    <a:lnT w="12700" cap="flat" cmpd="sng" algn="ctr">
+                      <a:solidFill>
+                        <a:schemeClr val="tx1"/>
+                      </a:solidFill>
+                      <a:prstDash val="solid"/>
+                      <a:round/>
+                      <a:headEnd type="none" w="med" len="med"/>
+                      <a:tailEnd type="none" w="med" len="med"/>
+                    </a:lnT>
+                    <a:lnB w="12700" cap="flat" cmpd="sng" algn="ctr">
+                      <a:solidFill>
+                        <a:schemeClr val="tx1"/>
+                      </a:solidFill>
+                      <a:prstDash val="solid"/>
+                      <a:round/>
+                      <a:headEnd type="none" w="med" len="med"/>
+                      <a:tailEnd type="none" w="med" len="med"/>
+                    </a:lnB>
+                    <a:lnTlToBr w="12700" cmpd="sng">
+                      <a:noFill/>
+                      <a:prstDash val="solid"/>
+                    </a:lnTlToBr>
+                    <a:lnBlToTr w="12700" cmpd="sng">
+                      <a:noFill/>
+                      <a:prstDash val="solid"/>
+                    </a:lnBlToTr>
+                    <a:solidFill>
+                      <a:schemeClr val="accent1">
+                        <a:lumMod val="20000"/>
+                        <a:lumOff val="80000"/>
+                      </a:schemeClr>
+                    </a:solidFill>
+                  </a:tcPr>
+                </a:tc>
+                <a:tc>
+                  <a:txBody>
+                    <a:bodyPr/>
+                    <a:lstStyle/>
+                    <a:p>
+                      <a:pPr algn="ctr"/>
+                      <a:r>
+                        <a:rPr lang="en-US" i="1" dirty="0" smtClean="0"/>
+                        <a:t>Absent</a:t>
+                      </a:r>
+                      <a:endParaRPr lang="en-US" i="1" dirty="0"/>
+                    </a:p>
+                  </a:txBody>
+                  <a:tcPr anchor="ctr">
+                    <a:lnL w="12700" cap="flat" cmpd="sng" algn="ctr">
+                      <a:solidFill>
+                        <a:schemeClr val="tx1"/>
+                      </a:solidFill>
+                      <a:prstDash val="solid"/>
+                      <a:round/>
+                      <a:headEnd type="none" w="med" len="med"/>
+                      <a:tailEnd type="none" w="med" len="med"/>
+                    </a:lnL>
+                    <a:lnT w="12700" cap="flat" cmpd="sng" algn="ctr">
+                      <a:solidFill>
+                        <a:schemeClr val="tx1"/>
+                      </a:solidFill>
+                      <a:prstDash val="solid"/>
+                      <a:round/>
+                      <a:headEnd type="none" w="med" len="med"/>
+                      <a:tailEnd type="none" w="med" len="med"/>
+                    </a:lnT>
+                    <a:solidFill>
+                      <a:schemeClr val="accent1">
+                        <a:lumMod val="20000"/>
+                        <a:lumOff val="80000"/>
+                      </a:schemeClr>
+                    </a:solidFill>
+                  </a:tcPr>
+                </a:tc>
+                <a:extLst>
+                  <a:ext uri="{0D108BD9-81ED-4DB2-BD59-A6C34878D82A}">
+                    <a16:rowId xmlns:a16="http://schemas.microsoft.com/office/drawing/2014/main" val="1542966377"/>
+                  </a:ext>
+                </a:extLst>
+              </a:tr>
+              <a:tr h="251460">
+                <a:tc rowSpan="2">
+                  <a:txBody>
+                    <a:bodyPr/>
+                    <a:lstStyle/>
+                    <a:p>
+                      <a:pPr algn="ctr"/>
+                      <a:r>
+                        <a:rPr lang="en-US" b="1" dirty="0" smtClean="0"/>
+                        <a:t>CNN</a:t>
+                      </a:r>
+                      <a:endParaRPr lang="en-US" b="1" dirty="0"/>
+                    </a:p>
+                  </a:txBody>
+                  <a:tcPr vert="vert270" anchor="ctr">
+                    <a:lnL w="12700" cap="flat" cmpd="sng" algn="ctr">
+                      <a:solidFill>
+                        <a:schemeClr val="tx1"/>
+                      </a:solidFill>
+                      <a:prstDash val="solid"/>
+                      <a:round/>
+                      <a:headEnd type="none" w="med" len="med"/>
+                      <a:tailEnd type="none" w="med" len="med"/>
+                    </a:lnL>
+                    <a:lnR w="12700" cap="flat" cmpd="sng" algn="ctr">
+                      <a:solidFill>
+                        <a:schemeClr val="tx1"/>
+                      </a:solidFill>
+                      <a:prstDash val="solid"/>
+                      <a:round/>
+                      <a:headEnd type="none" w="med" len="med"/>
+                      <a:tailEnd type="none" w="med" len="med"/>
+                    </a:lnR>
+                    <a:lnT w="12700" cap="flat" cmpd="sng" algn="ctr">
+                      <a:solidFill>
+                        <a:schemeClr val="tx1"/>
+                      </a:solidFill>
+                      <a:prstDash val="solid"/>
+                      <a:round/>
+                      <a:headEnd type="none" w="med" len="med"/>
+                      <a:tailEnd type="none" w="med" len="med"/>
+                    </a:lnT>
+                    <a:lnB w="12700" cap="flat" cmpd="sng" algn="ctr">
+                      <a:solidFill>
+                        <a:schemeClr val="tx1"/>
+                      </a:solidFill>
+                      <a:prstDash val="solid"/>
+                      <a:round/>
+                      <a:headEnd type="none" w="med" len="med"/>
+                      <a:tailEnd type="none" w="med" len="med"/>
+                    </a:lnB>
+                    <a:solidFill>
+                      <a:schemeClr val="bg1">
+                        <a:lumMod val="85000"/>
+                      </a:schemeClr>
+                    </a:solidFill>
+                  </a:tcPr>
+                </a:tc>
+                <a:tc>
+                  <a:txBody>
+                    <a:bodyPr/>
+                    <a:lstStyle/>
+                    <a:p>
+                      <a:pPr algn="ctr"/>
+                      <a:r>
+                        <a:rPr lang="en-US" i="1" dirty="0" smtClean="0"/>
+                        <a:t>Present</a:t>
+                      </a:r>
+                      <a:endParaRPr lang="en-US" i="1" dirty="0"/>
+                    </a:p>
+                  </a:txBody>
+                  <a:tcPr anchor="ctr">
+                    <a:lnL w="12700" cap="flat" cmpd="sng" algn="ctr">
+                      <a:solidFill>
+                        <a:schemeClr val="tx1"/>
+                      </a:solidFill>
+                      <a:prstDash val="solid"/>
+                      <a:round/>
+                      <a:headEnd type="none" w="med" len="med"/>
+                      <a:tailEnd type="none" w="med" len="med"/>
+                    </a:lnL>
+                    <a:lnR w="12700" cap="flat" cmpd="sng" algn="ctr">
+                      <a:solidFill>
+                        <a:schemeClr val="tx1"/>
+                      </a:solidFill>
+                      <a:prstDash val="solid"/>
+                      <a:round/>
+                      <a:headEnd type="none" w="med" len="med"/>
+                      <a:tailEnd type="none" w="med" len="med"/>
+                    </a:lnR>
+                    <a:lnT w="12700" cap="flat" cmpd="sng" algn="ctr">
+                      <a:solidFill>
+                        <a:schemeClr val="tx1"/>
+                      </a:solidFill>
+                      <a:prstDash val="solid"/>
+                      <a:round/>
+                      <a:headEnd type="none" w="med" len="med"/>
+                      <a:tailEnd type="none" w="med" len="med"/>
+                    </a:lnT>
+                    <a:lnB w="12700" cap="flat" cmpd="sng" algn="ctr">
+                      <a:solidFill>
+                        <a:schemeClr val="tx1"/>
+                      </a:solidFill>
+                      <a:prstDash val="solid"/>
+                      <a:round/>
+                      <a:headEnd type="none" w="med" len="med"/>
+                      <a:tailEnd type="none" w="med" len="med"/>
+                    </a:lnB>
+                    <a:solidFill>
+                      <a:schemeClr val="accent1">
+                        <a:lumMod val="20000"/>
+                        <a:lumOff val="80000"/>
+                      </a:schemeClr>
+                    </a:solidFill>
+                  </a:tcPr>
+                </a:tc>
+                <a:tc>
+                  <a:txBody>
+                    <a:bodyPr/>
+                    <a:lstStyle/>
+                    <a:p>
+                      <a:pPr algn="ctr"/>
+                      <a:endParaRPr lang="en-US" dirty="0"/>
+                    </a:p>
+                  </a:txBody>
+                  <a:tcPr anchor="ctr">
+                    <a:lnL w="12700" cap="flat" cmpd="sng" algn="ctr">
+                      <a:solidFill>
+                        <a:schemeClr val="tx1"/>
+                      </a:solidFill>
+                      <a:prstDash val="solid"/>
+                      <a:round/>
+                      <a:headEnd type="none" w="med" len="med"/>
+                      <a:tailEnd type="none" w="med" len="med"/>
+                    </a:lnL>
+                    <a:lnT w="12700" cap="flat" cmpd="sng" algn="ctr">
+                      <a:solidFill>
+                        <a:schemeClr val="tx1"/>
+                      </a:solidFill>
+                      <a:prstDash val="solid"/>
+                      <a:round/>
+                      <a:headEnd type="none" w="med" len="med"/>
+                      <a:tailEnd type="none" w="med" len="med"/>
+                    </a:lnT>
+                  </a:tcPr>
+                </a:tc>
+                <a:tc>
+                  <a:txBody>
+                    <a:bodyPr/>
+                    <a:lstStyle/>
+                    <a:p>
+                      <a:pPr algn="ctr"/>
+                      <a:endParaRPr lang="en-US" dirty="0"/>
+                    </a:p>
+                  </a:txBody>
+                  <a:tcPr anchor="ctr"/>
+                </a:tc>
+                <a:extLst>
+                  <a:ext uri="{0D108BD9-81ED-4DB2-BD59-A6C34878D82A}">
+                    <a16:rowId xmlns:a16="http://schemas.microsoft.com/office/drawing/2014/main" val="1179156886"/>
+                  </a:ext>
+                </a:extLst>
+              </a:tr>
+              <a:tr h="251460">
+                <a:tc vMerge="1">
+                  <a:txBody>
+                    <a:bodyPr/>
+                    <a:lstStyle/>
+                    <a:p>
+                      <a:endParaRPr lang="en-US" dirty="0"/>
+                    </a:p>
+                  </a:txBody>
+                  <a:tcPr>
+                    <a:lnL w="12700" cap="flat" cmpd="sng" algn="ctr">
+                      <a:solidFill>
+                        <a:schemeClr val="tx1"/>
+                      </a:solidFill>
+                      <a:prstDash val="solid"/>
+                      <a:round/>
+                      <a:headEnd type="none" w="med" len="med"/>
+                      <a:tailEnd type="none" w="med" len="med"/>
+                    </a:lnL>
+                    <a:lnR w="12700" cap="flat" cmpd="sng" algn="ctr">
+                      <a:solidFill>
+                        <a:schemeClr val="tx1"/>
+                      </a:solidFill>
+                      <a:prstDash val="solid"/>
+                      <a:round/>
+                      <a:headEnd type="none" w="med" len="med"/>
+                      <a:tailEnd type="none" w="med" len="med"/>
+                    </a:lnR>
+                    <a:lnT w="12700" cap="flat" cmpd="sng" algn="ctr">
+                      <a:solidFill>
+                        <a:schemeClr val="tx1"/>
+                      </a:solidFill>
+                      <a:prstDash val="solid"/>
+                      <a:round/>
+                      <a:headEnd type="none" w="med" len="med"/>
+                      <a:tailEnd type="none" w="med" len="med"/>
+                    </a:lnT>
+                    <a:lnB w="12700" cap="flat" cmpd="sng" algn="ctr">
+                      <a:solidFill>
+                        <a:schemeClr val="tx1"/>
+                      </a:solidFill>
+                      <a:prstDash val="solid"/>
+                      <a:round/>
+                      <a:headEnd type="none" w="med" len="med"/>
+                      <a:tailEnd type="none" w="med" len="med"/>
+                    </a:lnB>
+                  </a:tcPr>
+                </a:tc>
+                <a:tc>
+                  <a:txBody>
+                    <a:bodyPr/>
+                    <a:lstStyle/>
+                    <a:p>
+                      <a:pPr algn="ctr"/>
+                      <a:r>
+                        <a:rPr lang="en-US" i="1" dirty="0" smtClean="0"/>
+                        <a:t>Absent</a:t>
+                      </a:r>
+                      <a:endParaRPr lang="en-US" i="1" dirty="0"/>
+                    </a:p>
+                  </a:txBody>
+                  <a:tcPr anchor="ctr">
+                    <a:lnL w="12700" cap="flat" cmpd="sng" algn="ctr">
+                      <a:solidFill>
+                        <a:schemeClr val="tx1"/>
+                      </a:solidFill>
+                      <a:prstDash val="solid"/>
+                      <a:round/>
+                      <a:headEnd type="none" w="med" len="med"/>
+                      <a:tailEnd type="none" w="med" len="med"/>
+                    </a:lnL>
+                    <a:lnR w="12700" cap="flat" cmpd="sng" algn="ctr">
+                      <a:solidFill>
+                        <a:schemeClr val="tx1"/>
+                      </a:solidFill>
+                      <a:prstDash val="solid"/>
+                      <a:round/>
+                      <a:headEnd type="none" w="med" len="med"/>
+                      <a:tailEnd type="none" w="med" len="med"/>
+                    </a:lnR>
+                    <a:lnT w="12700" cap="flat" cmpd="sng" algn="ctr">
+                      <a:solidFill>
+                        <a:schemeClr val="tx1"/>
+                      </a:solidFill>
+                      <a:prstDash val="solid"/>
+                      <a:round/>
+                      <a:headEnd type="none" w="med" len="med"/>
+                      <a:tailEnd type="none" w="med" len="med"/>
+                    </a:lnT>
+                    <a:lnB w="12700" cap="flat" cmpd="sng" algn="ctr">
+                      <a:solidFill>
+                        <a:schemeClr val="tx1"/>
+                      </a:solidFill>
+                      <a:prstDash val="solid"/>
+                      <a:round/>
+                      <a:headEnd type="none" w="med" len="med"/>
+                      <a:tailEnd type="none" w="med" len="med"/>
+                    </a:lnB>
+                    <a:solidFill>
+                      <a:schemeClr val="accent1">
+                        <a:lumMod val="20000"/>
+                        <a:lumOff val="80000"/>
+                      </a:schemeClr>
+                    </a:solidFill>
+                  </a:tcPr>
+                </a:tc>
+                <a:tc>
+                  <a:txBody>
+                    <a:bodyPr/>
+                    <a:lstStyle/>
+                    <a:p>
+                      <a:pPr algn="ctr"/>
+                      <a:endParaRPr lang="en-US" dirty="0"/>
+                    </a:p>
+                  </a:txBody>
+                  <a:tcPr anchor="ctr">
+                    <a:lnL w="12700" cap="flat" cmpd="sng" algn="ctr">
+                      <a:solidFill>
+                        <a:schemeClr val="tx1"/>
+                      </a:solidFill>
+                      <a:prstDash val="solid"/>
+                      <a:round/>
+                      <a:headEnd type="none" w="med" len="med"/>
+                      <a:tailEnd type="none" w="med" len="med"/>
+                    </a:lnL>
+                  </a:tcPr>
+                </a:tc>
+                <a:tc>
+                  <a:txBody>
+                    <a:bodyPr/>
+                    <a:lstStyle/>
+                    <a:p>
+                      <a:pPr algn="ctr"/>
+                      <a:endParaRPr lang="en-US" dirty="0"/>
+                    </a:p>
+                  </a:txBody>
+                  <a:tcPr anchor="ctr"/>
+                </a:tc>
+                <a:extLst>
+                  <a:ext uri="{0D108BD9-81ED-4DB2-BD59-A6C34878D82A}">
+                    <a16:rowId xmlns:a16="http://schemas.microsoft.com/office/drawing/2014/main" val="3905944780"/>
+                  </a:ext>
+                </a:extLst>
+              </a:tr>
+            </a:tbl>
+          </a:graphicData>
+        </a:graphic>
+      </p:graphicFrame>
       <p:pic>
         <p:nvPicPr>
-          <p:cNvPr id="26" name="Picture 25"/>
+          <p:cNvPr id="10" name="Picture 9"/>
           <p:cNvPicPr>
             <a:picLocks noChangeAspect="1"/>
           </p:cNvPicPr>
           <p:nvPr/>
         </p:nvPicPr>
-        <p:blipFill>
-          <a:blip r:embed="rId5">
-            <a:extLst>
-              <a:ext uri="{28A0092B-C50C-407E-A947-70E740481C1C}">
-                <a14:useLocalDpi xmlns:a14="http://schemas.microsoft.com/office/drawing/2010/main" val="0"/>
-              </a:ext>
-            </a:extLst>
+        <p:blipFill rotWithShape="1">
+          <a:blip r:embed="rId7">
+            <a:lum bright="20000" contrast="-40000"/>
           </a:blip>
-          <a:stretch>
-            <a:fillRect/>
-          </a:stretch>
+          <a:srcRect l="5205" t="8851" r="5556" b="23177"/>
+          <a:stretch/>
         </p:blipFill>
         <p:spPr>
           <a:xfrm>
-            <a:off x="4618747" y="838200"/>
-            <a:ext cx="933450" cy="3467100"/>
+            <a:off x="5252714" y="840085"/>
+            <a:ext cx="3702101" cy="576072"/>
           </a:xfrm>
           <a:prstGeom prst="rect">
             <a:avLst/>
           </a:prstGeom>
         </p:spPr>
       </p:pic>
+      <p:pic>
+        <p:nvPicPr>
+          <p:cNvPr id="11" name="Picture 10"/>
+          <p:cNvPicPr>
+            <a:picLocks noChangeAspect="1"/>
+          </p:cNvPicPr>
+          <p:nvPr/>
+        </p:nvPicPr>
+        <p:blipFill rotWithShape="1">
+          <a:blip r:embed="rId7">
+            <a:lum bright="20000" contrast="-40000"/>
+          </a:blip>
+          <a:srcRect l="5042" t="8851" r="5312" b="22472"/>
+          <a:stretch/>
+        </p:blipFill>
+        <p:spPr>
+          <a:xfrm>
+            <a:off x="5249919" y="209319"/>
+            <a:ext cx="3704896" cy="579838"/>
+          </a:xfrm>
+          <a:prstGeom prst="rect">
+            <a:avLst/>
+          </a:prstGeom>
+        </p:spPr>
+      </p:pic>
+      <p:sp>
+        <p:nvSpPr>
+          <p:cNvPr id="12" name="Rectangle 11"/>
+          <p:cNvSpPr>
+            <a:spLocks noChangeAspect="1"/>
+          </p:cNvSpPr>
+          <p:nvPr/>
+        </p:nvSpPr>
+        <p:spPr>
+          <a:xfrm>
+            <a:off x="5252712" y="840084"/>
+            <a:ext cx="2030759" cy="576072"/>
+          </a:xfrm>
+          <a:prstGeom prst="rect">
+            <a:avLst/>
+          </a:prstGeom>
+          <a:solidFill>
+            <a:schemeClr val="tx2">
+              <a:lumMod val="50000"/>
+              <a:lumOff val="50000"/>
+              <a:alpha val="42000"/>
+            </a:schemeClr>
+          </a:solidFill>
+          <a:ln>
+            <a:noFill/>
+          </a:ln>
+        </p:spPr>
+        <p:style>
+          <a:lnRef idx="2">
+            <a:schemeClr val="accent1">
+              <a:shade val="50000"/>
+            </a:schemeClr>
+          </a:lnRef>
+          <a:fillRef idx="1">
+            <a:schemeClr val="accent1"/>
+          </a:fillRef>
+          <a:effectRef idx="0">
+            <a:schemeClr val="accent1"/>
+          </a:effectRef>
+          <a:fontRef idx="minor">
+            <a:schemeClr val="lt1"/>
+          </a:fontRef>
+        </p:style>
+        <p:txBody>
+          <a:bodyPr rtlCol="0" anchor="ctr"/>
+          <a:lstStyle/>
+          <a:p>
+            <a:pPr algn="ctr"/>
+            <a:endParaRPr lang="en-US"/>
+          </a:p>
+        </p:txBody>
+      </p:sp>
+      <p:sp>
+        <p:nvSpPr>
+          <p:cNvPr id="13" name="Rectangle 12"/>
+          <p:cNvSpPr>
+            <a:spLocks noChangeAspect="1"/>
+          </p:cNvSpPr>
+          <p:nvPr/>
+        </p:nvSpPr>
+        <p:spPr>
+          <a:xfrm>
+            <a:off x="7283471" y="834923"/>
+            <a:ext cx="1413243" cy="576072"/>
+          </a:xfrm>
+          <a:prstGeom prst="rect">
+            <a:avLst/>
+          </a:prstGeom>
+          <a:solidFill>
+            <a:srgbClr val="00B050">
+              <a:alpha val="42000"/>
+            </a:srgbClr>
+          </a:solidFill>
+          <a:ln>
+            <a:noFill/>
+          </a:ln>
+        </p:spPr>
+        <p:style>
+          <a:lnRef idx="2">
+            <a:schemeClr val="accent1">
+              <a:shade val="50000"/>
+            </a:schemeClr>
+          </a:lnRef>
+          <a:fillRef idx="1">
+            <a:schemeClr val="accent1"/>
+          </a:fillRef>
+          <a:effectRef idx="0">
+            <a:schemeClr val="accent1"/>
+          </a:effectRef>
+          <a:fontRef idx="minor">
+            <a:schemeClr val="lt1"/>
+          </a:fontRef>
+        </p:style>
+        <p:txBody>
+          <a:bodyPr rtlCol="0" anchor="ctr"/>
+          <a:lstStyle/>
+          <a:p>
+            <a:pPr algn="ctr"/>
+            <a:endParaRPr lang="en-US"/>
+          </a:p>
+        </p:txBody>
+      </p:sp>
+      <p:sp>
+        <p:nvSpPr>
+          <p:cNvPr id="14" name="Rectangle 13"/>
+          <p:cNvSpPr>
+            <a:spLocks noChangeAspect="1"/>
+          </p:cNvSpPr>
+          <p:nvPr/>
+        </p:nvSpPr>
+        <p:spPr>
+          <a:xfrm>
+            <a:off x="8696552" y="840084"/>
+            <a:ext cx="258425" cy="576072"/>
+          </a:xfrm>
+          <a:prstGeom prst="rect">
+            <a:avLst/>
+          </a:prstGeom>
+          <a:solidFill>
+            <a:srgbClr val="FFFF00">
+              <a:alpha val="35000"/>
+            </a:srgbClr>
+          </a:solidFill>
+          <a:ln>
+            <a:noFill/>
+          </a:ln>
+        </p:spPr>
+        <p:style>
+          <a:lnRef idx="2">
+            <a:schemeClr val="accent1">
+              <a:shade val="50000"/>
+            </a:schemeClr>
+          </a:lnRef>
+          <a:fillRef idx="1">
+            <a:schemeClr val="accent1"/>
+          </a:fillRef>
+          <a:effectRef idx="0">
+            <a:schemeClr val="accent1"/>
+          </a:effectRef>
+          <a:fontRef idx="minor">
+            <a:schemeClr val="lt1"/>
+          </a:fontRef>
+        </p:style>
+        <p:txBody>
+          <a:bodyPr rtlCol="0" anchor="ctr"/>
+          <a:lstStyle/>
+          <a:p>
+            <a:pPr algn="ctr"/>
+            <a:endParaRPr lang="en-US"/>
+          </a:p>
+        </p:txBody>
+      </p:sp>
+      <p:sp>
+        <p:nvSpPr>
+          <p:cNvPr id="15" name="TextBox 14"/>
+          <p:cNvSpPr txBox="1"/>
+          <p:nvPr/>
+        </p:nvSpPr>
+        <p:spPr>
+          <a:xfrm>
+            <a:off x="5269329" y="309782"/>
+            <a:ext cx="3685486" cy="400110"/>
+          </a:xfrm>
+          <a:prstGeom prst="rect">
+            <a:avLst/>
+          </a:prstGeom>
+          <a:noFill/>
+        </p:spPr>
+        <p:txBody>
+          <a:bodyPr wrap="square" rtlCol="0">
+            <a:spAutoFit/>
+          </a:bodyPr>
+          <a:lstStyle/>
+          <a:p>
+            <a:pPr algn="ctr"/>
+            <a:r>
+              <a:rPr lang="en-US" sz="2000" b="1" dirty="0" smtClean="0">
+                <a:solidFill>
+                  <a:schemeClr val="bg1"/>
+                </a:solidFill>
+              </a:rPr>
+              <a:t>9,388 Ultrasound </a:t>
+            </a:r>
+            <a:r>
+              <a:rPr lang="en-US" sz="1800" b="1" dirty="0" smtClean="0">
+                <a:solidFill>
+                  <a:schemeClr val="bg1"/>
+                </a:solidFill>
+              </a:rPr>
+              <a:t>Images</a:t>
+            </a:r>
+            <a:r>
+              <a:rPr lang="en-US" sz="2000" b="1" dirty="0" smtClean="0">
+                <a:solidFill>
+                  <a:schemeClr val="bg1"/>
+                </a:solidFill>
+              </a:rPr>
+              <a:t> +</a:t>
+            </a:r>
+            <a:endParaRPr lang="en-US" sz="2000" b="1" dirty="0">
+              <a:solidFill>
+                <a:schemeClr val="bg1"/>
+              </a:solidFill>
+            </a:endParaRPr>
+          </a:p>
+        </p:txBody>
+      </p:sp>
+      <p:sp>
+        <p:nvSpPr>
+          <p:cNvPr id="16" name="TextBox 15"/>
+          <p:cNvSpPr txBox="1"/>
+          <p:nvPr/>
+        </p:nvSpPr>
+        <p:spPr>
+          <a:xfrm>
+            <a:off x="5249919" y="928065"/>
+            <a:ext cx="2033551" cy="400110"/>
+          </a:xfrm>
+          <a:prstGeom prst="rect">
+            <a:avLst/>
+          </a:prstGeom>
+          <a:noFill/>
+        </p:spPr>
+        <p:txBody>
+          <a:bodyPr wrap="square" rtlCol="0">
+            <a:spAutoFit/>
+          </a:bodyPr>
+          <a:lstStyle/>
+          <a:p>
+            <a:pPr algn="ctr"/>
+            <a:r>
+              <a:rPr lang="en-US" sz="2000" b="1" dirty="0" smtClean="0">
+                <a:solidFill>
+                  <a:schemeClr val="bg1"/>
+                </a:solidFill>
+              </a:rPr>
+              <a:t>60% </a:t>
+            </a:r>
+            <a:r>
+              <a:rPr lang="en-US" sz="1800" b="1" dirty="0" smtClean="0">
+                <a:solidFill>
+                  <a:schemeClr val="bg1"/>
+                </a:solidFill>
+              </a:rPr>
+              <a:t>Train</a:t>
+            </a:r>
+            <a:endParaRPr lang="en-US" sz="2000" b="1" dirty="0">
+              <a:solidFill>
+                <a:schemeClr val="bg1"/>
+              </a:solidFill>
+            </a:endParaRPr>
+          </a:p>
+        </p:txBody>
+      </p:sp>
+      <p:sp>
+        <p:nvSpPr>
+          <p:cNvPr id="17" name="TextBox 16"/>
+          <p:cNvSpPr txBox="1"/>
+          <p:nvPr/>
+        </p:nvSpPr>
+        <p:spPr>
+          <a:xfrm>
+            <a:off x="7283670" y="928065"/>
+            <a:ext cx="1413043" cy="369332"/>
+          </a:xfrm>
+          <a:prstGeom prst="rect">
+            <a:avLst/>
+          </a:prstGeom>
+          <a:noFill/>
+        </p:spPr>
+        <p:txBody>
+          <a:bodyPr wrap="square" rtlCol="0">
+            <a:spAutoFit/>
+          </a:bodyPr>
+          <a:lstStyle/>
+          <a:p>
+            <a:pPr algn="ctr"/>
+            <a:r>
+              <a:rPr lang="en-US" sz="1800" b="1" dirty="0" smtClean="0">
+                <a:solidFill>
+                  <a:schemeClr val="bg1"/>
+                </a:solidFill>
+              </a:rPr>
+              <a:t>25% Valid.</a:t>
+            </a:r>
+            <a:endParaRPr lang="en-US" sz="1800" b="1" dirty="0">
+              <a:solidFill>
+                <a:schemeClr val="bg1"/>
+              </a:solidFill>
+            </a:endParaRPr>
+          </a:p>
+        </p:txBody>
+      </p:sp>
+      <p:sp>
+        <p:nvSpPr>
+          <p:cNvPr id="18" name="TextBox 17"/>
+          <p:cNvSpPr txBox="1"/>
+          <p:nvPr/>
+        </p:nvSpPr>
+        <p:spPr>
+          <a:xfrm rot="16200000">
+            <a:off x="8537729" y="969071"/>
+            <a:ext cx="576072" cy="307777"/>
+          </a:xfrm>
+          <a:prstGeom prst="rect">
+            <a:avLst/>
+          </a:prstGeom>
+          <a:noFill/>
+        </p:spPr>
+        <p:txBody>
+          <a:bodyPr wrap="square" rtlCol="0">
+            <a:spAutoFit/>
+          </a:bodyPr>
+          <a:lstStyle/>
+          <a:p>
+            <a:pPr algn="ctr"/>
+            <a:r>
+              <a:rPr lang="en-US" sz="1400" b="1" dirty="0" smtClean="0">
+                <a:solidFill>
+                  <a:schemeClr val="bg1"/>
+                </a:solidFill>
+              </a:rPr>
+              <a:t>15%</a:t>
+            </a:r>
+            <a:endParaRPr lang="en-US" sz="1400" b="1" dirty="0">
+              <a:solidFill>
+                <a:schemeClr val="bg1"/>
+              </a:solidFill>
+            </a:endParaRPr>
+          </a:p>
+        </p:txBody>
+      </p:sp>
+      <p:sp>
+        <p:nvSpPr>
+          <p:cNvPr id="19" name="TextBox 18"/>
+          <p:cNvSpPr txBox="1"/>
+          <p:nvPr/>
+        </p:nvSpPr>
+        <p:spPr>
+          <a:xfrm>
+            <a:off x="6377151" y="3433633"/>
+            <a:ext cx="1931276" cy="830997"/>
+          </a:xfrm>
+          <a:prstGeom prst="rect">
+            <a:avLst/>
+          </a:prstGeom>
+          <a:solidFill>
+            <a:srgbClr val="FFFF99"/>
+          </a:solidFill>
+        </p:spPr>
+        <p:txBody>
+          <a:bodyPr wrap="square" rtlCol="0">
+            <a:spAutoFit/>
+          </a:bodyPr>
+          <a:lstStyle/>
+          <a:p>
+            <a:pPr algn="ctr"/>
+            <a:r>
+              <a:rPr lang="en-US" sz="4800" b="1" dirty="0" smtClean="0">
+                <a:solidFill>
+                  <a:srgbClr val="00B050"/>
+                </a:solidFill>
+              </a:rPr>
+              <a:t>93.8%</a:t>
+            </a:r>
+            <a:endParaRPr lang="en-US" b="1" dirty="0">
+              <a:solidFill>
+                <a:srgbClr val="00B050"/>
+              </a:solidFill>
+            </a:endParaRPr>
+          </a:p>
+        </p:txBody>
+      </p:sp>
     </p:spTree>
     <p:extLst>
       <p:ext uri="{BB962C8B-B14F-4D97-AF65-F5344CB8AC3E}">
-        <p14:creationId xmlns:p14="http://schemas.microsoft.com/office/powerpoint/2010/main" val="2394549129"/>
+        <p14:creationId xmlns:p14="http://schemas.microsoft.com/office/powerpoint/2010/main" val="3267704878"/>
       </p:ext>
     </p:extLst>
   </p:cSld>

--- a/mkokko_slides.pptx
+++ b/mkokko_slides.pptx
@@ -10441,7 +10441,6 @@
               <a:rPr lang="en-US" sz="700" dirty="0"/>
               <a:t>https://upload.wikimedia.org/wikipedia/commons/thumb/1/11/TensorFlowLogo.svg/522px-TensorFlowLogo.svg.png</a:t>
             </a:r>
-            <a:endParaRPr lang="en-US" sz="700" dirty="0"/>
           </a:p>
         </p:txBody>
       </p:sp>
@@ -12373,7 +12372,15 @@
                   <a:schemeClr val="bg1"/>
                 </a:solidFill>
               </a:rPr>
-              <a:t>9,388 Ultrasound </a:t>
+              <a:t>18</a:t>
+            </a:r>
+            <a:r>
+              <a:rPr lang="en-US" sz="2000" b="1" dirty="0" smtClean="0">
+                <a:solidFill>
+                  <a:schemeClr val="bg1"/>
+                </a:solidFill>
+              </a:rPr>
+              <a:t>,776 Ultrasound </a:t>
             </a:r>
             <a:r>
               <a:rPr lang="en-US" sz="1800" b="1" dirty="0" smtClean="0">
@@ -12382,14 +12389,6 @@
                 </a:solidFill>
               </a:rPr>
               <a:t>Images</a:t>
-            </a:r>
-            <a:r>
-              <a:rPr lang="en-US" sz="2000" b="1" dirty="0" smtClean="0">
-                <a:solidFill>
-                  <a:schemeClr val="bg1"/>
-                </a:solidFill>
-              </a:rPr>
-              <a:t> +</a:t>
             </a:r>
             <a:endParaRPr lang="en-US" sz="2000" b="1" dirty="0">
               <a:solidFill>
